--- a/Procedurell_Generering_Prototyp.pptx
+++ b/Procedurell_Generering_Prototyp.pptx
@@ -4,11 +4,21 @@
   <p:sldMasterIdLst>
     <p:sldMasterId id="2147483648" r:id="rId1"/>
   </p:sldMasterIdLst>
+  <p:notesMasterIdLst>
+    <p:notesMasterId r:id="rId13"/>
+  </p:notesMasterIdLst>
   <p:sldIdLst>
     <p:sldId id="256" r:id="rId2"/>
     <p:sldId id="257" r:id="rId3"/>
     <p:sldId id="260" r:id="rId4"/>
     <p:sldId id="259" r:id="rId5"/>
+    <p:sldId id="261" r:id="rId6"/>
+    <p:sldId id="263" r:id="rId7"/>
+    <p:sldId id="262" r:id="rId8"/>
+    <p:sldId id="265" r:id="rId9"/>
+    <p:sldId id="266" r:id="rId10"/>
+    <p:sldId id="267" r:id="rId11"/>
+    <p:sldId id="268" r:id="rId12"/>
   </p:sldIdLst>
   <p:sldSz cx="12192000" cy="6858000"/>
   <p:notesSz cx="6858000" cy="9144000"/>
@@ -113,6 +123,2149 @@
     </p:ext>
   </p:extLst>
 </p:presentation>
+</file>
+
+<file path=ppt/notesMasters/notesMaster1.xml><?xml version="1.0" encoding="utf-8"?>
+<p:notesMaster xmlns:a="http://schemas.openxmlformats.org/drawingml/2006/main" xmlns:r="http://schemas.openxmlformats.org/officeDocument/2006/relationships" xmlns:p="http://schemas.openxmlformats.org/presentationml/2006/main">
+  <p:cSld>
+    <p:bg>
+      <p:bgRef idx="1001">
+        <a:schemeClr val="bg1"/>
+      </p:bgRef>
+    </p:bg>
+    <p:spTree>
+      <p:nvGrpSpPr>
+        <p:cNvPr id="1" name=""/>
+        <p:cNvGrpSpPr/>
+        <p:nvPr/>
+      </p:nvGrpSpPr>
+      <p:grpSpPr>
+        <a:xfrm>
+          <a:off x="0" y="0"/>
+          <a:ext cx="0" cy="0"/>
+          <a:chOff x="0" y="0"/>
+          <a:chExt cx="0" cy="0"/>
+        </a:xfrm>
+      </p:grpSpPr>
+      <p:sp>
+        <p:nvSpPr>
+          <p:cNvPr id="2" name="Platshållare för sidhuvud 1"/>
+          <p:cNvSpPr>
+            <a:spLocks noGrp="1"/>
+          </p:cNvSpPr>
+          <p:nvPr>
+            <p:ph type="hdr" sz="quarter"/>
+          </p:nvPr>
+        </p:nvSpPr>
+        <p:spPr>
+          <a:xfrm>
+            <a:off x="0" y="0"/>
+            <a:ext cx="2971800" cy="458788"/>
+          </a:xfrm>
+          <a:prstGeom prst="rect">
+            <a:avLst/>
+          </a:prstGeom>
+        </p:spPr>
+        <p:txBody>
+          <a:bodyPr vert="horz" lIns="91440" tIns="45720" rIns="91440" bIns="45720" rtlCol="0"/>
+          <a:lstStyle>
+            <a:lvl1pPr algn="l">
+              <a:defRPr sz="1200"/>
+            </a:lvl1pPr>
+          </a:lstStyle>
+          <a:p>
+            <a:endParaRPr lang="sv-SE"/>
+          </a:p>
+        </p:txBody>
+      </p:sp>
+      <p:sp>
+        <p:nvSpPr>
+          <p:cNvPr id="3" name="Platshållare för datum 2"/>
+          <p:cNvSpPr>
+            <a:spLocks noGrp="1"/>
+          </p:cNvSpPr>
+          <p:nvPr>
+            <p:ph type="dt" idx="1"/>
+          </p:nvPr>
+        </p:nvSpPr>
+        <p:spPr>
+          <a:xfrm>
+            <a:off x="3884613" y="0"/>
+            <a:ext cx="2971800" cy="458788"/>
+          </a:xfrm>
+          <a:prstGeom prst="rect">
+            <a:avLst/>
+          </a:prstGeom>
+        </p:spPr>
+        <p:txBody>
+          <a:bodyPr vert="horz" lIns="91440" tIns="45720" rIns="91440" bIns="45720" rtlCol="0"/>
+          <a:lstStyle>
+            <a:lvl1pPr algn="r">
+              <a:defRPr sz="1200"/>
+            </a:lvl1pPr>
+          </a:lstStyle>
+          <a:p>
+            <a:fld id="{60F2EB4C-D24B-4EA5-8122-174D7942AF1E}" type="datetimeFigureOut">
+              <a:rPr lang="sv-SE" smtClean="0"/>
+              <a:t>2023-05-22</a:t>
+            </a:fld>
+            <a:endParaRPr lang="sv-SE"/>
+          </a:p>
+        </p:txBody>
+      </p:sp>
+      <p:sp>
+        <p:nvSpPr>
+          <p:cNvPr id="4" name="Platshållare för bildobjekt 3"/>
+          <p:cNvSpPr>
+            <a:spLocks noGrp="1" noRot="1" noChangeAspect="1"/>
+          </p:cNvSpPr>
+          <p:nvPr>
+            <p:ph type="sldImg" idx="2"/>
+          </p:nvPr>
+        </p:nvSpPr>
+        <p:spPr>
+          <a:xfrm>
+            <a:off x="685800" y="1143000"/>
+            <a:ext cx="5486400" cy="3086100"/>
+          </a:xfrm>
+          <a:prstGeom prst="rect">
+            <a:avLst/>
+          </a:prstGeom>
+          <a:noFill/>
+          <a:ln w="12700">
+            <a:solidFill>
+              <a:prstClr val="black"/>
+            </a:solidFill>
+          </a:ln>
+        </p:spPr>
+        <p:txBody>
+          <a:bodyPr vert="horz" lIns="91440" tIns="45720" rIns="91440" bIns="45720" rtlCol="0" anchor="ctr"/>
+          <a:lstStyle/>
+          <a:p>
+            <a:endParaRPr lang="sv-SE"/>
+          </a:p>
+        </p:txBody>
+      </p:sp>
+      <p:sp>
+        <p:nvSpPr>
+          <p:cNvPr id="5" name="Platshållare för anteckningar 4"/>
+          <p:cNvSpPr>
+            <a:spLocks noGrp="1"/>
+          </p:cNvSpPr>
+          <p:nvPr>
+            <p:ph type="body" sz="quarter" idx="3"/>
+          </p:nvPr>
+        </p:nvSpPr>
+        <p:spPr>
+          <a:xfrm>
+            <a:off x="685800" y="4400550"/>
+            <a:ext cx="5486400" cy="3600450"/>
+          </a:xfrm>
+          <a:prstGeom prst="rect">
+            <a:avLst/>
+          </a:prstGeom>
+        </p:spPr>
+        <p:txBody>
+          <a:bodyPr vert="horz" lIns="91440" tIns="45720" rIns="91440" bIns="45720" rtlCol="0"/>
+          <a:lstStyle/>
+          <a:p>
+            <a:pPr lvl="0"/>
+            <a:r>
+              <a:rPr lang="sv-SE"/>
+              <a:t>Klicka här för att ändra format på bakgrundstexten</a:t>
+            </a:r>
+          </a:p>
+          <a:p>
+            <a:pPr lvl="1"/>
+            <a:r>
+              <a:rPr lang="sv-SE"/>
+              <a:t>Nivå två</a:t>
+            </a:r>
+          </a:p>
+          <a:p>
+            <a:pPr lvl="2"/>
+            <a:r>
+              <a:rPr lang="sv-SE"/>
+              <a:t>Nivå tre</a:t>
+            </a:r>
+          </a:p>
+          <a:p>
+            <a:pPr lvl="3"/>
+            <a:r>
+              <a:rPr lang="sv-SE"/>
+              <a:t>Nivå fyra</a:t>
+            </a:r>
+          </a:p>
+          <a:p>
+            <a:pPr lvl="4"/>
+            <a:r>
+              <a:rPr lang="sv-SE"/>
+              <a:t>Nivå fem</a:t>
+            </a:r>
+          </a:p>
+        </p:txBody>
+      </p:sp>
+      <p:sp>
+        <p:nvSpPr>
+          <p:cNvPr id="6" name="Platshållare för sidfot 5"/>
+          <p:cNvSpPr>
+            <a:spLocks noGrp="1"/>
+          </p:cNvSpPr>
+          <p:nvPr>
+            <p:ph type="ftr" sz="quarter" idx="4"/>
+          </p:nvPr>
+        </p:nvSpPr>
+        <p:spPr>
+          <a:xfrm>
+            <a:off x="0" y="8685213"/>
+            <a:ext cx="2971800" cy="458787"/>
+          </a:xfrm>
+          <a:prstGeom prst="rect">
+            <a:avLst/>
+          </a:prstGeom>
+        </p:spPr>
+        <p:txBody>
+          <a:bodyPr vert="horz" lIns="91440" tIns="45720" rIns="91440" bIns="45720" rtlCol="0" anchor="b"/>
+          <a:lstStyle>
+            <a:lvl1pPr algn="l">
+              <a:defRPr sz="1200"/>
+            </a:lvl1pPr>
+          </a:lstStyle>
+          <a:p>
+            <a:endParaRPr lang="sv-SE"/>
+          </a:p>
+        </p:txBody>
+      </p:sp>
+      <p:sp>
+        <p:nvSpPr>
+          <p:cNvPr id="7" name="Platshållare för bildnummer 6"/>
+          <p:cNvSpPr>
+            <a:spLocks noGrp="1"/>
+          </p:cNvSpPr>
+          <p:nvPr>
+            <p:ph type="sldNum" sz="quarter" idx="5"/>
+          </p:nvPr>
+        </p:nvSpPr>
+        <p:spPr>
+          <a:xfrm>
+            <a:off x="3884613" y="8685213"/>
+            <a:ext cx="2971800" cy="458787"/>
+          </a:xfrm>
+          <a:prstGeom prst="rect">
+            <a:avLst/>
+          </a:prstGeom>
+        </p:spPr>
+        <p:txBody>
+          <a:bodyPr vert="horz" lIns="91440" tIns="45720" rIns="91440" bIns="45720" rtlCol="0" anchor="b"/>
+          <a:lstStyle>
+            <a:lvl1pPr algn="r">
+              <a:defRPr sz="1200"/>
+            </a:lvl1pPr>
+          </a:lstStyle>
+          <a:p>
+            <a:fld id="{440D2322-BBBF-4456-B2C9-2F59CC22E037}" type="slidenum">
+              <a:rPr lang="sv-SE" smtClean="0"/>
+              <a:t>‹#›</a:t>
+            </a:fld>
+            <a:endParaRPr lang="sv-SE"/>
+          </a:p>
+        </p:txBody>
+      </p:sp>
+    </p:spTree>
+    <p:extLst>
+      <p:ext uri="{BB962C8B-B14F-4D97-AF65-F5344CB8AC3E}">
+        <p14:creationId xmlns:p14="http://schemas.microsoft.com/office/powerpoint/2010/main" val="3356952666"/>
+      </p:ext>
+    </p:extLst>
+  </p:cSld>
+  <p:clrMap bg1="lt1" tx1="dk1" bg2="lt2" tx2="dk2" accent1="accent1" accent2="accent2" accent3="accent3" accent4="accent4" accent5="accent5" accent6="accent6" hlink="hlink" folHlink="folHlink"/>
+  <p:notesStyle>
+    <a:lvl1pPr marL="0" algn="l" defTabSz="914400" rtl="0" eaLnBrk="1" latinLnBrk="0" hangingPunct="1">
+      <a:defRPr sz="1200" kern="1200">
+        <a:solidFill>
+          <a:schemeClr val="tx1"/>
+        </a:solidFill>
+        <a:latin typeface="+mn-lt"/>
+        <a:ea typeface="+mn-ea"/>
+        <a:cs typeface="+mn-cs"/>
+      </a:defRPr>
+    </a:lvl1pPr>
+    <a:lvl2pPr marL="457200" algn="l" defTabSz="914400" rtl="0" eaLnBrk="1" latinLnBrk="0" hangingPunct="1">
+      <a:defRPr sz="1200" kern="1200">
+        <a:solidFill>
+          <a:schemeClr val="tx1"/>
+        </a:solidFill>
+        <a:latin typeface="+mn-lt"/>
+        <a:ea typeface="+mn-ea"/>
+        <a:cs typeface="+mn-cs"/>
+      </a:defRPr>
+    </a:lvl2pPr>
+    <a:lvl3pPr marL="914400" algn="l" defTabSz="914400" rtl="0" eaLnBrk="1" latinLnBrk="0" hangingPunct="1">
+      <a:defRPr sz="1200" kern="1200">
+        <a:solidFill>
+          <a:schemeClr val="tx1"/>
+        </a:solidFill>
+        <a:latin typeface="+mn-lt"/>
+        <a:ea typeface="+mn-ea"/>
+        <a:cs typeface="+mn-cs"/>
+      </a:defRPr>
+    </a:lvl3pPr>
+    <a:lvl4pPr marL="1371600" algn="l" defTabSz="914400" rtl="0" eaLnBrk="1" latinLnBrk="0" hangingPunct="1">
+      <a:defRPr sz="1200" kern="1200">
+        <a:solidFill>
+          <a:schemeClr val="tx1"/>
+        </a:solidFill>
+        <a:latin typeface="+mn-lt"/>
+        <a:ea typeface="+mn-ea"/>
+        <a:cs typeface="+mn-cs"/>
+      </a:defRPr>
+    </a:lvl4pPr>
+    <a:lvl5pPr marL="1828800" algn="l" defTabSz="914400" rtl="0" eaLnBrk="1" latinLnBrk="0" hangingPunct="1">
+      <a:defRPr sz="1200" kern="1200">
+        <a:solidFill>
+          <a:schemeClr val="tx1"/>
+        </a:solidFill>
+        <a:latin typeface="+mn-lt"/>
+        <a:ea typeface="+mn-ea"/>
+        <a:cs typeface="+mn-cs"/>
+      </a:defRPr>
+    </a:lvl5pPr>
+    <a:lvl6pPr marL="2286000" algn="l" defTabSz="914400" rtl="0" eaLnBrk="1" latinLnBrk="0" hangingPunct="1">
+      <a:defRPr sz="1200" kern="1200">
+        <a:solidFill>
+          <a:schemeClr val="tx1"/>
+        </a:solidFill>
+        <a:latin typeface="+mn-lt"/>
+        <a:ea typeface="+mn-ea"/>
+        <a:cs typeface="+mn-cs"/>
+      </a:defRPr>
+    </a:lvl6pPr>
+    <a:lvl7pPr marL="2743200" algn="l" defTabSz="914400" rtl="0" eaLnBrk="1" latinLnBrk="0" hangingPunct="1">
+      <a:defRPr sz="1200" kern="1200">
+        <a:solidFill>
+          <a:schemeClr val="tx1"/>
+        </a:solidFill>
+        <a:latin typeface="+mn-lt"/>
+        <a:ea typeface="+mn-ea"/>
+        <a:cs typeface="+mn-cs"/>
+      </a:defRPr>
+    </a:lvl7pPr>
+    <a:lvl8pPr marL="3200400" algn="l" defTabSz="914400" rtl="0" eaLnBrk="1" latinLnBrk="0" hangingPunct="1">
+      <a:defRPr sz="1200" kern="1200">
+        <a:solidFill>
+          <a:schemeClr val="tx1"/>
+        </a:solidFill>
+        <a:latin typeface="+mn-lt"/>
+        <a:ea typeface="+mn-ea"/>
+        <a:cs typeface="+mn-cs"/>
+      </a:defRPr>
+    </a:lvl8pPr>
+    <a:lvl9pPr marL="3657600" algn="l" defTabSz="914400" rtl="0" eaLnBrk="1" latinLnBrk="0" hangingPunct="1">
+      <a:defRPr sz="1200" kern="1200">
+        <a:solidFill>
+          <a:schemeClr val="tx1"/>
+        </a:solidFill>
+        <a:latin typeface="+mn-lt"/>
+        <a:ea typeface="+mn-ea"/>
+        <a:cs typeface="+mn-cs"/>
+      </a:defRPr>
+    </a:lvl9pPr>
+  </p:notesStyle>
+</p:notesMaster>
+</file>
+
+<file path=ppt/notesSlides/notesSlide1.xml><?xml version="1.0" encoding="utf-8"?>
+<p:notes xmlns:a="http://schemas.openxmlformats.org/drawingml/2006/main" xmlns:r="http://schemas.openxmlformats.org/officeDocument/2006/relationships" xmlns:p="http://schemas.openxmlformats.org/presentationml/2006/main">
+  <p:cSld>
+    <p:spTree>
+      <p:nvGrpSpPr>
+        <p:cNvPr id="1" name=""/>
+        <p:cNvGrpSpPr/>
+        <p:nvPr/>
+      </p:nvGrpSpPr>
+      <p:grpSpPr>
+        <a:xfrm>
+          <a:off x="0" y="0"/>
+          <a:ext cx="0" cy="0"/>
+          <a:chOff x="0" y="0"/>
+          <a:chExt cx="0" cy="0"/>
+        </a:xfrm>
+      </p:grpSpPr>
+      <p:sp>
+        <p:nvSpPr>
+          <p:cNvPr id="2" name="Platshållare för bildobjekt 1"/>
+          <p:cNvSpPr>
+            <a:spLocks noGrp="1" noRot="1" noChangeAspect="1"/>
+          </p:cNvSpPr>
+          <p:nvPr>
+            <p:ph type="sldImg"/>
+          </p:nvPr>
+        </p:nvSpPr>
+        <p:spPr/>
+      </p:sp>
+      <p:sp>
+        <p:nvSpPr>
+          <p:cNvPr id="3" name="Platshållare för anteckningar 2"/>
+          <p:cNvSpPr>
+            <a:spLocks noGrp="1"/>
+          </p:cNvSpPr>
+          <p:nvPr>
+            <p:ph type="body" idx="1"/>
+          </p:nvPr>
+        </p:nvSpPr>
+        <p:spPr/>
+        <p:txBody>
+          <a:bodyPr/>
+          <a:lstStyle/>
+          <a:p>
+            <a:r>
+              <a:rPr lang="sv-SE" dirty="0"/>
+              <a:t>Jag har valt AI-teknologin </a:t>
+            </a:r>
+            <a:r>
+              <a:rPr lang="sv-SE" dirty="0" err="1"/>
+              <a:t>procedurell</a:t>
+            </a:r>
+            <a:r>
+              <a:rPr lang="sv-SE" dirty="0"/>
+              <a:t> generering i kursens andra iteration. Jag tänkte börja med prototypen.</a:t>
+            </a:r>
+          </a:p>
+        </p:txBody>
+      </p:sp>
+      <p:sp>
+        <p:nvSpPr>
+          <p:cNvPr id="4" name="Platshållare för bildnummer 3"/>
+          <p:cNvSpPr>
+            <a:spLocks noGrp="1"/>
+          </p:cNvSpPr>
+          <p:nvPr>
+            <p:ph type="sldNum" sz="quarter" idx="5"/>
+          </p:nvPr>
+        </p:nvSpPr>
+        <p:spPr/>
+        <p:txBody>
+          <a:bodyPr/>
+          <a:lstStyle/>
+          <a:p>
+            <a:fld id="{440D2322-BBBF-4456-B2C9-2F59CC22E037}" type="slidenum">
+              <a:rPr lang="sv-SE" smtClean="0"/>
+              <a:t>1</a:t>
+            </a:fld>
+            <a:endParaRPr lang="sv-SE"/>
+          </a:p>
+        </p:txBody>
+      </p:sp>
+    </p:spTree>
+    <p:extLst>
+      <p:ext uri="{BB962C8B-B14F-4D97-AF65-F5344CB8AC3E}">
+        <p14:creationId xmlns:p14="http://schemas.microsoft.com/office/powerpoint/2010/main" val="1410759653"/>
+      </p:ext>
+    </p:extLst>
+  </p:cSld>
+  <p:clrMapOvr>
+    <a:masterClrMapping/>
+  </p:clrMapOvr>
+</p:notes>
+</file>
+
+<file path=ppt/notesSlides/notesSlide10.xml><?xml version="1.0" encoding="utf-8"?>
+<p:notes xmlns:a="http://schemas.openxmlformats.org/drawingml/2006/main" xmlns:r="http://schemas.openxmlformats.org/officeDocument/2006/relationships" xmlns:p="http://schemas.openxmlformats.org/presentationml/2006/main">
+  <p:cSld>
+    <p:spTree>
+      <p:nvGrpSpPr>
+        <p:cNvPr id="1" name=""/>
+        <p:cNvGrpSpPr/>
+        <p:nvPr/>
+      </p:nvGrpSpPr>
+      <p:grpSpPr>
+        <a:xfrm>
+          <a:off x="0" y="0"/>
+          <a:ext cx="0" cy="0"/>
+          <a:chOff x="0" y="0"/>
+          <a:chExt cx="0" cy="0"/>
+        </a:xfrm>
+      </p:grpSpPr>
+      <p:sp>
+        <p:nvSpPr>
+          <p:cNvPr id="2" name="Platshållare för bildobjekt 1"/>
+          <p:cNvSpPr>
+            <a:spLocks noGrp="1" noRot="1" noChangeAspect="1"/>
+          </p:cNvSpPr>
+          <p:nvPr>
+            <p:ph type="sldImg"/>
+          </p:nvPr>
+        </p:nvSpPr>
+        <p:spPr/>
+      </p:sp>
+      <p:sp>
+        <p:nvSpPr>
+          <p:cNvPr id="3" name="Platshållare för anteckningar 2"/>
+          <p:cNvSpPr>
+            <a:spLocks noGrp="1"/>
+          </p:cNvSpPr>
+          <p:nvPr>
+            <p:ph type="body" idx="1"/>
+          </p:nvPr>
+        </p:nvSpPr>
+        <p:spPr/>
+        <p:txBody>
+          <a:bodyPr/>
+          <a:lstStyle/>
+          <a:p>
+            <a:r>
+              <a:rPr lang="sv-SE" dirty="0"/>
+              <a:t>Det är här den andra AI-tekniken kommer in: Graph </a:t>
+            </a:r>
+            <a:r>
+              <a:rPr lang="sv-SE" dirty="0" err="1"/>
+              <a:t>Grammar</a:t>
+            </a:r>
+            <a:r>
+              <a:rPr lang="sv-SE" dirty="0"/>
+              <a:t>. I den tekniken så transformerar man en befintlig graf till en ny graf utifrån olika regler.</a:t>
+            </a:r>
+          </a:p>
+          <a:p>
+            <a:endParaRPr lang="sv-SE" dirty="0"/>
+          </a:p>
+          <a:p>
+            <a:r>
+              <a:rPr lang="sv-SE" dirty="0"/>
+              <a:t>I mitt fall blir den befintliga grafen det bräde man har innan man utför en </a:t>
+            </a:r>
+            <a:r>
+              <a:rPr lang="sv-SE" dirty="0" err="1"/>
+              <a:t>candidate</a:t>
+            </a:r>
+            <a:r>
+              <a:rPr lang="sv-SE" dirty="0"/>
+              <a:t> </a:t>
+            </a:r>
+            <a:r>
+              <a:rPr lang="sv-SE" dirty="0" err="1"/>
+              <a:t>method</a:t>
+            </a:r>
+            <a:r>
+              <a:rPr lang="sv-SE" dirty="0"/>
+              <a:t>.</a:t>
+            </a:r>
+          </a:p>
+          <a:p>
+            <a:endParaRPr lang="sv-SE" dirty="0"/>
+          </a:p>
+          <a:p>
+            <a:r>
+              <a:rPr lang="sv-SE" dirty="0"/>
+              <a:t>Den nya, transformerade, grafen är brädet som uppstår efter att kandidater har tagits bort av </a:t>
+            </a:r>
+            <a:r>
+              <a:rPr lang="sv-SE" dirty="0" err="1"/>
+              <a:t>candidate</a:t>
+            </a:r>
+            <a:r>
+              <a:rPr lang="sv-SE" dirty="0"/>
+              <a:t> </a:t>
+            </a:r>
+            <a:r>
+              <a:rPr lang="sv-SE" dirty="0" err="1"/>
+              <a:t>method</a:t>
+            </a:r>
+            <a:r>
+              <a:rPr lang="sv-SE" dirty="0"/>
+              <a:t>.</a:t>
+            </a:r>
+          </a:p>
+          <a:p>
+            <a:endParaRPr lang="sv-SE" dirty="0"/>
+          </a:p>
+          <a:p>
+            <a:r>
+              <a:rPr lang="sv-SE" dirty="0"/>
+              <a:t>Och regeln är då villkoret för att själva </a:t>
+            </a:r>
+            <a:r>
+              <a:rPr lang="sv-SE" dirty="0" err="1"/>
+              <a:t>Candidate</a:t>
+            </a:r>
+            <a:r>
+              <a:rPr lang="sv-SE" dirty="0"/>
+              <a:t> </a:t>
+            </a:r>
+            <a:r>
+              <a:rPr lang="sv-SE" dirty="0" err="1"/>
+              <a:t>Method</a:t>
+            </a:r>
+            <a:r>
+              <a:rPr lang="sv-SE" dirty="0"/>
+              <a:t> ska gälla.</a:t>
+            </a:r>
+          </a:p>
+          <a:p>
+            <a:endParaRPr lang="sv-SE" dirty="0"/>
+          </a:p>
+          <a:p>
+            <a:r>
+              <a:rPr lang="sv-SE" dirty="0"/>
+              <a:t>Samma princip gäller också för </a:t>
+            </a:r>
+            <a:r>
+              <a:rPr lang="sv-SE" dirty="0" err="1"/>
+              <a:t>digit</a:t>
+            </a:r>
+            <a:r>
+              <a:rPr lang="sv-SE" dirty="0"/>
+              <a:t> </a:t>
+            </a:r>
+            <a:r>
+              <a:rPr lang="sv-SE" dirty="0" err="1"/>
+              <a:t>methods</a:t>
+            </a:r>
+            <a:r>
+              <a:rPr lang="sv-SE" dirty="0"/>
+              <a:t>.</a:t>
+            </a:r>
+          </a:p>
+          <a:p>
+            <a:endParaRPr lang="sv-SE" dirty="0"/>
+          </a:p>
+          <a:p>
+            <a:endParaRPr lang="sv-SE" dirty="0"/>
+          </a:p>
+          <a:p>
+            <a:endParaRPr lang="sv-SE" dirty="0"/>
+          </a:p>
+          <a:p>
+            <a:endParaRPr lang="sv-SE" dirty="0"/>
+          </a:p>
+        </p:txBody>
+      </p:sp>
+      <p:sp>
+        <p:nvSpPr>
+          <p:cNvPr id="4" name="Platshållare för bildnummer 3"/>
+          <p:cNvSpPr>
+            <a:spLocks noGrp="1"/>
+          </p:cNvSpPr>
+          <p:nvPr>
+            <p:ph type="sldNum" sz="quarter" idx="5"/>
+          </p:nvPr>
+        </p:nvSpPr>
+        <p:spPr/>
+        <p:txBody>
+          <a:bodyPr/>
+          <a:lstStyle/>
+          <a:p>
+            <a:fld id="{440D2322-BBBF-4456-B2C9-2F59CC22E037}" type="slidenum">
+              <a:rPr lang="sv-SE" smtClean="0"/>
+              <a:t>10</a:t>
+            </a:fld>
+            <a:endParaRPr lang="sv-SE"/>
+          </a:p>
+        </p:txBody>
+      </p:sp>
+    </p:spTree>
+    <p:extLst>
+      <p:ext uri="{BB962C8B-B14F-4D97-AF65-F5344CB8AC3E}">
+        <p14:creationId xmlns:p14="http://schemas.microsoft.com/office/powerpoint/2010/main" val="3699203722"/>
+      </p:ext>
+    </p:extLst>
+  </p:cSld>
+  <p:clrMapOvr>
+    <a:masterClrMapping/>
+  </p:clrMapOvr>
+</p:notes>
+</file>
+
+<file path=ppt/notesSlides/notesSlide11.xml><?xml version="1.0" encoding="utf-8"?>
+<p:notes xmlns:a="http://schemas.openxmlformats.org/drawingml/2006/main" xmlns:r="http://schemas.openxmlformats.org/officeDocument/2006/relationships" xmlns:p="http://schemas.openxmlformats.org/presentationml/2006/main">
+  <p:cSld>
+    <p:spTree>
+      <p:nvGrpSpPr>
+        <p:cNvPr id="1" name=""/>
+        <p:cNvGrpSpPr/>
+        <p:nvPr/>
+      </p:nvGrpSpPr>
+      <p:grpSpPr>
+        <a:xfrm>
+          <a:off x="0" y="0"/>
+          <a:ext cx="0" cy="0"/>
+          <a:chOff x="0" y="0"/>
+          <a:chExt cx="0" cy="0"/>
+        </a:xfrm>
+      </p:grpSpPr>
+      <p:sp>
+        <p:nvSpPr>
+          <p:cNvPr id="2" name="Platshållare för bildobjekt 1"/>
+          <p:cNvSpPr>
+            <a:spLocks noGrp="1" noRot="1" noChangeAspect="1"/>
+          </p:cNvSpPr>
+          <p:nvPr>
+            <p:ph type="sldImg"/>
+          </p:nvPr>
+        </p:nvSpPr>
+        <p:spPr/>
+      </p:sp>
+      <p:sp>
+        <p:nvSpPr>
+          <p:cNvPr id="3" name="Platshållare för anteckningar 2"/>
+          <p:cNvSpPr>
+            <a:spLocks noGrp="1"/>
+          </p:cNvSpPr>
+          <p:nvPr>
+            <p:ph type="body" idx="1"/>
+          </p:nvPr>
+        </p:nvSpPr>
+        <p:spPr/>
+        <p:txBody>
+          <a:bodyPr/>
+          <a:lstStyle/>
+          <a:p>
+            <a:r>
+              <a:rPr lang="sv-SE" dirty="0"/>
+              <a:t>Så </a:t>
+            </a:r>
+            <a:r>
+              <a:rPr lang="sv-SE" dirty="0" err="1"/>
+              <a:t>HumanlySolveable</a:t>
+            </a:r>
+            <a:r>
+              <a:rPr lang="sv-SE" dirty="0"/>
+              <a:t> kollas alltså med Graph </a:t>
+            </a:r>
+            <a:r>
+              <a:rPr lang="sv-SE" dirty="0" err="1"/>
+              <a:t>Grammar</a:t>
+            </a:r>
+            <a:r>
+              <a:rPr lang="sv-SE" dirty="0"/>
+              <a:t>. </a:t>
+            </a:r>
+          </a:p>
+          <a:p>
+            <a:endParaRPr lang="sv-SE" dirty="0"/>
+          </a:p>
+          <a:p>
+            <a:r>
+              <a:rPr lang="sv-SE" dirty="0"/>
+              <a:t>Så länge brädet inte är löst så kollar man först om man kan placera en siffra med </a:t>
+            </a:r>
+            <a:r>
+              <a:rPr lang="sv-SE" dirty="0" err="1"/>
+              <a:t>digit</a:t>
+            </a:r>
+            <a:r>
+              <a:rPr lang="sv-SE" dirty="0"/>
+              <a:t> </a:t>
+            </a:r>
+            <a:r>
+              <a:rPr lang="sv-SE" dirty="0" err="1"/>
+              <a:t>method</a:t>
+            </a:r>
+            <a:r>
+              <a:rPr lang="sv-SE" dirty="0"/>
+              <a:t>. I så fall placerar man siffran och fortsätter. </a:t>
+            </a:r>
+          </a:p>
+          <a:p>
+            <a:endParaRPr lang="sv-SE" dirty="0"/>
+          </a:p>
+          <a:p>
+            <a:r>
+              <a:rPr lang="sv-SE" dirty="0"/>
+              <a:t>Om inte en siffra kan placeras direkt så kollar man om man kan ta bort någon kandidat med </a:t>
+            </a:r>
+            <a:r>
+              <a:rPr lang="sv-SE" dirty="0" err="1"/>
+              <a:t>Candidate</a:t>
+            </a:r>
+            <a:r>
+              <a:rPr lang="sv-SE" dirty="0"/>
+              <a:t> </a:t>
+            </a:r>
+            <a:r>
+              <a:rPr lang="sv-SE" dirty="0" err="1"/>
+              <a:t>Method</a:t>
+            </a:r>
+            <a:r>
+              <a:rPr lang="sv-SE" dirty="0"/>
+              <a:t>. Om inte det går så kan alltså inte brädet lösas logiskt med mänskliga strategier, åtminstone inte med de strategier som </a:t>
+            </a:r>
+            <a:r>
+              <a:rPr lang="sv-SE" dirty="0" err="1"/>
+              <a:t>AI:n</a:t>
+            </a:r>
+            <a:r>
+              <a:rPr lang="sv-SE" dirty="0"/>
+              <a:t> känner till. Min AI känner till nånstans mellan 19 och 38 strategier beroende på hur man väljer att räkna.</a:t>
+            </a:r>
+          </a:p>
+          <a:p>
+            <a:endParaRPr lang="sv-SE" dirty="0"/>
+          </a:p>
+          <a:p>
+            <a:endParaRPr lang="sv-SE" dirty="0"/>
+          </a:p>
+        </p:txBody>
+      </p:sp>
+      <p:sp>
+        <p:nvSpPr>
+          <p:cNvPr id="4" name="Platshållare för bildnummer 3"/>
+          <p:cNvSpPr>
+            <a:spLocks noGrp="1"/>
+          </p:cNvSpPr>
+          <p:nvPr>
+            <p:ph type="sldNum" sz="quarter" idx="5"/>
+          </p:nvPr>
+        </p:nvSpPr>
+        <p:spPr/>
+        <p:txBody>
+          <a:bodyPr/>
+          <a:lstStyle/>
+          <a:p>
+            <a:fld id="{440D2322-BBBF-4456-B2C9-2F59CC22E037}" type="slidenum">
+              <a:rPr lang="sv-SE" smtClean="0"/>
+              <a:t>11</a:t>
+            </a:fld>
+            <a:endParaRPr lang="sv-SE"/>
+          </a:p>
+        </p:txBody>
+      </p:sp>
+    </p:spTree>
+    <p:extLst>
+      <p:ext uri="{BB962C8B-B14F-4D97-AF65-F5344CB8AC3E}">
+        <p14:creationId xmlns:p14="http://schemas.microsoft.com/office/powerpoint/2010/main" val="2218154263"/>
+      </p:ext>
+    </p:extLst>
+  </p:cSld>
+  <p:clrMapOvr>
+    <a:masterClrMapping/>
+  </p:clrMapOvr>
+</p:notes>
+</file>
+
+<file path=ppt/notesSlides/notesSlide2.xml><?xml version="1.0" encoding="utf-8"?>
+<p:notes xmlns:a="http://schemas.openxmlformats.org/drawingml/2006/main" xmlns:r="http://schemas.openxmlformats.org/officeDocument/2006/relationships" xmlns:p="http://schemas.openxmlformats.org/presentationml/2006/main">
+  <p:cSld>
+    <p:spTree>
+      <p:nvGrpSpPr>
+        <p:cNvPr id="1" name=""/>
+        <p:cNvGrpSpPr/>
+        <p:nvPr/>
+      </p:nvGrpSpPr>
+      <p:grpSpPr>
+        <a:xfrm>
+          <a:off x="0" y="0"/>
+          <a:ext cx="0" cy="0"/>
+          <a:chOff x="0" y="0"/>
+          <a:chExt cx="0" cy="0"/>
+        </a:xfrm>
+      </p:grpSpPr>
+      <p:sp>
+        <p:nvSpPr>
+          <p:cNvPr id="2" name="Platshållare för bildobjekt 1"/>
+          <p:cNvSpPr>
+            <a:spLocks noGrp="1" noRot="1" noChangeAspect="1"/>
+          </p:cNvSpPr>
+          <p:nvPr>
+            <p:ph type="sldImg"/>
+          </p:nvPr>
+        </p:nvSpPr>
+        <p:spPr/>
+      </p:sp>
+      <p:sp>
+        <p:nvSpPr>
+          <p:cNvPr id="3" name="Platshållare för anteckningar 2"/>
+          <p:cNvSpPr>
+            <a:spLocks noGrp="1"/>
+          </p:cNvSpPr>
+          <p:nvPr>
+            <p:ph type="body" idx="1"/>
+          </p:nvPr>
+        </p:nvSpPr>
+        <p:spPr/>
+        <p:txBody>
+          <a:bodyPr/>
+          <a:lstStyle/>
+          <a:p>
+            <a:pPr marL="0" marR="0" lvl="0" indent="0" algn="l" defTabSz="914400" rtl="0" eaLnBrk="1" fontAlgn="auto" latinLnBrk="0" hangingPunct="1">
+              <a:lnSpc>
+                <a:spcPct val="100000"/>
+              </a:lnSpc>
+              <a:spcBef>
+                <a:spcPts val="0"/>
+              </a:spcBef>
+              <a:spcAft>
+                <a:spcPts val="0"/>
+              </a:spcAft>
+              <a:buClrTx/>
+              <a:buSzTx/>
+              <a:buFontTx/>
+              <a:buNone/>
+              <a:tabLst/>
+              <a:defRPr/>
+            </a:pPr>
+            <a:r>
+              <a:rPr lang="sv-SE" i="0" dirty="0" err="1"/>
+              <a:t>Procedurell</a:t>
+            </a:r>
+            <a:r>
+              <a:rPr lang="sv-SE" i="0" dirty="0"/>
+              <a:t> generering är då en metod för att generera data algoritmiskt istället för manuellt. Mer specifikt har jag använt mig av metoderna </a:t>
+            </a:r>
+            <a:r>
+              <a:rPr lang="sv-SE" i="0" dirty="0" err="1"/>
+              <a:t>Wave</a:t>
+            </a:r>
+            <a:r>
+              <a:rPr lang="sv-SE" i="0" dirty="0"/>
+              <a:t> </a:t>
+            </a:r>
+            <a:r>
+              <a:rPr lang="sv-SE" i="0" dirty="0" err="1"/>
+              <a:t>Function</a:t>
+            </a:r>
+            <a:r>
+              <a:rPr lang="sv-SE" i="0" dirty="0"/>
+              <a:t> </a:t>
+            </a:r>
+            <a:r>
+              <a:rPr lang="sv-SE" i="0" dirty="0" err="1"/>
+              <a:t>Collapse</a:t>
+            </a:r>
+            <a:r>
+              <a:rPr lang="sv-SE" i="0" dirty="0"/>
+              <a:t> och Graph </a:t>
+            </a:r>
+            <a:r>
+              <a:rPr lang="sv-SE" i="0" dirty="0" err="1"/>
+              <a:t>Grammar</a:t>
+            </a:r>
+            <a:r>
+              <a:rPr lang="sv-SE" i="0" dirty="0"/>
+              <a:t>, vilka jag ska återkomma till lite senare.</a:t>
+            </a:r>
+          </a:p>
+          <a:p>
+            <a:pPr marL="0" marR="0" lvl="0" indent="0" algn="l" defTabSz="914400" rtl="0" eaLnBrk="1" fontAlgn="auto" latinLnBrk="0" hangingPunct="1">
+              <a:lnSpc>
+                <a:spcPct val="100000"/>
+              </a:lnSpc>
+              <a:spcBef>
+                <a:spcPts val="0"/>
+              </a:spcBef>
+              <a:spcAft>
+                <a:spcPts val="0"/>
+              </a:spcAft>
+              <a:buClrTx/>
+              <a:buSzTx/>
+              <a:buFontTx/>
+              <a:buNone/>
+              <a:tabLst/>
+              <a:defRPr/>
+            </a:pPr>
+            <a:endParaRPr lang="sv-SE" i="0" dirty="0"/>
+          </a:p>
+          <a:p>
+            <a:pPr marL="0" marR="0" lvl="0" indent="0" algn="l" defTabSz="914400" rtl="0" eaLnBrk="1" fontAlgn="auto" latinLnBrk="0" hangingPunct="1">
+              <a:lnSpc>
+                <a:spcPct val="100000"/>
+              </a:lnSpc>
+              <a:spcBef>
+                <a:spcPts val="0"/>
+              </a:spcBef>
+              <a:spcAft>
+                <a:spcPts val="0"/>
+              </a:spcAft>
+              <a:buClrTx/>
+              <a:buSzTx/>
+              <a:buFontTx/>
+              <a:buNone/>
+              <a:tabLst/>
+              <a:defRPr/>
+            </a:pPr>
+            <a:r>
+              <a:rPr lang="sv-SE" i="0" dirty="0"/>
+              <a:t>Spelprototypen består då av en Sudoku-generator som skapar ett slumpmässigt bräde, främst </a:t>
+            </a:r>
+            <a:r>
+              <a:rPr lang="sv-SE" i="0" dirty="0" err="1"/>
+              <a:t>mha</a:t>
+            </a:r>
+            <a:r>
+              <a:rPr lang="sv-SE" i="0" dirty="0"/>
+              <a:t> WFC. Den har även en inbyggd lösnings-AI som säkerställer att en människa kan lösa det sudoku som kan genereras. Den </a:t>
+            </a:r>
+            <a:r>
+              <a:rPr lang="sv-SE" i="0" dirty="0" err="1"/>
+              <a:t>AI:n</a:t>
+            </a:r>
+            <a:r>
+              <a:rPr lang="sv-SE" i="0" dirty="0"/>
+              <a:t> är främst i form av GG.</a:t>
+            </a:r>
+          </a:p>
+          <a:p>
+            <a:pPr marL="0" marR="0" lvl="0" indent="0" algn="l" defTabSz="914400" rtl="0" eaLnBrk="1" fontAlgn="auto" latinLnBrk="0" hangingPunct="1">
+              <a:lnSpc>
+                <a:spcPct val="100000"/>
+              </a:lnSpc>
+              <a:spcBef>
+                <a:spcPts val="0"/>
+              </a:spcBef>
+              <a:spcAft>
+                <a:spcPts val="0"/>
+              </a:spcAft>
+              <a:buClrTx/>
+              <a:buSzTx/>
+              <a:buFontTx/>
+              <a:buNone/>
+              <a:tabLst/>
+              <a:defRPr/>
+            </a:pPr>
+            <a:endParaRPr lang="sv-SE" i="0" dirty="0"/>
+          </a:p>
+          <a:p>
+            <a:pPr marL="0" marR="0" lvl="0" indent="0" algn="l" defTabSz="914400" rtl="0" eaLnBrk="1" fontAlgn="auto" latinLnBrk="0" hangingPunct="1">
+              <a:lnSpc>
+                <a:spcPct val="100000"/>
+              </a:lnSpc>
+              <a:spcBef>
+                <a:spcPts val="0"/>
+              </a:spcBef>
+              <a:spcAft>
+                <a:spcPts val="0"/>
+              </a:spcAft>
+              <a:buClrTx/>
+              <a:buSzTx/>
+              <a:buFontTx/>
+              <a:buNone/>
+              <a:tabLst/>
+              <a:defRPr/>
+            </a:pPr>
+            <a:r>
+              <a:rPr lang="sv-SE" i="0" dirty="0"/>
+              <a:t>Spelupplevelsen består då av att användaren kan välja en svårighetsgrad som sedan genererar ett slumpmässigt pussel. För att det ska vara tillfredställande att lösa så finns en rad inbyggda verktyg för att hjälpa spelaren. Detta är exempelvis möjligheter att ange minnesanteckningar, </a:t>
+            </a:r>
+            <a:r>
+              <a:rPr lang="sv-SE" i="0" dirty="0" err="1"/>
+              <a:t>undo:a</a:t>
+            </a:r>
+            <a:r>
+              <a:rPr lang="sv-SE" i="0" dirty="0"/>
+              <a:t> och </a:t>
+            </a:r>
+            <a:r>
+              <a:rPr lang="sv-SE" i="0" dirty="0" err="1"/>
+              <a:t>redo:a</a:t>
+            </a:r>
+            <a:r>
+              <a:rPr lang="sv-SE" i="0" dirty="0"/>
+              <a:t> ens drag samt en hjälp-knapp som kan ge en ledtråd om användaren fastnar.</a:t>
+            </a:r>
+          </a:p>
+          <a:p>
+            <a:pPr marL="0" marR="0" lvl="0" indent="0" algn="l" defTabSz="914400" rtl="0" eaLnBrk="1" fontAlgn="auto" latinLnBrk="0" hangingPunct="1">
+              <a:lnSpc>
+                <a:spcPct val="100000"/>
+              </a:lnSpc>
+              <a:spcBef>
+                <a:spcPts val="0"/>
+              </a:spcBef>
+              <a:spcAft>
+                <a:spcPts val="0"/>
+              </a:spcAft>
+              <a:buClrTx/>
+              <a:buSzTx/>
+              <a:buFontTx/>
+              <a:buNone/>
+              <a:tabLst/>
+              <a:defRPr/>
+            </a:pPr>
+            <a:endParaRPr lang="sv-SE" i="1" dirty="0"/>
+          </a:p>
+          <a:p>
+            <a:pPr marL="0" marR="0" lvl="0" indent="0" algn="l" defTabSz="914400" rtl="0" eaLnBrk="1" fontAlgn="auto" latinLnBrk="0" hangingPunct="1">
+              <a:lnSpc>
+                <a:spcPct val="100000"/>
+              </a:lnSpc>
+              <a:spcBef>
+                <a:spcPts val="0"/>
+              </a:spcBef>
+              <a:spcAft>
+                <a:spcPts val="0"/>
+              </a:spcAft>
+              <a:buClrTx/>
+              <a:buSzTx/>
+              <a:buFontTx/>
+              <a:buNone/>
+              <a:tabLst/>
+              <a:defRPr/>
+            </a:pPr>
+            <a:r>
+              <a:rPr lang="sv-SE" i="0" dirty="0"/>
+              <a:t>Jag skulle säga att jag har fokuserat ganska mycket på både AI-teknologin och spelupplevelsen.</a:t>
+            </a:r>
+          </a:p>
+        </p:txBody>
+      </p:sp>
+      <p:sp>
+        <p:nvSpPr>
+          <p:cNvPr id="4" name="Platshållare för bildnummer 3"/>
+          <p:cNvSpPr>
+            <a:spLocks noGrp="1"/>
+          </p:cNvSpPr>
+          <p:nvPr>
+            <p:ph type="sldNum" sz="quarter" idx="5"/>
+          </p:nvPr>
+        </p:nvSpPr>
+        <p:spPr/>
+        <p:txBody>
+          <a:bodyPr/>
+          <a:lstStyle/>
+          <a:p>
+            <a:fld id="{440D2322-BBBF-4456-B2C9-2F59CC22E037}" type="slidenum">
+              <a:rPr lang="sv-SE" smtClean="0"/>
+              <a:t>2</a:t>
+            </a:fld>
+            <a:endParaRPr lang="sv-SE"/>
+          </a:p>
+        </p:txBody>
+      </p:sp>
+    </p:spTree>
+    <p:extLst>
+      <p:ext uri="{BB962C8B-B14F-4D97-AF65-F5344CB8AC3E}">
+        <p14:creationId xmlns:p14="http://schemas.microsoft.com/office/powerpoint/2010/main" val="1132370163"/>
+      </p:ext>
+    </p:extLst>
+  </p:cSld>
+  <p:clrMapOvr>
+    <a:masterClrMapping/>
+  </p:clrMapOvr>
+</p:notes>
+</file>
+
+<file path=ppt/notesSlides/notesSlide3.xml><?xml version="1.0" encoding="utf-8"?>
+<p:notes xmlns:a="http://schemas.openxmlformats.org/drawingml/2006/main" xmlns:r="http://schemas.openxmlformats.org/officeDocument/2006/relationships" xmlns:p="http://schemas.openxmlformats.org/presentationml/2006/main">
+  <p:cSld>
+    <p:spTree>
+      <p:nvGrpSpPr>
+        <p:cNvPr id="1" name=""/>
+        <p:cNvGrpSpPr/>
+        <p:nvPr/>
+      </p:nvGrpSpPr>
+      <p:grpSpPr>
+        <a:xfrm>
+          <a:off x="0" y="0"/>
+          <a:ext cx="0" cy="0"/>
+          <a:chOff x="0" y="0"/>
+          <a:chExt cx="0" cy="0"/>
+        </a:xfrm>
+      </p:grpSpPr>
+      <p:sp>
+        <p:nvSpPr>
+          <p:cNvPr id="2" name="Platshållare för bildobjekt 1"/>
+          <p:cNvSpPr>
+            <a:spLocks noGrp="1" noRot="1" noChangeAspect="1"/>
+          </p:cNvSpPr>
+          <p:nvPr>
+            <p:ph type="sldImg"/>
+          </p:nvPr>
+        </p:nvSpPr>
+        <p:spPr/>
+      </p:sp>
+      <p:sp>
+        <p:nvSpPr>
+          <p:cNvPr id="3" name="Platshållare för anteckningar 2"/>
+          <p:cNvSpPr>
+            <a:spLocks noGrp="1"/>
+          </p:cNvSpPr>
+          <p:nvPr>
+            <p:ph type="body" idx="1"/>
+          </p:nvPr>
+        </p:nvSpPr>
+        <p:spPr/>
+        <p:txBody>
+          <a:bodyPr/>
+          <a:lstStyle/>
+          <a:p>
+            <a:r>
+              <a:rPr lang="sv-SE" dirty="0"/>
+              <a:t>Nu tänkte jag demonstrera hur spelet fungerar i </a:t>
+            </a:r>
+            <a:r>
+              <a:rPr lang="sv-SE" dirty="0" err="1"/>
+              <a:t>Unity</a:t>
+            </a:r>
+            <a:r>
+              <a:rPr lang="sv-SE" dirty="0"/>
+              <a:t>.</a:t>
+            </a:r>
+          </a:p>
+          <a:p>
+            <a:endParaRPr lang="sv-SE" i="1" dirty="0"/>
+          </a:p>
+          <a:p>
+            <a:endParaRPr lang="sv-SE" i="1" dirty="0"/>
+          </a:p>
+          <a:p>
+            <a:r>
+              <a:rPr lang="sv-SE" i="1" dirty="0"/>
+              <a:t>Kommentar: demonstration. Visa spelupplevelsen med hjälp av en videoinspelning. Redogör för upplevelsens start- och slutpunkt. Kommentera videoinspelningen muntligt med tydlig koppling till den valda AI-teknologin.</a:t>
+            </a:r>
+          </a:p>
+          <a:p>
+            <a:endParaRPr lang="sv-SE" i="1" dirty="0"/>
+          </a:p>
+          <a:p>
+            <a:r>
+              <a:rPr lang="sv-SE" i="1" dirty="0"/>
+              <a:t>Kommentar. Infoga några bra skärmbilder från spelet som visar centrala delar av spelupplevelsen.</a:t>
+            </a:r>
+          </a:p>
+          <a:p>
+            <a:endParaRPr lang="sv-SE" dirty="0"/>
+          </a:p>
+        </p:txBody>
+      </p:sp>
+      <p:sp>
+        <p:nvSpPr>
+          <p:cNvPr id="4" name="Platshållare för bildnummer 3"/>
+          <p:cNvSpPr>
+            <a:spLocks noGrp="1"/>
+          </p:cNvSpPr>
+          <p:nvPr>
+            <p:ph type="sldNum" sz="quarter" idx="5"/>
+          </p:nvPr>
+        </p:nvSpPr>
+        <p:spPr/>
+        <p:txBody>
+          <a:bodyPr/>
+          <a:lstStyle/>
+          <a:p>
+            <a:fld id="{440D2322-BBBF-4456-B2C9-2F59CC22E037}" type="slidenum">
+              <a:rPr lang="sv-SE" smtClean="0"/>
+              <a:t>3</a:t>
+            </a:fld>
+            <a:endParaRPr lang="sv-SE"/>
+          </a:p>
+        </p:txBody>
+      </p:sp>
+    </p:spTree>
+    <p:extLst>
+      <p:ext uri="{BB962C8B-B14F-4D97-AF65-F5344CB8AC3E}">
+        <p14:creationId xmlns:p14="http://schemas.microsoft.com/office/powerpoint/2010/main" val="3547994216"/>
+      </p:ext>
+    </p:extLst>
+  </p:cSld>
+  <p:clrMapOvr>
+    <a:masterClrMapping/>
+  </p:clrMapOvr>
+</p:notes>
+</file>
+
+<file path=ppt/notesSlides/notesSlide4.xml><?xml version="1.0" encoding="utf-8"?>
+<p:notes xmlns:a="http://schemas.openxmlformats.org/drawingml/2006/main" xmlns:r="http://schemas.openxmlformats.org/officeDocument/2006/relationships" xmlns:p="http://schemas.openxmlformats.org/presentationml/2006/main">
+  <p:cSld>
+    <p:spTree>
+      <p:nvGrpSpPr>
+        <p:cNvPr id="1" name=""/>
+        <p:cNvGrpSpPr/>
+        <p:nvPr/>
+      </p:nvGrpSpPr>
+      <p:grpSpPr>
+        <a:xfrm>
+          <a:off x="0" y="0"/>
+          <a:ext cx="0" cy="0"/>
+          <a:chOff x="0" y="0"/>
+          <a:chExt cx="0" cy="0"/>
+        </a:xfrm>
+      </p:grpSpPr>
+      <p:sp>
+        <p:nvSpPr>
+          <p:cNvPr id="2" name="Platshållare för bildobjekt 1"/>
+          <p:cNvSpPr>
+            <a:spLocks noGrp="1" noRot="1" noChangeAspect="1"/>
+          </p:cNvSpPr>
+          <p:nvPr>
+            <p:ph type="sldImg"/>
+          </p:nvPr>
+        </p:nvSpPr>
+        <p:spPr/>
+      </p:sp>
+      <p:sp>
+        <p:nvSpPr>
+          <p:cNvPr id="3" name="Platshållare för anteckningar 2"/>
+          <p:cNvSpPr>
+            <a:spLocks noGrp="1"/>
+          </p:cNvSpPr>
+          <p:nvPr>
+            <p:ph type="body" idx="1"/>
+          </p:nvPr>
+        </p:nvSpPr>
+        <p:spPr/>
+        <p:txBody>
+          <a:bodyPr/>
+          <a:lstStyle/>
+          <a:p>
+            <a:r>
+              <a:rPr lang="sv-SE" dirty="0"/>
+              <a:t>Den metod som jag främst har använt mig av är då </a:t>
+            </a:r>
+            <a:r>
+              <a:rPr lang="sv-SE" dirty="0" err="1"/>
+              <a:t>Wave</a:t>
+            </a:r>
+            <a:r>
+              <a:rPr lang="sv-SE" dirty="0"/>
+              <a:t> </a:t>
+            </a:r>
+            <a:r>
+              <a:rPr lang="sv-SE" dirty="0" err="1"/>
+              <a:t>Function</a:t>
+            </a:r>
+            <a:r>
+              <a:rPr lang="sv-SE" dirty="0"/>
+              <a:t> </a:t>
+            </a:r>
+            <a:r>
+              <a:rPr lang="sv-SE" dirty="0" err="1"/>
+              <a:t>Collapse</a:t>
+            </a:r>
+            <a:r>
+              <a:rPr lang="sv-SE" dirty="0"/>
+              <a:t>. Termen kommer från kvantteori och uppstår när en vågfunktion, som från början hade flera superpositioner (eller vad jag kommer kalla för kandidater) kollapsar till en enda kandidat vid interaktion med omvärlden. </a:t>
+            </a:r>
+          </a:p>
+          <a:p>
+            <a:endParaRPr lang="sv-SE" dirty="0"/>
+          </a:p>
+          <a:p>
+            <a:r>
+              <a:rPr lang="sv-SE" dirty="0"/>
+              <a:t>När </a:t>
+            </a:r>
+            <a:r>
+              <a:rPr lang="sv-SE" dirty="0" err="1"/>
+              <a:t>envågfunktion</a:t>
+            </a:r>
+            <a:r>
+              <a:rPr lang="sv-SE" dirty="0"/>
+              <a:t> kollapsar så kommer andra vågfunktionen påverkas av kollapsen: informationen propagerar.</a:t>
+            </a:r>
+          </a:p>
+          <a:p>
+            <a:endParaRPr lang="sv-SE" dirty="0"/>
+          </a:p>
+          <a:p>
+            <a:r>
+              <a:rPr lang="sv-SE" dirty="0"/>
+              <a:t>Ett tredje viktigt begrepp är entropi, vilket i mitt fall bara betyder antal kandidater som en vågfunktion har.</a:t>
+            </a:r>
+          </a:p>
+          <a:p>
+            <a:endParaRPr lang="sv-SE" dirty="0"/>
+          </a:p>
+          <a:p>
+            <a:r>
+              <a:rPr lang="sv-SE" dirty="0"/>
+              <a:t>De regler som reducerar en vågfunktion kan vara väldigt komplicerade. Men för ett sudoku är det väldigt trivialt om man ska jämföra med exempelvis ett 3D-grid </a:t>
+            </a:r>
+            <a:r>
+              <a:rPr lang="sv-SE" dirty="0" err="1"/>
+              <a:t>tile-systmem</a:t>
+            </a:r>
+            <a:r>
+              <a:rPr lang="sv-SE" dirty="0"/>
+              <a:t>.</a:t>
+            </a:r>
+          </a:p>
+          <a:p>
+            <a:endParaRPr lang="sv-SE" dirty="0"/>
+          </a:p>
+        </p:txBody>
+      </p:sp>
+      <p:sp>
+        <p:nvSpPr>
+          <p:cNvPr id="4" name="Platshållare för bildnummer 3"/>
+          <p:cNvSpPr>
+            <a:spLocks noGrp="1"/>
+          </p:cNvSpPr>
+          <p:nvPr>
+            <p:ph type="sldNum" sz="quarter" idx="5"/>
+          </p:nvPr>
+        </p:nvSpPr>
+        <p:spPr/>
+        <p:txBody>
+          <a:bodyPr/>
+          <a:lstStyle/>
+          <a:p>
+            <a:fld id="{440D2322-BBBF-4456-B2C9-2F59CC22E037}" type="slidenum">
+              <a:rPr lang="sv-SE" smtClean="0"/>
+              <a:t>4</a:t>
+            </a:fld>
+            <a:endParaRPr lang="sv-SE"/>
+          </a:p>
+        </p:txBody>
+      </p:sp>
+    </p:spTree>
+    <p:extLst>
+      <p:ext uri="{BB962C8B-B14F-4D97-AF65-F5344CB8AC3E}">
+        <p14:creationId xmlns:p14="http://schemas.microsoft.com/office/powerpoint/2010/main" val="272722027"/>
+      </p:ext>
+    </p:extLst>
+  </p:cSld>
+  <p:clrMapOvr>
+    <a:masterClrMapping/>
+  </p:clrMapOvr>
+</p:notes>
+</file>
+
+<file path=ppt/notesSlides/notesSlide5.xml><?xml version="1.0" encoding="utf-8"?>
+<p:notes xmlns:a="http://schemas.openxmlformats.org/drawingml/2006/main" xmlns:r="http://schemas.openxmlformats.org/officeDocument/2006/relationships" xmlns:p="http://schemas.openxmlformats.org/presentationml/2006/main">
+  <p:cSld>
+    <p:spTree>
+      <p:nvGrpSpPr>
+        <p:cNvPr id="1" name=""/>
+        <p:cNvGrpSpPr/>
+        <p:nvPr/>
+      </p:nvGrpSpPr>
+      <p:grpSpPr>
+        <a:xfrm>
+          <a:off x="0" y="0"/>
+          <a:ext cx="0" cy="0"/>
+          <a:chOff x="0" y="0"/>
+          <a:chExt cx="0" cy="0"/>
+        </a:xfrm>
+      </p:grpSpPr>
+      <p:sp>
+        <p:nvSpPr>
+          <p:cNvPr id="2" name="Platshållare för bildobjekt 1"/>
+          <p:cNvSpPr>
+            <a:spLocks noGrp="1" noRot="1" noChangeAspect="1"/>
+          </p:cNvSpPr>
+          <p:nvPr>
+            <p:ph type="sldImg"/>
+          </p:nvPr>
+        </p:nvSpPr>
+        <p:spPr/>
+      </p:sp>
+      <p:sp>
+        <p:nvSpPr>
+          <p:cNvPr id="3" name="Platshållare för anteckningar 2"/>
+          <p:cNvSpPr>
+            <a:spLocks noGrp="1"/>
+          </p:cNvSpPr>
+          <p:nvPr>
+            <p:ph type="body" idx="1"/>
+          </p:nvPr>
+        </p:nvSpPr>
+        <p:spPr/>
+        <p:txBody>
+          <a:bodyPr/>
+          <a:lstStyle/>
+          <a:p>
+            <a:r>
+              <a:rPr lang="sv-SE" dirty="0"/>
+              <a:t>I ett Sudoku måste varje rad, kolumn och 3x3 box innehålla sifforna 1-9. I ett tomt bräde kan varje cell fortfarande vara vilken siffra som helst mellan 1-9. Alla celler har alltså 9 kandidater, dvs entropi 9. Genom att lägga exempelvis en 5:a i rutan enligt mittenbilden så kan ingen flera femma vara i de celler som femman interagerar med, dvs de celler i samma rad, kolumn och box. Kollapsen propagerar informationen till de cellerna som tappar kandidaten 5 från deras superposition, och de har nu en entropi på 8. </a:t>
+            </a:r>
+          </a:p>
+          <a:p>
+            <a:endParaRPr lang="sv-SE" dirty="0"/>
+          </a:p>
+          <a:p>
+            <a:r>
+              <a:rPr lang="sv-SE" dirty="0"/>
+              <a:t>Lite förenklat så består min algoritm av tre steg. Så länge brädet inte är ifyllt:</a:t>
+            </a:r>
+          </a:p>
+          <a:p>
+            <a:pPr marL="228600" indent="-228600">
+              <a:buAutoNum type="arabicPeriod"/>
+            </a:pPr>
+            <a:r>
+              <a:rPr lang="sv-SE" dirty="0"/>
+              <a:t>Hitta cell med lägst entropi</a:t>
+            </a:r>
+          </a:p>
+          <a:p>
+            <a:pPr marL="228600" indent="-228600">
+              <a:buAutoNum type="arabicPeriod"/>
+            </a:pPr>
+            <a:r>
+              <a:rPr lang="sv-SE" dirty="0"/>
+              <a:t>Kollapsa den cellen till dess lägsta möjliga kandidat</a:t>
+            </a:r>
+          </a:p>
+          <a:p>
+            <a:pPr marL="228600" indent="-228600">
+              <a:buAutoNum type="arabicPeriod"/>
+            </a:pPr>
+            <a:r>
+              <a:rPr lang="sv-SE" dirty="0"/>
+              <a:t>Propagera den informationen till alla </a:t>
+            </a:r>
+            <a:r>
+              <a:rPr lang="sv-SE" dirty="0" err="1"/>
+              <a:t>tiles</a:t>
+            </a:r>
+            <a:r>
+              <a:rPr lang="sv-SE" dirty="0"/>
+              <a:t> som interagerar med den.</a:t>
+            </a:r>
+          </a:p>
+          <a:p>
+            <a:endParaRPr lang="sv-SE" dirty="0"/>
+          </a:p>
+          <a:p>
+            <a:r>
+              <a:rPr lang="sv-SE" dirty="0"/>
+              <a:t>I min algoritm så väljer man alltid den cell som har lägst entropi. Om det finns flera celler med samma entropi så väljs en på måfå, som exempelvis vid starten då alla har entropi 9. Man kollapsar sedan den cellen till dess lägsta möjliga </a:t>
+            </a:r>
+            <a:r>
+              <a:rPr lang="sv-SE" dirty="0" err="1"/>
+              <a:t>kandidate</a:t>
+            </a:r>
+            <a:r>
+              <a:rPr lang="sv-SE" dirty="0"/>
+              <a:t> och </a:t>
+            </a:r>
+            <a:r>
+              <a:rPr lang="sv-SE" dirty="0" err="1"/>
+              <a:t>progagerar</a:t>
+            </a:r>
+            <a:r>
+              <a:rPr lang="sv-SE" dirty="0"/>
+              <a:t> den informationen vidare.</a:t>
+            </a:r>
+          </a:p>
+          <a:p>
+            <a:endParaRPr lang="sv-SE" dirty="0"/>
+          </a:p>
+          <a:p>
+            <a:r>
+              <a:rPr lang="sv-SE" dirty="0"/>
+              <a:t>Om algoritmen skulle fastna någonstans så </a:t>
+            </a:r>
+            <a:r>
+              <a:rPr lang="sv-SE" dirty="0" err="1"/>
+              <a:t>backtrackar</a:t>
+            </a:r>
+            <a:r>
+              <a:rPr lang="sv-SE" dirty="0"/>
+              <a:t> den till senaste gången den valde en cell som hade flera kandidater. I stället för att välja den lägsta kandidaten så väljer den nu den näst lägsta och provar igen och igen fram tills brädet är helt ifyllt.</a:t>
+            </a:r>
+          </a:p>
+          <a:p>
+            <a:endParaRPr lang="sv-SE" dirty="0"/>
+          </a:p>
+        </p:txBody>
+      </p:sp>
+      <p:sp>
+        <p:nvSpPr>
+          <p:cNvPr id="4" name="Platshållare för bildnummer 3"/>
+          <p:cNvSpPr>
+            <a:spLocks noGrp="1"/>
+          </p:cNvSpPr>
+          <p:nvPr>
+            <p:ph type="sldNum" sz="quarter" idx="5"/>
+          </p:nvPr>
+        </p:nvSpPr>
+        <p:spPr/>
+        <p:txBody>
+          <a:bodyPr/>
+          <a:lstStyle/>
+          <a:p>
+            <a:fld id="{440D2322-BBBF-4456-B2C9-2F59CC22E037}" type="slidenum">
+              <a:rPr lang="sv-SE" smtClean="0"/>
+              <a:t>5</a:t>
+            </a:fld>
+            <a:endParaRPr lang="sv-SE"/>
+          </a:p>
+        </p:txBody>
+      </p:sp>
+    </p:spTree>
+    <p:extLst>
+      <p:ext uri="{BB962C8B-B14F-4D97-AF65-F5344CB8AC3E}">
+        <p14:creationId xmlns:p14="http://schemas.microsoft.com/office/powerpoint/2010/main" val="724122192"/>
+      </p:ext>
+    </p:extLst>
+  </p:cSld>
+  <p:clrMapOvr>
+    <a:masterClrMapping/>
+  </p:clrMapOvr>
+</p:notes>
+</file>
+
+<file path=ppt/notesSlides/notesSlide6.xml><?xml version="1.0" encoding="utf-8"?>
+<p:notes xmlns:a="http://schemas.openxmlformats.org/drawingml/2006/main" xmlns:r="http://schemas.openxmlformats.org/officeDocument/2006/relationships" xmlns:p="http://schemas.openxmlformats.org/presentationml/2006/main">
+  <p:cSld>
+    <p:spTree>
+      <p:nvGrpSpPr>
+        <p:cNvPr id="1" name=""/>
+        <p:cNvGrpSpPr/>
+        <p:nvPr/>
+      </p:nvGrpSpPr>
+      <p:grpSpPr>
+        <a:xfrm>
+          <a:off x="0" y="0"/>
+          <a:ext cx="0" cy="0"/>
+          <a:chOff x="0" y="0"/>
+          <a:chExt cx="0" cy="0"/>
+        </a:xfrm>
+      </p:grpSpPr>
+      <p:sp>
+        <p:nvSpPr>
+          <p:cNvPr id="2" name="Platshållare för bildobjekt 1"/>
+          <p:cNvSpPr>
+            <a:spLocks noGrp="1" noRot="1" noChangeAspect="1"/>
+          </p:cNvSpPr>
+          <p:nvPr>
+            <p:ph type="sldImg"/>
+          </p:nvPr>
+        </p:nvSpPr>
+        <p:spPr/>
+      </p:sp>
+      <p:sp>
+        <p:nvSpPr>
+          <p:cNvPr id="3" name="Platshållare för anteckningar 2"/>
+          <p:cNvSpPr>
+            <a:spLocks noGrp="1"/>
+          </p:cNvSpPr>
+          <p:nvPr>
+            <p:ph type="body" idx="1"/>
+          </p:nvPr>
+        </p:nvSpPr>
+        <p:spPr/>
+        <p:txBody>
+          <a:bodyPr/>
+          <a:lstStyle/>
+          <a:p>
+            <a:r>
+              <a:rPr lang="sv-SE" dirty="0"/>
+              <a:t>När man väl har fyllt brädet så måste man såklart ta bort ett antal siffror därifrån, annars skulle det inte vara ett pussel.</a:t>
+            </a:r>
+          </a:p>
+          <a:p>
+            <a:endParaRPr lang="sv-SE" dirty="0"/>
+          </a:p>
+          <a:p>
+            <a:r>
+              <a:rPr lang="sv-SE" dirty="0"/>
+              <a:t>Så det jag gör är att gå igenom alla </a:t>
+            </a:r>
+            <a:r>
+              <a:rPr lang="sv-SE" dirty="0" err="1"/>
+              <a:t>tiles</a:t>
+            </a:r>
+            <a:r>
+              <a:rPr lang="sv-SE" dirty="0"/>
+              <a:t> i brädet, igen med ordningen lägst entropi först, och anger att det indexet är besökt.</a:t>
+            </a:r>
+          </a:p>
+          <a:p>
+            <a:endParaRPr lang="sv-SE" dirty="0"/>
+          </a:p>
+          <a:p>
+            <a:r>
+              <a:rPr lang="sv-SE" dirty="0"/>
+              <a:t>Sen tar jag bort den </a:t>
+            </a:r>
+            <a:r>
+              <a:rPr lang="sv-SE" dirty="0" err="1"/>
+              <a:t>tilen</a:t>
+            </a:r>
+            <a:r>
+              <a:rPr lang="sv-SE" dirty="0"/>
+              <a:t> från brädet.</a:t>
+            </a:r>
+          </a:p>
+          <a:p>
+            <a:endParaRPr lang="sv-SE" dirty="0"/>
+          </a:p>
+          <a:p>
+            <a:r>
+              <a:rPr lang="sv-SE" dirty="0"/>
+              <a:t>Men nu måste två grejer kollas:</a:t>
+            </a:r>
+          </a:p>
+          <a:p>
+            <a:endParaRPr lang="sv-SE" dirty="0"/>
+          </a:p>
+          <a:p>
+            <a:r>
+              <a:rPr lang="sv-SE" dirty="0"/>
+              <a:t>Den första är att brädet fortfarande bara har en lösning, annars är det inte ett giltigt sudoku. Med en modifierad version av min </a:t>
+            </a:r>
+            <a:r>
+              <a:rPr lang="sv-SE" dirty="0" err="1"/>
+              <a:t>backtracking</a:t>
+            </a:r>
+            <a:r>
+              <a:rPr lang="sv-SE" dirty="0"/>
+              <a:t>-algoritm så kan man räkna antal lösningar genom </a:t>
+            </a:r>
+            <a:r>
+              <a:rPr lang="sv-SE" dirty="0" err="1"/>
+              <a:t>brute</a:t>
+            </a:r>
+            <a:r>
+              <a:rPr lang="sv-SE" dirty="0"/>
+              <a:t> force.</a:t>
+            </a:r>
+          </a:p>
+          <a:p>
+            <a:endParaRPr lang="sv-SE" dirty="0"/>
+          </a:p>
+          <a:p>
+            <a:r>
+              <a:rPr lang="sv-SE" dirty="0"/>
+              <a:t>Den andra grejen som man måste kolla är om en människa fortfarande kan lösa bräde. Visst, en människa kan ju alltid lösa ett bräde genom att själv använda </a:t>
+            </a:r>
+            <a:r>
+              <a:rPr lang="sv-SE" dirty="0" err="1"/>
+              <a:t>brute</a:t>
+            </a:r>
+            <a:r>
+              <a:rPr lang="sv-SE" dirty="0"/>
+              <a:t> force, men det är inte alls tillfredsställande att göra. Istället vill man lösa brädet med hjälp av logiska strategier.</a:t>
+            </a:r>
+          </a:p>
+          <a:p>
+            <a:endParaRPr lang="sv-SE" dirty="0"/>
+          </a:p>
+          <a:p>
+            <a:r>
+              <a:rPr lang="sv-SE" dirty="0"/>
+              <a:t>Så då blir frågan, hur tusan kan man veta om ett sudoku kan lösas med mänskliga strategier??</a:t>
+            </a:r>
+          </a:p>
+        </p:txBody>
+      </p:sp>
+      <p:sp>
+        <p:nvSpPr>
+          <p:cNvPr id="4" name="Platshållare för bildnummer 3"/>
+          <p:cNvSpPr>
+            <a:spLocks noGrp="1"/>
+          </p:cNvSpPr>
+          <p:nvPr>
+            <p:ph type="sldNum" sz="quarter" idx="5"/>
+          </p:nvPr>
+        </p:nvSpPr>
+        <p:spPr/>
+        <p:txBody>
+          <a:bodyPr/>
+          <a:lstStyle/>
+          <a:p>
+            <a:fld id="{440D2322-BBBF-4456-B2C9-2F59CC22E037}" type="slidenum">
+              <a:rPr lang="sv-SE" smtClean="0"/>
+              <a:t>6</a:t>
+            </a:fld>
+            <a:endParaRPr lang="sv-SE"/>
+          </a:p>
+        </p:txBody>
+      </p:sp>
+    </p:spTree>
+    <p:extLst>
+      <p:ext uri="{BB962C8B-B14F-4D97-AF65-F5344CB8AC3E}">
+        <p14:creationId xmlns:p14="http://schemas.microsoft.com/office/powerpoint/2010/main" val="703601942"/>
+      </p:ext>
+    </p:extLst>
+  </p:cSld>
+  <p:clrMapOvr>
+    <a:masterClrMapping/>
+  </p:clrMapOvr>
+</p:notes>
+</file>
+
+<file path=ppt/notesSlides/notesSlide7.xml><?xml version="1.0" encoding="utf-8"?>
+<p:notes xmlns:a="http://schemas.openxmlformats.org/drawingml/2006/main" xmlns:r="http://schemas.openxmlformats.org/officeDocument/2006/relationships" xmlns:p="http://schemas.openxmlformats.org/presentationml/2006/main">
+  <p:cSld>
+    <p:spTree>
+      <p:nvGrpSpPr>
+        <p:cNvPr id="1" name=""/>
+        <p:cNvGrpSpPr/>
+        <p:nvPr/>
+      </p:nvGrpSpPr>
+      <p:grpSpPr>
+        <a:xfrm>
+          <a:off x="0" y="0"/>
+          <a:ext cx="0" cy="0"/>
+          <a:chOff x="0" y="0"/>
+          <a:chExt cx="0" cy="0"/>
+        </a:xfrm>
+      </p:grpSpPr>
+      <p:sp>
+        <p:nvSpPr>
+          <p:cNvPr id="2" name="Platshållare för bildobjekt 1"/>
+          <p:cNvSpPr>
+            <a:spLocks noGrp="1" noRot="1" noChangeAspect="1"/>
+          </p:cNvSpPr>
+          <p:nvPr>
+            <p:ph type="sldImg"/>
+          </p:nvPr>
+        </p:nvSpPr>
+        <p:spPr/>
+      </p:sp>
+      <p:sp>
+        <p:nvSpPr>
+          <p:cNvPr id="3" name="Platshållare för anteckningar 2"/>
+          <p:cNvSpPr>
+            <a:spLocks noGrp="1"/>
+          </p:cNvSpPr>
+          <p:nvPr>
+            <p:ph type="body" idx="1"/>
+          </p:nvPr>
+        </p:nvSpPr>
+        <p:spPr/>
+        <p:txBody>
+          <a:bodyPr/>
+          <a:lstStyle/>
+          <a:p>
+            <a:r>
+              <a:rPr lang="sv-SE" dirty="0"/>
+              <a:t>Jag har delat upp mänskliga strategier i två kategorier:</a:t>
+            </a:r>
+          </a:p>
+          <a:p>
+            <a:pPr marL="228600" indent="-228600">
+              <a:buAutoNum type="arabicPeriod"/>
+            </a:pPr>
+            <a:r>
+              <a:rPr lang="sv-SE" dirty="0"/>
+              <a:t>Är </a:t>
+            </a:r>
+            <a:r>
+              <a:rPr lang="sv-SE" dirty="0" err="1"/>
+              <a:t>Digit</a:t>
+            </a:r>
+            <a:r>
+              <a:rPr lang="sv-SE" dirty="0"/>
+              <a:t> </a:t>
+            </a:r>
+            <a:r>
+              <a:rPr lang="sv-SE" dirty="0" err="1"/>
+              <a:t>Method</a:t>
+            </a:r>
+            <a:r>
+              <a:rPr lang="sv-SE" dirty="0"/>
+              <a:t>, där man direkt från brädet kan se vars nästa siffra ska placeras.</a:t>
+            </a:r>
+          </a:p>
+          <a:p>
+            <a:pPr marL="228600" indent="-228600">
+              <a:buAutoNum type="arabicPeriod"/>
+            </a:pPr>
+            <a:r>
+              <a:rPr lang="sv-SE" dirty="0"/>
+              <a:t>Den andra är </a:t>
+            </a:r>
+            <a:r>
+              <a:rPr lang="sv-SE" dirty="0" err="1"/>
+              <a:t>Candidate</a:t>
+            </a:r>
+            <a:r>
+              <a:rPr lang="sv-SE" dirty="0"/>
+              <a:t> </a:t>
+            </a:r>
+            <a:r>
+              <a:rPr lang="sv-SE" dirty="0" err="1"/>
+              <a:t>Method</a:t>
+            </a:r>
+            <a:r>
+              <a:rPr lang="sv-SE" dirty="0"/>
+              <a:t>, där man kan logiskt resonera var en eller flera kandidater kan uteslutas, men man kan inte ange någon siffra.</a:t>
+            </a:r>
+          </a:p>
+          <a:p>
+            <a:endParaRPr lang="sv-SE" dirty="0"/>
+          </a:p>
+          <a:p>
+            <a:endParaRPr lang="sv-SE" dirty="0"/>
+          </a:p>
+        </p:txBody>
+      </p:sp>
+      <p:sp>
+        <p:nvSpPr>
+          <p:cNvPr id="4" name="Platshållare för bildnummer 3"/>
+          <p:cNvSpPr>
+            <a:spLocks noGrp="1"/>
+          </p:cNvSpPr>
+          <p:nvPr>
+            <p:ph type="sldNum" sz="quarter" idx="5"/>
+          </p:nvPr>
+        </p:nvSpPr>
+        <p:spPr/>
+        <p:txBody>
+          <a:bodyPr/>
+          <a:lstStyle/>
+          <a:p>
+            <a:fld id="{440D2322-BBBF-4456-B2C9-2F59CC22E037}" type="slidenum">
+              <a:rPr lang="sv-SE" smtClean="0"/>
+              <a:t>7</a:t>
+            </a:fld>
+            <a:endParaRPr lang="sv-SE"/>
+          </a:p>
+        </p:txBody>
+      </p:sp>
+    </p:spTree>
+    <p:extLst>
+      <p:ext uri="{BB962C8B-B14F-4D97-AF65-F5344CB8AC3E}">
+        <p14:creationId xmlns:p14="http://schemas.microsoft.com/office/powerpoint/2010/main" val="666115149"/>
+      </p:ext>
+    </p:extLst>
+  </p:cSld>
+  <p:clrMapOvr>
+    <a:masterClrMapping/>
+  </p:clrMapOvr>
+</p:notes>
+</file>
+
+<file path=ppt/notesSlides/notesSlide8.xml><?xml version="1.0" encoding="utf-8"?>
+<p:notes xmlns:a="http://schemas.openxmlformats.org/drawingml/2006/main" xmlns:r="http://schemas.openxmlformats.org/officeDocument/2006/relationships" xmlns:p="http://schemas.openxmlformats.org/presentationml/2006/main">
+  <p:cSld>
+    <p:spTree>
+      <p:nvGrpSpPr>
+        <p:cNvPr id="1" name=""/>
+        <p:cNvGrpSpPr/>
+        <p:nvPr/>
+      </p:nvGrpSpPr>
+      <p:grpSpPr>
+        <a:xfrm>
+          <a:off x="0" y="0"/>
+          <a:ext cx="0" cy="0"/>
+          <a:chOff x="0" y="0"/>
+          <a:chExt cx="0" cy="0"/>
+        </a:xfrm>
+      </p:grpSpPr>
+      <p:sp>
+        <p:nvSpPr>
+          <p:cNvPr id="2" name="Platshållare för bildobjekt 1"/>
+          <p:cNvSpPr>
+            <a:spLocks noGrp="1" noRot="1" noChangeAspect="1"/>
+          </p:cNvSpPr>
+          <p:nvPr>
+            <p:ph type="sldImg"/>
+          </p:nvPr>
+        </p:nvSpPr>
+        <p:spPr/>
+      </p:sp>
+      <p:sp>
+        <p:nvSpPr>
+          <p:cNvPr id="3" name="Platshållare för anteckningar 2"/>
+          <p:cNvSpPr>
+            <a:spLocks noGrp="1"/>
+          </p:cNvSpPr>
+          <p:nvPr>
+            <p:ph type="body" idx="1"/>
+          </p:nvPr>
+        </p:nvSpPr>
+        <p:spPr/>
+        <p:txBody>
+          <a:bodyPr/>
+          <a:lstStyle/>
+          <a:p>
+            <a:r>
+              <a:rPr lang="sv-SE" dirty="0"/>
+              <a:t>Här är ett exempel på den enklaste möjliga </a:t>
+            </a:r>
+            <a:r>
+              <a:rPr lang="sv-SE" dirty="0" err="1"/>
+              <a:t>Digit</a:t>
+            </a:r>
+            <a:r>
+              <a:rPr lang="sv-SE" dirty="0"/>
+              <a:t> </a:t>
+            </a:r>
+            <a:r>
+              <a:rPr lang="sv-SE" dirty="0" err="1"/>
+              <a:t>Method</a:t>
+            </a:r>
+            <a:r>
+              <a:rPr lang="sv-SE" dirty="0"/>
+              <a:t>. Man skannar igen brädet och letar efter en ruta med enbart en kandidat. Den kandidaten måste såklart vara vad som finns i rutan. Denna metod kallas ”</a:t>
+            </a:r>
+            <a:r>
+              <a:rPr lang="sv-SE" dirty="0" err="1"/>
+              <a:t>Naked</a:t>
+            </a:r>
+            <a:r>
+              <a:rPr lang="sv-SE" dirty="0"/>
+              <a:t> </a:t>
+            </a:r>
+            <a:r>
+              <a:rPr lang="sv-SE" dirty="0" err="1"/>
+              <a:t>Single</a:t>
+            </a:r>
+            <a:r>
+              <a:rPr lang="sv-SE" dirty="0"/>
+              <a:t>” och är en av de enklaste mänskliga strategierna..</a:t>
+            </a:r>
+          </a:p>
+          <a:p>
+            <a:endParaRPr lang="sv-SE" dirty="0"/>
+          </a:p>
+          <a:p>
+            <a:endParaRPr lang="sv-SE" dirty="0"/>
+          </a:p>
+        </p:txBody>
+      </p:sp>
+      <p:sp>
+        <p:nvSpPr>
+          <p:cNvPr id="4" name="Platshållare för bildnummer 3"/>
+          <p:cNvSpPr>
+            <a:spLocks noGrp="1"/>
+          </p:cNvSpPr>
+          <p:nvPr>
+            <p:ph type="sldNum" sz="quarter" idx="5"/>
+          </p:nvPr>
+        </p:nvSpPr>
+        <p:spPr/>
+        <p:txBody>
+          <a:bodyPr/>
+          <a:lstStyle/>
+          <a:p>
+            <a:fld id="{440D2322-BBBF-4456-B2C9-2F59CC22E037}" type="slidenum">
+              <a:rPr lang="sv-SE" smtClean="0"/>
+              <a:t>8</a:t>
+            </a:fld>
+            <a:endParaRPr lang="sv-SE"/>
+          </a:p>
+        </p:txBody>
+      </p:sp>
+    </p:spTree>
+    <p:extLst>
+      <p:ext uri="{BB962C8B-B14F-4D97-AF65-F5344CB8AC3E}">
+        <p14:creationId xmlns:p14="http://schemas.microsoft.com/office/powerpoint/2010/main" val="4087000573"/>
+      </p:ext>
+    </p:extLst>
+  </p:cSld>
+  <p:clrMapOvr>
+    <a:masterClrMapping/>
+  </p:clrMapOvr>
+</p:notes>
+</file>
+
+<file path=ppt/notesSlides/notesSlide9.xml><?xml version="1.0" encoding="utf-8"?>
+<p:notes xmlns:a="http://schemas.openxmlformats.org/drawingml/2006/main" xmlns:r="http://schemas.openxmlformats.org/officeDocument/2006/relationships" xmlns:p="http://schemas.openxmlformats.org/presentationml/2006/main">
+  <p:cSld>
+    <p:spTree>
+      <p:nvGrpSpPr>
+        <p:cNvPr id="1" name=""/>
+        <p:cNvGrpSpPr/>
+        <p:nvPr/>
+      </p:nvGrpSpPr>
+      <p:grpSpPr>
+        <a:xfrm>
+          <a:off x="0" y="0"/>
+          <a:ext cx="0" cy="0"/>
+          <a:chOff x="0" y="0"/>
+          <a:chExt cx="0" cy="0"/>
+        </a:xfrm>
+      </p:grpSpPr>
+      <p:sp>
+        <p:nvSpPr>
+          <p:cNvPr id="2" name="Platshållare för bildobjekt 1"/>
+          <p:cNvSpPr>
+            <a:spLocks noGrp="1" noRot="1" noChangeAspect="1"/>
+          </p:cNvSpPr>
+          <p:nvPr>
+            <p:ph type="sldImg"/>
+          </p:nvPr>
+        </p:nvSpPr>
+        <p:spPr/>
+      </p:sp>
+      <p:sp>
+        <p:nvSpPr>
+          <p:cNvPr id="3" name="Platshållare för anteckningar 2"/>
+          <p:cNvSpPr>
+            <a:spLocks noGrp="1"/>
+          </p:cNvSpPr>
+          <p:nvPr>
+            <p:ph type="body" idx="1"/>
+          </p:nvPr>
+        </p:nvSpPr>
+        <p:spPr/>
+        <p:txBody>
+          <a:bodyPr/>
+          <a:lstStyle/>
+          <a:p>
+            <a:r>
+              <a:rPr lang="sv-SE" dirty="0"/>
+              <a:t>Här är ett exempel på en </a:t>
+            </a:r>
+            <a:r>
+              <a:rPr lang="sv-SE" dirty="0" err="1"/>
+              <a:t>Candidate</a:t>
+            </a:r>
+            <a:r>
+              <a:rPr lang="sv-SE" dirty="0"/>
+              <a:t> </a:t>
+            </a:r>
+            <a:r>
+              <a:rPr lang="sv-SE" dirty="0" err="1"/>
+              <a:t>Method</a:t>
+            </a:r>
+            <a:r>
+              <a:rPr lang="sv-SE" dirty="0"/>
+              <a:t> som heter </a:t>
+            </a:r>
+            <a:r>
+              <a:rPr lang="sv-SE" dirty="0" err="1"/>
+              <a:t>Pointing</a:t>
+            </a:r>
+            <a:r>
+              <a:rPr lang="sv-SE" dirty="0"/>
+              <a:t> Pair. Om man kollar i rad F så ser man att en trea bara kan finnas på två ställen, och de ställena är båda i samma box. Följden är att trean i den boxen måste befinna sig i någon av de två rutorna. Alla andra celler i den boxen kan därför ta bort trean som kandidat, i det här fallet ruta E1 och E2.</a:t>
+            </a:r>
+          </a:p>
+          <a:p>
+            <a:endParaRPr lang="sv-SE" dirty="0"/>
+          </a:p>
+          <a:p>
+            <a:endParaRPr lang="sv-SE" dirty="0"/>
+          </a:p>
+          <a:p>
+            <a:endParaRPr lang="sv-SE" dirty="0"/>
+          </a:p>
+          <a:p>
+            <a:endParaRPr lang="sv-SE" dirty="0"/>
+          </a:p>
+        </p:txBody>
+      </p:sp>
+      <p:sp>
+        <p:nvSpPr>
+          <p:cNvPr id="4" name="Platshållare för bildnummer 3"/>
+          <p:cNvSpPr>
+            <a:spLocks noGrp="1"/>
+          </p:cNvSpPr>
+          <p:nvPr>
+            <p:ph type="sldNum" sz="quarter" idx="5"/>
+          </p:nvPr>
+        </p:nvSpPr>
+        <p:spPr/>
+        <p:txBody>
+          <a:bodyPr/>
+          <a:lstStyle/>
+          <a:p>
+            <a:fld id="{440D2322-BBBF-4456-B2C9-2F59CC22E037}" type="slidenum">
+              <a:rPr lang="sv-SE" smtClean="0"/>
+              <a:t>9</a:t>
+            </a:fld>
+            <a:endParaRPr lang="sv-SE"/>
+          </a:p>
+        </p:txBody>
+      </p:sp>
+    </p:spTree>
+    <p:extLst>
+      <p:ext uri="{BB962C8B-B14F-4D97-AF65-F5344CB8AC3E}">
+        <p14:creationId xmlns:p14="http://schemas.microsoft.com/office/powerpoint/2010/main" val="3867742170"/>
+      </p:ext>
+    </p:extLst>
+  </p:cSld>
+  <p:clrMapOvr>
+    <a:masterClrMapping/>
+  </p:clrMapOvr>
+</p:notes>
 </file>
 
 <file path=ppt/slideLayouts/slideLayout1.xml><?xml version="1.0" encoding="utf-8"?>
@@ -3381,10 +5534,9 @@
               <a:t>Procedurell</a:t>
             </a:r>
             <a:r>
-              <a:rPr lang="sv-SE"/>
-              <a:t>: spelprototyp </a:t>
-            </a:r>
-            <a:endParaRPr lang="sv-SE" dirty="0"/>
+              <a:rPr lang="sv-SE" dirty="0"/>
+              <a:t> Generering: spelprototyp </a:t>
+            </a:r>
           </a:p>
         </p:txBody>
       </p:sp>
@@ -3434,6 +5586,1011 @@
     <p:extLst>
       <p:ext uri="{BB962C8B-B14F-4D97-AF65-F5344CB8AC3E}">
         <p14:creationId xmlns:p14="http://schemas.microsoft.com/office/powerpoint/2010/main" val="2373997267"/>
+      </p:ext>
+    </p:extLst>
+  </p:cSld>
+  <p:clrMapOvr>
+    <a:masterClrMapping/>
+  </p:clrMapOvr>
+</p:sld>
+</file>
+
+<file path=ppt/slides/slide10.xml><?xml version="1.0" encoding="utf-8"?>
+<p:sld xmlns:a="http://schemas.openxmlformats.org/drawingml/2006/main" xmlns:r="http://schemas.openxmlformats.org/officeDocument/2006/relationships" xmlns:p="http://schemas.openxmlformats.org/presentationml/2006/main">
+  <p:cSld>
+    <p:spTree>
+      <p:nvGrpSpPr>
+        <p:cNvPr id="1" name=""/>
+        <p:cNvGrpSpPr/>
+        <p:nvPr/>
+      </p:nvGrpSpPr>
+      <p:grpSpPr>
+        <a:xfrm>
+          <a:off x="0" y="0"/>
+          <a:ext cx="0" cy="0"/>
+          <a:chOff x="0" y="0"/>
+          <a:chExt cx="0" cy="0"/>
+        </a:xfrm>
+      </p:grpSpPr>
+      <p:sp>
+        <p:nvSpPr>
+          <p:cNvPr id="2" name="Title 1">
+            <a:extLst>
+              <a:ext uri="{FF2B5EF4-FFF2-40B4-BE49-F238E27FC236}">
+                <a16:creationId xmlns:a16="http://schemas.microsoft.com/office/drawing/2014/main" id="{061E3986-C834-2F56-F67D-1630CC6AD68B}"/>
+              </a:ext>
+            </a:extLst>
+          </p:cNvPr>
+          <p:cNvSpPr>
+            <a:spLocks noGrp="1"/>
+          </p:cNvSpPr>
+          <p:nvPr>
+            <p:ph type="title"/>
+          </p:nvPr>
+        </p:nvSpPr>
+        <p:spPr>
+          <a:xfrm>
+            <a:off x="838200" y="-243408"/>
+            <a:ext cx="10515600" cy="1325563"/>
+          </a:xfrm>
+        </p:spPr>
+        <p:txBody>
+          <a:bodyPr/>
+          <a:lstStyle/>
+          <a:p>
+            <a:r>
+              <a:rPr lang="sv-SE" dirty="0" err="1"/>
+              <a:t>Procedurell</a:t>
+            </a:r>
+            <a:r>
+              <a:rPr lang="sv-SE" dirty="0"/>
+              <a:t> Generering (7 av 8)</a:t>
+            </a:r>
+          </a:p>
+        </p:txBody>
+      </p:sp>
+      <p:sp>
+        <p:nvSpPr>
+          <p:cNvPr id="4" name="Title 1">
+            <a:extLst>
+              <a:ext uri="{FF2B5EF4-FFF2-40B4-BE49-F238E27FC236}">
+                <a16:creationId xmlns:a16="http://schemas.microsoft.com/office/drawing/2014/main" id="{92531FD7-3735-8761-9744-B90FE96315A5}"/>
+              </a:ext>
+            </a:extLst>
+          </p:cNvPr>
+          <p:cNvSpPr txBox="1">
+            <a:spLocks/>
+          </p:cNvSpPr>
+          <p:nvPr/>
+        </p:nvSpPr>
+        <p:spPr>
+          <a:xfrm>
+            <a:off x="14660" y="1169692"/>
+            <a:ext cx="10515600" cy="1325563"/>
+          </a:xfrm>
+          <a:prstGeom prst="rect">
+            <a:avLst/>
+          </a:prstGeom>
+        </p:spPr>
+        <p:txBody>
+          <a:bodyPr vert="horz" lIns="91440" tIns="45720" rIns="91440" bIns="45720" rtlCol="0" anchor="ctr">
+            <a:normAutofit/>
+          </a:bodyPr>
+          <a:lstStyle>
+            <a:lvl1pPr algn="l" defTabSz="914400" rtl="0" eaLnBrk="1" latinLnBrk="0" hangingPunct="1">
+              <a:lnSpc>
+                <a:spcPct val="90000"/>
+              </a:lnSpc>
+              <a:spcBef>
+                <a:spcPct val="0"/>
+              </a:spcBef>
+              <a:buNone/>
+              <a:defRPr sz="4400" kern="1200">
+                <a:solidFill>
+                  <a:schemeClr val="tx1"/>
+                </a:solidFill>
+                <a:latin typeface="+mj-lt"/>
+                <a:ea typeface="+mj-ea"/>
+                <a:cs typeface="+mj-cs"/>
+              </a:defRPr>
+            </a:lvl1pPr>
+          </a:lstStyle>
+          <a:p>
+            <a:r>
+              <a:rPr lang="sv-SE" sz="3600" b="1" dirty="0">
+                <a:latin typeface="Abadi" panose="020B0604020202020204" pitchFamily="34" charset="0"/>
+              </a:rPr>
+              <a:t>Graph </a:t>
+            </a:r>
+            <a:r>
+              <a:rPr lang="sv-SE" sz="3600" b="1" dirty="0" err="1">
+                <a:latin typeface="Abadi" panose="020B0604020202020204" pitchFamily="34" charset="0"/>
+              </a:rPr>
+              <a:t>Grammar</a:t>
+            </a:r>
+            <a:r>
+              <a:rPr lang="sv-SE" sz="3600" b="1" dirty="0">
+                <a:latin typeface="Abadi" panose="020B0604020202020204" pitchFamily="34" charset="0"/>
+              </a:rPr>
+              <a:t> (GG)</a:t>
+            </a:r>
+          </a:p>
+        </p:txBody>
+      </p:sp>
+      <p:sp>
+        <p:nvSpPr>
+          <p:cNvPr id="12" name="textruta 11">
+            <a:extLst>
+              <a:ext uri="{FF2B5EF4-FFF2-40B4-BE49-F238E27FC236}">
+                <a16:creationId xmlns:a16="http://schemas.microsoft.com/office/drawing/2014/main" id="{4B233A35-6641-EE6B-B3BE-6900F82C3BE6}"/>
+              </a:ext>
+            </a:extLst>
+          </p:cNvPr>
+          <p:cNvSpPr txBox="1"/>
+          <p:nvPr/>
+        </p:nvSpPr>
+        <p:spPr>
+          <a:xfrm>
+            <a:off x="2224460" y="6418918"/>
+            <a:ext cx="6096000" cy="369332"/>
+          </a:xfrm>
+          <a:prstGeom prst="rect">
+            <a:avLst/>
+          </a:prstGeom>
+          <a:noFill/>
+        </p:spPr>
+        <p:txBody>
+          <a:bodyPr wrap="square">
+            <a:spAutoFit/>
+          </a:bodyPr>
+          <a:lstStyle/>
+          <a:p>
+            <a:r>
+              <a:rPr lang="sv-SE" dirty="0">
+                <a:hlinkClick r:id="rId3"/>
+              </a:rPr>
+              <a:t>https://www.sudoku-solutions.com/</a:t>
+            </a:r>
+            <a:r>
+              <a:rPr lang="sv-SE" dirty="0"/>
+              <a:t> </a:t>
+            </a:r>
+          </a:p>
+        </p:txBody>
+      </p:sp>
+      <p:sp>
+        <p:nvSpPr>
+          <p:cNvPr id="3" name="Title 1">
+            <a:extLst>
+              <a:ext uri="{FF2B5EF4-FFF2-40B4-BE49-F238E27FC236}">
+                <a16:creationId xmlns:a16="http://schemas.microsoft.com/office/drawing/2014/main" id="{BFE02D2D-5935-FE8C-FFAE-36A0357E85E3}"/>
+              </a:ext>
+            </a:extLst>
+          </p:cNvPr>
+          <p:cNvSpPr txBox="1">
+            <a:spLocks/>
+          </p:cNvSpPr>
+          <p:nvPr/>
+        </p:nvSpPr>
+        <p:spPr>
+          <a:xfrm>
+            <a:off x="191344" y="3019795"/>
+            <a:ext cx="10515600" cy="1325563"/>
+          </a:xfrm>
+          <a:prstGeom prst="rect">
+            <a:avLst/>
+          </a:prstGeom>
+        </p:spPr>
+        <p:txBody>
+          <a:bodyPr vert="horz" lIns="91440" tIns="45720" rIns="91440" bIns="45720" rtlCol="0" anchor="ctr">
+            <a:normAutofit/>
+          </a:bodyPr>
+          <a:lstStyle>
+            <a:lvl1pPr algn="l" defTabSz="914400" rtl="0" eaLnBrk="1" latinLnBrk="0" hangingPunct="1">
+              <a:lnSpc>
+                <a:spcPct val="90000"/>
+              </a:lnSpc>
+              <a:spcBef>
+                <a:spcPct val="0"/>
+              </a:spcBef>
+              <a:buNone/>
+              <a:defRPr sz="4400" kern="1200">
+                <a:solidFill>
+                  <a:schemeClr val="tx1"/>
+                </a:solidFill>
+                <a:latin typeface="+mj-lt"/>
+                <a:ea typeface="+mj-ea"/>
+                <a:cs typeface="+mj-cs"/>
+              </a:defRPr>
+            </a:lvl1pPr>
+          </a:lstStyle>
+          <a:p>
+            <a:endParaRPr lang="sv-SE" sz="3600" i="1" dirty="0">
+              <a:latin typeface="Abadi" panose="020B0604020202020204" pitchFamily="34" charset="0"/>
+            </a:endParaRPr>
+          </a:p>
+        </p:txBody>
+      </p:sp>
+      <p:pic>
+        <p:nvPicPr>
+          <p:cNvPr id="7" name="Bildobjekt 6">
+            <a:extLst>
+              <a:ext uri="{FF2B5EF4-FFF2-40B4-BE49-F238E27FC236}">
+                <a16:creationId xmlns:a16="http://schemas.microsoft.com/office/drawing/2014/main" id="{99E98968-9FD5-F999-D7B0-8A7A02985F03}"/>
+              </a:ext>
+            </a:extLst>
+          </p:cNvPr>
+          <p:cNvPicPr>
+            <a:picLocks noChangeAspect="1"/>
+          </p:cNvPicPr>
+          <p:nvPr/>
+        </p:nvPicPr>
+        <p:blipFill>
+          <a:blip r:embed="rId4"/>
+          <a:stretch>
+            <a:fillRect/>
+          </a:stretch>
+        </p:blipFill>
+        <p:spPr>
+          <a:xfrm>
+            <a:off x="6063828" y="1132955"/>
+            <a:ext cx="5532647" cy="5590107"/>
+          </a:xfrm>
+          <a:prstGeom prst="rect">
+            <a:avLst/>
+          </a:prstGeom>
+        </p:spPr>
+      </p:pic>
+      <p:sp>
+        <p:nvSpPr>
+          <p:cNvPr id="9" name="textruta 8">
+            <a:extLst>
+              <a:ext uri="{FF2B5EF4-FFF2-40B4-BE49-F238E27FC236}">
+                <a16:creationId xmlns:a16="http://schemas.microsoft.com/office/drawing/2014/main" id="{6C300A8E-97C1-BCAE-8225-64EA08265CC9}"/>
+              </a:ext>
+            </a:extLst>
+          </p:cNvPr>
+          <p:cNvSpPr txBox="1"/>
+          <p:nvPr/>
+        </p:nvSpPr>
+        <p:spPr>
+          <a:xfrm>
+            <a:off x="191344" y="2531992"/>
+            <a:ext cx="6184900" cy="2585323"/>
+          </a:xfrm>
+          <a:prstGeom prst="rect">
+            <a:avLst/>
+          </a:prstGeom>
+          <a:noFill/>
+        </p:spPr>
+        <p:txBody>
+          <a:bodyPr wrap="square">
+            <a:spAutoFit/>
+          </a:bodyPr>
+          <a:lstStyle/>
+          <a:p>
+            <a:r>
+              <a:rPr lang="sv-SE" dirty="0"/>
+              <a:t>Teknik för att generera en </a:t>
+            </a:r>
+            <a:r>
+              <a:rPr lang="sv-SE" b="1" dirty="0">
+                <a:solidFill>
+                  <a:schemeClr val="accent6"/>
+                </a:solidFill>
+              </a:rPr>
+              <a:t>ny graf </a:t>
+            </a:r>
+            <a:r>
+              <a:rPr lang="sv-SE" dirty="0"/>
+              <a:t>utifrån en </a:t>
+            </a:r>
+            <a:r>
+              <a:rPr lang="sv-SE" dirty="0">
+                <a:solidFill>
+                  <a:schemeClr val="accent1"/>
+                </a:solidFill>
+              </a:rPr>
+              <a:t>befintlig graf</a:t>
+            </a:r>
+          </a:p>
+          <a:p>
+            <a:r>
+              <a:rPr lang="sv-SE" dirty="0"/>
+              <a:t>Utifrån bestämda </a:t>
+            </a:r>
+            <a:r>
+              <a:rPr lang="sv-SE" dirty="0">
+                <a:solidFill>
+                  <a:srgbClr val="FF0000"/>
+                </a:solidFill>
+              </a:rPr>
+              <a:t>regler</a:t>
+            </a:r>
+            <a:r>
+              <a:rPr lang="sv-SE" dirty="0"/>
+              <a:t> (</a:t>
+            </a:r>
+            <a:r>
+              <a:rPr lang="sv-SE" dirty="0">
+                <a:hlinkClick r:id="rId5"/>
+              </a:rPr>
+              <a:t>https://en.wikipedia.org/wiki/Graph_rewriting</a:t>
+            </a:r>
+            <a:r>
+              <a:rPr lang="sv-SE" dirty="0"/>
+              <a:t> )</a:t>
+            </a:r>
+          </a:p>
+          <a:p>
+            <a:endParaRPr lang="sv-SE" dirty="0"/>
+          </a:p>
+          <a:p>
+            <a:r>
+              <a:rPr lang="sv-SE" b="1" dirty="0"/>
+              <a:t>Befintlig Graf</a:t>
+            </a:r>
+            <a:r>
+              <a:rPr lang="sv-SE" dirty="0"/>
+              <a:t>: </a:t>
+            </a:r>
+            <a:r>
+              <a:rPr lang="sv-SE" b="1" dirty="0">
+                <a:solidFill>
+                  <a:srgbClr val="0070C0"/>
+                </a:solidFill>
+              </a:rPr>
+              <a:t>Brädet innan </a:t>
+            </a:r>
+            <a:r>
+              <a:rPr lang="sv-SE" dirty="0" err="1"/>
+              <a:t>candidate</a:t>
+            </a:r>
+            <a:r>
+              <a:rPr lang="sv-SE" dirty="0"/>
+              <a:t> </a:t>
+            </a:r>
+            <a:r>
+              <a:rPr lang="sv-SE" dirty="0" err="1"/>
+              <a:t>method</a:t>
+            </a:r>
+            <a:br>
+              <a:rPr lang="sv-SE" dirty="0"/>
+            </a:br>
+            <a:endParaRPr lang="sv-SE" dirty="0"/>
+          </a:p>
+          <a:p>
+            <a:r>
+              <a:rPr lang="sv-SE" b="1" dirty="0"/>
+              <a:t>Regel</a:t>
+            </a:r>
+            <a:r>
+              <a:rPr lang="sv-SE" dirty="0"/>
+              <a:t>: </a:t>
+            </a:r>
+            <a:r>
+              <a:rPr lang="sv-SE" b="1" dirty="0" err="1">
+                <a:solidFill>
+                  <a:srgbClr val="FF0000"/>
+                </a:solidFill>
+              </a:rPr>
+              <a:t>Candidate</a:t>
+            </a:r>
+            <a:r>
+              <a:rPr lang="sv-SE" b="1" dirty="0">
+                <a:solidFill>
+                  <a:srgbClr val="FF0000"/>
+                </a:solidFill>
+              </a:rPr>
+              <a:t> </a:t>
+            </a:r>
+            <a:r>
+              <a:rPr lang="sv-SE" b="1" dirty="0" err="1">
+                <a:solidFill>
+                  <a:srgbClr val="FF0000"/>
+                </a:solidFill>
+              </a:rPr>
+              <a:t>Method</a:t>
+            </a:r>
+            <a:r>
+              <a:rPr lang="sv-SE" b="1" dirty="0">
+                <a:solidFill>
+                  <a:srgbClr val="FF0000"/>
+                </a:solidFill>
+              </a:rPr>
+              <a:t> – </a:t>
+            </a:r>
+            <a:r>
+              <a:rPr lang="sv-SE" b="1" dirty="0" err="1">
+                <a:solidFill>
+                  <a:srgbClr val="FF0000"/>
+                </a:solidFill>
+              </a:rPr>
+              <a:t>Pointing</a:t>
+            </a:r>
+            <a:r>
+              <a:rPr lang="sv-SE" b="1" dirty="0">
+                <a:solidFill>
+                  <a:srgbClr val="FF0000"/>
+                </a:solidFill>
+              </a:rPr>
+              <a:t> Pair</a:t>
+            </a:r>
+            <a:br>
+              <a:rPr lang="sv-SE" dirty="0"/>
+            </a:br>
+            <a:endParaRPr lang="sv-SE" dirty="0"/>
+          </a:p>
+          <a:p>
+            <a:r>
+              <a:rPr lang="sv-SE" b="1" dirty="0"/>
+              <a:t>Ny graf</a:t>
+            </a:r>
+            <a:r>
+              <a:rPr lang="sv-SE" dirty="0"/>
+              <a:t>: </a:t>
+            </a:r>
+            <a:r>
+              <a:rPr lang="sv-SE" b="1" dirty="0">
+                <a:solidFill>
+                  <a:schemeClr val="accent6"/>
+                </a:solidFill>
+              </a:rPr>
+              <a:t>Brädet efter </a:t>
+            </a:r>
+            <a:r>
+              <a:rPr lang="sv-SE" dirty="0" err="1"/>
+              <a:t>candidate</a:t>
+            </a:r>
+            <a:r>
+              <a:rPr lang="sv-SE" dirty="0"/>
+              <a:t> </a:t>
+            </a:r>
+            <a:r>
+              <a:rPr lang="sv-SE" dirty="0" err="1"/>
+              <a:t>method</a:t>
+            </a:r>
+            <a:endParaRPr lang="sv-SE" dirty="0"/>
+          </a:p>
+        </p:txBody>
+      </p:sp>
+    </p:spTree>
+    <p:extLst>
+      <p:ext uri="{BB962C8B-B14F-4D97-AF65-F5344CB8AC3E}">
+        <p14:creationId xmlns:p14="http://schemas.microsoft.com/office/powerpoint/2010/main" val="583267875"/>
+      </p:ext>
+    </p:extLst>
+  </p:cSld>
+  <p:clrMapOvr>
+    <a:masterClrMapping/>
+  </p:clrMapOvr>
+</p:sld>
+</file>
+
+<file path=ppt/slides/slide11.xml><?xml version="1.0" encoding="utf-8"?>
+<p:sld xmlns:a="http://schemas.openxmlformats.org/drawingml/2006/main" xmlns:r="http://schemas.openxmlformats.org/officeDocument/2006/relationships" xmlns:p="http://schemas.openxmlformats.org/presentationml/2006/main">
+  <p:cSld>
+    <p:spTree>
+      <p:nvGrpSpPr>
+        <p:cNvPr id="1" name=""/>
+        <p:cNvGrpSpPr/>
+        <p:nvPr/>
+      </p:nvGrpSpPr>
+      <p:grpSpPr>
+        <a:xfrm>
+          <a:off x="0" y="0"/>
+          <a:ext cx="0" cy="0"/>
+          <a:chOff x="0" y="0"/>
+          <a:chExt cx="0" cy="0"/>
+        </a:xfrm>
+      </p:grpSpPr>
+      <p:sp>
+        <p:nvSpPr>
+          <p:cNvPr id="2" name="Title 1">
+            <a:extLst>
+              <a:ext uri="{FF2B5EF4-FFF2-40B4-BE49-F238E27FC236}">
+                <a16:creationId xmlns:a16="http://schemas.microsoft.com/office/drawing/2014/main" id="{061E3986-C834-2F56-F67D-1630CC6AD68B}"/>
+              </a:ext>
+            </a:extLst>
+          </p:cNvPr>
+          <p:cNvSpPr>
+            <a:spLocks noGrp="1"/>
+          </p:cNvSpPr>
+          <p:nvPr>
+            <p:ph type="title"/>
+          </p:nvPr>
+        </p:nvSpPr>
+        <p:spPr>
+          <a:xfrm>
+            <a:off x="838200" y="-243408"/>
+            <a:ext cx="10515600" cy="1325563"/>
+          </a:xfrm>
+        </p:spPr>
+        <p:txBody>
+          <a:bodyPr/>
+          <a:lstStyle/>
+          <a:p>
+            <a:r>
+              <a:rPr lang="sv-SE" dirty="0" err="1"/>
+              <a:t>Procedurell</a:t>
+            </a:r>
+            <a:r>
+              <a:rPr lang="sv-SE" dirty="0"/>
+              <a:t> Generering (8 av 8)</a:t>
+            </a:r>
+          </a:p>
+        </p:txBody>
+      </p:sp>
+      <p:sp>
+        <p:nvSpPr>
+          <p:cNvPr id="4" name="Title 1">
+            <a:extLst>
+              <a:ext uri="{FF2B5EF4-FFF2-40B4-BE49-F238E27FC236}">
+                <a16:creationId xmlns:a16="http://schemas.microsoft.com/office/drawing/2014/main" id="{92531FD7-3735-8761-9744-B90FE96315A5}"/>
+              </a:ext>
+            </a:extLst>
+          </p:cNvPr>
+          <p:cNvSpPr txBox="1">
+            <a:spLocks/>
+          </p:cNvSpPr>
+          <p:nvPr/>
+        </p:nvSpPr>
+        <p:spPr>
+          <a:xfrm>
+            <a:off x="14660" y="404664"/>
+            <a:ext cx="10515600" cy="1325563"/>
+          </a:xfrm>
+          <a:prstGeom prst="rect">
+            <a:avLst/>
+          </a:prstGeom>
+        </p:spPr>
+        <p:txBody>
+          <a:bodyPr vert="horz" lIns="91440" tIns="45720" rIns="91440" bIns="45720" rtlCol="0" anchor="ctr">
+            <a:normAutofit/>
+          </a:bodyPr>
+          <a:lstStyle>
+            <a:lvl1pPr algn="l" defTabSz="914400" rtl="0" eaLnBrk="1" latinLnBrk="0" hangingPunct="1">
+              <a:lnSpc>
+                <a:spcPct val="90000"/>
+              </a:lnSpc>
+              <a:spcBef>
+                <a:spcPct val="0"/>
+              </a:spcBef>
+              <a:buNone/>
+              <a:defRPr sz="4400" kern="1200">
+                <a:solidFill>
+                  <a:schemeClr val="tx1"/>
+                </a:solidFill>
+                <a:latin typeface="+mj-lt"/>
+                <a:ea typeface="+mj-ea"/>
+                <a:cs typeface="+mj-cs"/>
+              </a:defRPr>
+            </a:lvl1pPr>
+          </a:lstStyle>
+          <a:p>
+            <a:r>
+              <a:rPr lang="sv-SE" sz="3600" b="1" dirty="0">
+                <a:latin typeface="Abadi" panose="020B0604020202020204" pitchFamily="34" charset="0"/>
+              </a:rPr>
+              <a:t>Graph </a:t>
+            </a:r>
+            <a:r>
+              <a:rPr lang="sv-SE" sz="3600" b="1" dirty="0" err="1">
+                <a:latin typeface="Abadi" panose="020B0604020202020204" pitchFamily="34" charset="0"/>
+              </a:rPr>
+              <a:t>Grammar</a:t>
+            </a:r>
+            <a:r>
+              <a:rPr lang="sv-SE" sz="3600" b="1" dirty="0">
+                <a:latin typeface="Abadi" panose="020B0604020202020204" pitchFamily="34" charset="0"/>
+              </a:rPr>
+              <a:t> (GG)</a:t>
+            </a:r>
+          </a:p>
+        </p:txBody>
+      </p:sp>
+      <p:sp>
+        <p:nvSpPr>
+          <p:cNvPr id="3" name="Title 1">
+            <a:extLst>
+              <a:ext uri="{FF2B5EF4-FFF2-40B4-BE49-F238E27FC236}">
+                <a16:creationId xmlns:a16="http://schemas.microsoft.com/office/drawing/2014/main" id="{BFE02D2D-5935-FE8C-FFAE-36A0357E85E3}"/>
+              </a:ext>
+            </a:extLst>
+          </p:cNvPr>
+          <p:cNvSpPr txBox="1">
+            <a:spLocks/>
+          </p:cNvSpPr>
+          <p:nvPr/>
+        </p:nvSpPr>
+        <p:spPr>
+          <a:xfrm>
+            <a:off x="191344" y="3019795"/>
+            <a:ext cx="10515600" cy="1325563"/>
+          </a:xfrm>
+          <a:prstGeom prst="rect">
+            <a:avLst/>
+          </a:prstGeom>
+        </p:spPr>
+        <p:txBody>
+          <a:bodyPr vert="horz" lIns="91440" tIns="45720" rIns="91440" bIns="45720" rtlCol="0" anchor="ctr">
+            <a:normAutofit/>
+          </a:bodyPr>
+          <a:lstStyle>
+            <a:lvl1pPr algn="l" defTabSz="914400" rtl="0" eaLnBrk="1" latinLnBrk="0" hangingPunct="1">
+              <a:lnSpc>
+                <a:spcPct val="90000"/>
+              </a:lnSpc>
+              <a:spcBef>
+                <a:spcPct val="0"/>
+              </a:spcBef>
+              <a:buNone/>
+              <a:defRPr sz="4400" kern="1200">
+                <a:solidFill>
+                  <a:schemeClr val="tx1"/>
+                </a:solidFill>
+                <a:latin typeface="+mj-lt"/>
+                <a:ea typeface="+mj-ea"/>
+                <a:cs typeface="+mj-cs"/>
+              </a:defRPr>
+            </a:lvl1pPr>
+          </a:lstStyle>
+          <a:p>
+            <a:endParaRPr lang="sv-SE" sz="3600" i="1" dirty="0">
+              <a:latin typeface="Abadi" panose="020B0604020202020204" pitchFamily="34" charset="0"/>
+            </a:endParaRPr>
+          </a:p>
+        </p:txBody>
+      </p:sp>
+      <p:sp>
+        <p:nvSpPr>
+          <p:cNvPr id="9" name="textruta 8">
+            <a:extLst>
+              <a:ext uri="{FF2B5EF4-FFF2-40B4-BE49-F238E27FC236}">
+                <a16:creationId xmlns:a16="http://schemas.microsoft.com/office/drawing/2014/main" id="{6C300A8E-97C1-BCAE-8225-64EA08265CC9}"/>
+              </a:ext>
+            </a:extLst>
+          </p:cNvPr>
+          <p:cNvSpPr txBox="1"/>
+          <p:nvPr/>
+        </p:nvSpPr>
+        <p:spPr>
+          <a:xfrm>
+            <a:off x="191344" y="1618922"/>
+            <a:ext cx="6184900" cy="3693319"/>
+          </a:xfrm>
+          <a:prstGeom prst="rect">
+            <a:avLst/>
+          </a:prstGeom>
+          <a:noFill/>
+        </p:spPr>
+        <p:txBody>
+          <a:bodyPr wrap="square">
+            <a:spAutoFit/>
+          </a:bodyPr>
+          <a:lstStyle/>
+          <a:p>
+            <a:r>
+              <a:rPr lang="sv-SE" dirty="0" err="1"/>
+              <a:t>bool</a:t>
+            </a:r>
+            <a:r>
+              <a:rPr lang="sv-SE" dirty="0"/>
+              <a:t> </a:t>
+            </a:r>
+            <a:r>
+              <a:rPr lang="sv-SE" dirty="0" err="1">
+                <a:highlight>
+                  <a:srgbClr val="FFFF00"/>
+                </a:highlight>
+              </a:rPr>
+              <a:t>HumanlySolveable</a:t>
+            </a:r>
+            <a:r>
+              <a:rPr lang="sv-SE" dirty="0"/>
+              <a:t> (</a:t>
+            </a:r>
+            <a:r>
+              <a:rPr lang="sv-SE" dirty="0" err="1">
+                <a:solidFill>
+                  <a:schemeClr val="accent6">
+                    <a:lumMod val="50000"/>
+                  </a:schemeClr>
+                </a:solidFill>
+              </a:rPr>
+              <a:t>grid</a:t>
+            </a:r>
+            <a:r>
+              <a:rPr lang="sv-SE" dirty="0"/>
+              <a:t>) {</a:t>
+            </a:r>
+          </a:p>
+          <a:p>
+            <a:endParaRPr lang="sv-SE" dirty="0"/>
+          </a:p>
+          <a:p>
+            <a:r>
+              <a:rPr lang="sv-SE" dirty="0"/>
+              <a:t>    </a:t>
+            </a:r>
+            <a:r>
+              <a:rPr lang="sv-SE" dirty="0" err="1"/>
+              <a:t>while</a:t>
+            </a:r>
+            <a:r>
+              <a:rPr lang="sv-SE" dirty="0"/>
+              <a:t> (</a:t>
+            </a:r>
+            <a:r>
+              <a:rPr lang="sv-SE" dirty="0" err="1">
+                <a:solidFill>
+                  <a:schemeClr val="accent6">
+                    <a:lumMod val="50000"/>
+                  </a:schemeClr>
+                </a:solidFill>
+              </a:rPr>
+              <a:t>grid</a:t>
+            </a:r>
+            <a:r>
+              <a:rPr lang="sv-SE" dirty="0" err="1"/>
+              <a:t>.Solved</a:t>
+            </a:r>
+            <a:r>
+              <a:rPr lang="sv-SE" dirty="0"/>
+              <a:t> == </a:t>
+            </a:r>
+            <a:r>
+              <a:rPr lang="sv-SE" dirty="0" err="1"/>
+              <a:t>false</a:t>
+            </a:r>
+            <a:r>
+              <a:rPr lang="sv-SE" dirty="0"/>
+              <a:t>){</a:t>
+            </a:r>
+          </a:p>
+          <a:p>
+            <a:endParaRPr lang="sv-SE" dirty="0"/>
+          </a:p>
+          <a:p>
+            <a:r>
+              <a:rPr lang="sv-SE" dirty="0"/>
+              <a:t>        </a:t>
+            </a:r>
+            <a:r>
+              <a:rPr lang="sv-SE" dirty="0" err="1"/>
+              <a:t>if</a:t>
+            </a:r>
+            <a:r>
+              <a:rPr lang="sv-SE" dirty="0"/>
+              <a:t> (</a:t>
+            </a:r>
+            <a:r>
+              <a:rPr lang="sv-SE" dirty="0" err="1">
+                <a:highlight>
+                  <a:srgbClr val="00FFFF"/>
+                </a:highlight>
+              </a:rPr>
+              <a:t>DigitProgress</a:t>
+            </a:r>
+            <a:r>
+              <a:rPr lang="sv-SE" dirty="0"/>
+              <a:t>(</a:t>
+            </a:r>
+            <a:r>
+              <a:rPr lang="sv-SE" dirty="0" err="1">
+                <a:solidFill>
+                  <a:schemeClr val="accent6">
+                    <a:lumMod val="50000"/>
+                  </a:schemeClr>
+                </a:solidFill>
+              </a:rPr>
+              <a:t>grid</a:t>
+            </a:r>
+            <a:r>
+              <a:rPr lang="sv-SE" dirty="0"/>
+              <a:t>))</a:t>
+            </a:r>
+          </a:p>
+          <a:p>
+            <a:r>
+              <a:rPr lang="sv-SE" dirty="0"/>
+              <a:t>            </a:t>
+            </a:r>
+            <a:r>
+              <a:rPr lang="sv-SE" dirty="0" err="1"/>
+              <a:t>continue</a:t>
+            </a:r>
+            <a:r>
+              <a:rPr lang="sv-SE" dirty="0"/>
+              <a:t>;</a:t>
+            </a:r>
+          </a:p>
+          <a:p>
+            <a:endParaRPr lang="sv-SE" dirty="0"/>
+          </a:p>
+          <a:p>
+            <a:r>
+              <a:rPr lang="sv-SE" dirty="0"/>
+              <a:t>        </a:t>
+            </a:r>
+            <a:r>
+              <a:rPr lang="sv-SE" dirty="0" err="1"/>
+              <a:t>if</a:t>
+            </a:r>
+            <a:r>
+              <a:rPr lang="sv-SE" dirty="0"/>
+              <a:t> (</a:t>
+            </a:r>
+            <a:r>
+              <a:rPr lang="sv-SE" dirty="0" err="1">
+                <a:highlight>
+                  <a:srgbClr val="00FFFF"/>
+                </a:highlight>
+              </a:rPr>
+              <a:t>CandidateProgress</a:t>
+            </a:r>
+            <a:r>
+              <a:rPr lang="sv-SE" dirty="0"/>
+              <a:t>(</a:t>
+            </a:r>
+            <a:r>
+              <a:rPr lang="sv-SE" dirty="0" err="1">
+                <a:solidFill>
+                  <a:schemeClr val="accent6">
+                    <a:lumMod val="50000"/>
+                  </a:schemeClr>
+                </a:solidFill>
+              </a:rPr>
+              <a:t>grid</a:t>
+            </a:r>
+            <a:r>
+              <a:rPr lang="sv-SE" dirty="0"/>
+              <a:t>) == </a:t>
+            </a:r>
+            <a:r>
+              <a:rPr lang="sv-SE" dirty="0" err="1"/>
+              <a:t>false</a:t>
+            </a:r>
+            <a:r>
+              <a:rPr lang="sv-SE" dirty="0"/>
+              <a:t>)</a:t>
+            </a:r>
+          </a:p>
+          <a:p>
+            <a:r>
+              <a:rPr lang="sv-SE" dirty="0"/>
+              <a:t>            </a:t>
+            </a:r>
+            <a:r>
+              <a:rPr lang="sv-SE" dirty="0" err="1"/>
+              <a:t>return</a:t>
+            </a:r>
+            <a:r>
+              <a:rPr lang="sv-SE" dirty="0"/>
+              <a:t> </a:t>
+            </a:r>
+            <a:r>
+              <a:rPr lang="sv-SE" b="1" dirty="0" err="1">
+                <a:solidFill>
+                  <a:srgbClr val="FF0000"/>
+                </a:solidFill>
+              </a:rPr>
+              <a:t>false</a:t>
+            </a:r>
+            <a:r>
+              <a:rPr lang="sv-SE" dirty="0"/>
+              <a:t>;</a:t>
+            </a:r>
+          </a:p>
+          <a:p>
+            <a:r>
+              <a:rPr lang="sv-SE" dirty="0"/>
+              <a:t>    }</a:t>
+            </a:r>
+          </a:p>
+          <a:p>
+            <a:endParaRPr lang="sv-SE" dirty="0"/>
+          </a:p>
+          <a:p>
+            <a:r>
+              <a:rPr lang="sv-SE" dirty="0"/>
+              <a:t>    </a:t>
+            </a:r>
+            <a:r>
+              <a:rPr lang="sv-SE" dirty="0" err="1"/>
+              <a:t>return</a:t>
+            </a:r>
+            <a:r>
+              <a:rPr lang="sv-SE" dirty="0"/>
+              <a:t> </a:t>
+            </a:r>
+            <a:r>
+              <a:rPr lang="sv-SE" b="1" dirty="0" err="1">
+                <a:solidFill>
+                  <a:schemeClr val="accent6">
+                    <a:lumMod val="75000"/>
+                  </a:schemeClr>
+                </a:solidFill>
+              </a:rPr>
+              <a:t>true</a:t>
+            </a:r>
+            <a:r>
+              <a:rPr lang="sv-SE" dirty="0"/>
+              <a:t>;</a:t>
+            </a:r>
+          </a:p>
+          <a:p>
+            <a:r>
+              <a:rPr lang="sv-SE" dirty="0"/>
+              <a:t>}</a:t>
+            </a:r>
+          </a:p>
+        </p:txBody>
+      </p:sp>
+      <p:pic>
+        <p:nvPicPr>
+          <p:cNvPr id="6" name="Bildobjekt 5">
+            <a:extLst>
+              <a:ext uri="{FF2B5EF4-FFF2-40B4-BE49-F238E27FC236}">
+                <a16:creationId xmlns:a16="http://schemas.microsoft.com/office/drawing/2014/main" id="{CADFA563-AF0D-141B-02ED-7DB68B436ABF}"/>
+              </a:ext>
+            </a:extLst>
+          </p:cNvPr>
+          <p:cNvPicPr>
+            <a:picLocks noChangeAspect="1"/>
+          </p:cNvPicPr>
+          <p:nvPr/>
+        </p:nvPicPr>
+        <p:blipFill>
+          <a:blip r:embed="rId3"/>
+          <a:stretch>
+            <a:fillRect/>
+          </a:stretch>
+        </p:blipFill>
+        <p:spPr>
+          <a:xfrm>
+            <a:off x="9029663" y="143252"/>
+            <a:ext cx="3001194" cy="6615034"/>
+          </a:xfrm>
+          <a:prstGeom prst="rect">
+            <a:avLst/>
+          </a:prstGeom>
+        </p:spPr>
+      </p:pic>
+      <p:pic>
+        <p:nvPicPr>
+          <p:cNvPr id="10" name="Bildobjekt 9">
+            <a:extLst>
+              <a:ext uri="{FF2B5EF4-FFF2-40B4-BE49-F238E27FC236}">
+                <a16:creationId xmlns:a16="http://schemas.microsoft.com/office/drawing/2014/main" id="{A09477A7-140E-A0D8-0BB2-ED7D9224A419}"/>
+              </a:ext>
+            </a:extLst>
+          </p:cNvPr>
+          <p:cNvPicPr>
+            <a:picLocks noChangeAspect="1"/>
+          </p:cNvPicPr>
+          <p:nvPr/>
+        </p:nvPicPr>
+        <p:blipFill>
+          <a:blip r:embed="rId4"/>
+          <a:stretch>
+            <a:fillRect/>
+          </a:stretch>
+        </p:blipFill>
+        <p:spPr>
+          <a:xfrm>
+            <a:off x="4364734" y="4509121"/>
+            <a:ext cx="4586137" cy="2249166"/>
+          </a:xfrm>
+          <a:prstGeom prst="rect">
+            <a:avLst/>
+          </a:prstGeom>
+        </p:spPr>
+      </p:pic>
+    </p:spTree>
+    <p:extLst>
+      <p:ext uri="{BB962C8B-B14F-4D97-AF65-F5344CB8AC3E}">
+        <p14:creationId xmlns:p14="http://schemas.microsoft.com/office/powerpoint/2010/main" val="3655258892"/>
       </p:ext>
     </p:extLst>
   </p:cSld>
@@ -3503,7 +6660,7 @@
         <p:spPr>
           <a:xfrm>
             <a:off x="1055440" y="1844824"/>
-            <a:ext cx="10153128" cy="923330"/>
+            <a:ext cx="10153128" cy="3970318"/>
           </a:xfrm>
           <a:prstGeom prst="rect">
             <a:avLst/>
@@ -3518,8 +6675,145 @@
           <a:p>
             <a:r>
               <a:rPr lang="sv-SE" dirty="0"/>
-              <a:t>Kommentar: översikt. Här ska du översiktligt beskriva spelprototypen, spelupplevelsen och den valda AI teknologin. Beskrivs hur AI-teknologin fungerar som en central del av spelupplevelsen. Beskriv hur du har valt att fokusera arbetet främst på spelupplevelsen eller på implementationen av teknologin.</a:t>
-            </a:r>
+              <a:t>AI-Teknologi:</a:t>
+            </a:r>
+          </a:p>
+          <a:p>
+            <a:pPr marL="285750" indent="-285750">
+              <a:buFont typeface="Wingdings" panose="05000000000000000000" pitchFamily="2" charset="2"/>
+              <a:buChar char="§"/>
+            </a:pPr>
+            <a:r>
+              <a:rPr lang="sv-SE" dirty="0" err="1"/>
+              <a:t>Procedurell</a:t>
+            </a:r>
+            <a:r>
+              <a:rPr lang="sv-SE" dirty="0"/>
+              <a:t> Generering: metod för att generera data algoritmiskt istället för manuellt (</a:t>
+            </a:r>
+            <a:r>
+              <a:rPr lang="sv-SE" dirty="0">
+                <a:hlinkClick r:id="rId3"/>
+              </a:rPr>
+              <a:t>https://en.wikipedia.org/wiki/Procedural_generation</a:t>
+            </a:r>
+            <a:r>
+              <a:rPr lang="sv-SE" dirty="0"/>
+              <a:t>)</a:t>
+            </a:r>
+          </a:p>
+          <a:p>
+            <a:pPr marL="285750" indent="-285750">
+              <a:buFont typeface="Wingdings" panose="05000000000000000000" pitchFamily="2" charset="2"/>
+              <a:buChar char="§"/>
+            </a:pPr>
+            <a:r>
+              <a:rPr lang="sv-SE" dirty="0" err="1"/>
+              <a:t>Wave</a:t>
+            </a:r>
+            <a:r>
+              <a:rPr lang="sv-SE" dirty="0"/>
+              <a:t> </a:t>
+            </a:r>
+            <a:r>
+              <a:rPr lang="sv-SE" dirty="0" err="1"/>
+              <a:t>Function</a:t>
+            </a:r>
+            <a:r>
+              <a:rPr lang="sv-SE" dirty="0"/>
+              <a:t> </a:t>
+            </a:r>
+            <a:r>
+              <a:rPr lang="sv-SE" dirty="0" err="1"/>
+              <a:t>Collapse</a:t>
+            </a:r>
+            <a:r>
+              <a:rPr lang="sv-SE" dirty="0"/>
+              <a:t> (WFC)</a:t>
+            </a:r>
+          </a:p>
+          <a:p>
+            <a:pPr marL="285750" indent="-285750">
+              <a:buFont typeface="Wingdings" panose="05000000000000000000" pitchFamily="2" charset="2"/>
+              <a:buChar char="§"/>
+            </a:pPr>
+            <a:r>
+              <a:rPr lang="sv-SE" dirty="0"/>
+              <a:t>Graph </a:t>
+            </a:r>
+            <a:r>
+              <a:rPr lang="sv-SE" dirty="0" err="1"/>
+              <a:t>Grammar</a:t>
+            </a:r>
+            <a:r>
+              <a:rPr lang="sv-SE" dirty="0"/>
+              <a:t> (GG)</a:t>
+            </a:r>
+          </a:p>
+          <a:p>
+            <a:endParaRPr lang="sv-SE" dirty="0"/>
+          </a:p>
+          <a:p>
+            <a:r>
+              <a:rPr lang="sv-SE" dirty="0"/>
+              <a:t>Spelprototyp:</a:t>
+            </a:r>
+          </a:p>
+          <a:p>
+            <a:pPr marL="285750" indent="-285750">
+              <a:buFont typeface="Wingdings" panose="05000000000000000000" pitchFamily="2" charset="2"/>
+              <a:buChar char="§"/>
+            </a:pPr>
+            <a:r>
+              <a:rPr lang="sv-SE" dirty="0"/>
+              <a:t>Sudoku generator (WFC – skapar brädet)</a:t>
+            </a:r>
+          </a:p>
+          <a:p>
+            <a:pPr marL="285750" indent="-285750">
+              <a:buFont typeface="Wingdings" panose="05000000000000000000" pitchFamily="2" charset="2"/>
+              <a:buChar char="§"/>
+            </a:pPr>
+            <a:r>
+              <a:rPr lang="sv-SE" dirty="0"/>
+              <a:t>Sudoku-lösare (GG – säkerställer att brädet är tillfredsställande att lösa)</a:t>
+            </a:r>
+          </a:p>
+          <a:p>
+            <a:pPr marL="285750" indent="-285750">
+              <a:buFont typeface="Wingdings" panose="05000000000000000000" pitchFamily="2" charset="2"/>
+              <a:buChar char="§"/>
+            </a:pPr>
+            <a:endParaRPr lang="sv-SE" dirty="0"/>
+          </a:p>
+          <a:p>
+            <a:r>
+              <a:rPr lang="sv-SE" dirty="0"/>
+              <a:t>Spelupplevelse</a:t>
+            </a:r>
+          </a:p>
+          <a:p>
+            <a:pPr marL="285750" indent="-285750">
+              <a:buFont typeface="Wingdings" panose="05000000000000000000" pitchFamily="2" charset="2"/>
+              <a:buChar char="§"/>
+            </a:pPr>
+            <a:r>
+              <a:rPr lang="sv-SE" dirty="0"/>
+              <a:t>Välja svårighetsgrad, få ett slumpmässigt sudoku</a:t>
+            </a:r>
+          </a:p>
+          <a:p>
+            <a:pPr marL="285750" indent="-285750">
+              <a:buFont typeface="Wingdings" panose="05000000000000000000" pitchFamily="2" charset="2"/>
+              <a:buChar char="§"/>
+            </a:pPr>
+            <a:r>
+              <a:rPr lang="sv-SE" dirty="0"/>
+              <a:t>Inbyggda verktyg för att spelet ska kännas bra</a:t>
+            </a:r>
+          </a:p>
+          <a:p>
+            <a:endParaRPr lang="sv-SE" dirty="0"/>
           </a:p>
         </p:txBody>
       </p:sp>
@@ -3581,50 +6875,36 @@
           </a:p>
         </p:txBody>
       </p:sp>
-      <p:sp>
-        <p:nvSpPr>
-          <p:cNvPr id="3" name="TextBox 2">
-            <a:extLst>
-              <a:ext uri="{FF2B5EF4-FFF2-40B4-BE49-F238E27FC236}">
-                <a16:creationId xmlns:a16="http://schemas.microsoft.com/office/drawing/2014/main" id="{B2C47028-D8B5-FE6A-6148-6556C98E204B}"/>
-              </a:ext>
-            </a:extLst>
-          </p:cNvPr>
-          <p:cNvSpPr txBox="1"/>
+      <p:pic>
+        <p:nvPicPr>
+          <p:cNvPr id="5" name="Bildobjekt 4">
+            <a:extLst>
+              <a:ext uri="{FF2B5EF4-FFF2-40B4-BE49-F238E27FC236}">
+                <a16:creationId xmlns:a16="http://schemas.microsoft.com/office/drawing/2014/main" id="{FEA1E285-21E4-1ACD-E3C5-5EA5DA7ECCDD}"/>
+              </a:ext>
+            </a:extLst>
+          </p:cNvPr>
+          <p:cNvPicPr>
+            <a:picLocks noChangeAspect="1"/>
+          </p:cNvPicPr>
           <p:nvPr/>
-        </p:nvSpPr>
+        </p:nvPicPr>
+        <p:blipFill>
+          <a:blip r:embed="rId3"/>
+          <a:stretch>
+            <a:fillRect/>
+          </a:stretch>
+        </p:blipFill>
         <p:spPr>
           <a:xfrm>
-            <a:off x="1055440" y="1844824"/>
-            <a:ext cx="10153128" cy="1477328"/>
+            <a:off x="1703512" y="1484784"/>
+            <a:ext cx="9150527" cy="5182724"/>
           </a:xfrm>
           <a:prstGeom prst="rect">
             <a:avLst/>
           </a:prstGeom>
-          <a:noFill/>
         </p:spPr>
-        <p:txBody>
-          <a:bodyPr wrap="square" rtlCol="0">
-            <a:spAutoFit/>
-          </a:bodyPr>
-          <a:lstStyle/>
-          <a:p>
-            <a:r>
-              <a:rPr lang="sv-SE" dirty="0"/>
-              <a:t>Kommentar: demonstration. Visa spelupplevelsen med hjälp av en videoinspelning. Redogör för upplevelsens start- och slutpunkt. Kommentera videoinspelningen muntligt med tydlig koppling till den valda AI-teknologin.</a:t>
-            </a:r>
-          </a:p>
-          <a:p>
-            <a:endParaRPr lang="sv-SE" dirty="0"/>
-          </a:p>
-          <a:p>
-            <a:r>
-              <a:rPr lang="sv-SE" dirty="0"/>
-              <a:t>Kommentar. Infoga några bra skärmbilder från spelet som visar centrala delar av spelupplevelsen.</a:t>
-            </a:r>
-          </a:p>
-        </p:txBody>
-      </p:sp>
+      </p:pic>
     </p:spTree>
     <p:extLst>
       <p:ext uri="{BB962C8B-B14F-4D97-AF65-F5344CB8AC3E}">
@@ -3677,8 +6957,12 @@
           <a:lstStyle/>
           <a:p>
             <a:r>
-              <a:rPr lang="sv-SE" dirty="0"/>
-              <a:t>[AI-teknologi]</a:t>
+              <a:rPr lang="sv-SE" dirty="0" err="1"/>
+              <a:t>Procedurell</a:t>
+            </a:r>
+            <a:r>
+              <a:rPr lang="sv-SE" dirty="0"/>
+              <a:t> Generering (1 av 8)</a:t>
             </a:r>
           </a:p>
         </p:txBody>
@@ -3697,7 +6981,7 @@
         </p:nvSpPr>
         <p:spPr>
           <a:xfrm>
-            <a:off x="1055440" y="1916832"/>
+            <a:off x="1055440" y="2571747"/>
             <a:ext cx="10081120" cy="3416320"/>
           </a:xfrm>
           <a:prstGeom prst="rect">
@@ -3713,7 +6997,29 @@
           <a:p>
             <a:r>
               <a:rPr lang="sv-SE" dirty="0"/>
-              <a:t>Kommentar. Här ska du beskriva hur den valda AI-teknologin används och fungerar i prototypen. Beskriv om och i så fall hur AI-teknologin har anpassats för att fungera bra för den aktuella prototypen och spelupplevelsen.</a:t>
+              <a:t>Uppstår när en vågfunktion, ursprungligen mer flera superpositioner (</a:t>
+            </a:r>
+            <a:r>
+              <a:rPr lang="sv-SE" dirty="0">
+                <a:highlight>
+                  <a:srgbClr val="FFFF00"/>
+                </a:highlight>
+              </a:rPr>
+              <a:t>kandidater</a:t>
+            </a:r>
+            <a:r>
+              <a:rPr lang="sv-SE" dirty="0"/>
+              <a:t>) reduceras till en enda position p.g.a. interaktion med den externa världen. </a:t>
+            </a:r>
+            <a:r>
+              <a:rPr lang="sv-SE" dirty="0">
+                <a:hlinkClick r:id="rId3"/>
+              </a:rPr>
+              <a:t>https://en.wikipedia.org/wiki/Wave_function_collapse</a:t>
+            </a:r>
+            <a:r>
+              <a:rPr lang="sv-SE" dirty="0"/>
+              <a:t> </a:t>
             </a:r>
           </a:p>
           <a:p>
@@ -3722,15 +7028,15 @@
           <a:p>
             <a:r>
               <a:rPr lang="sv-SE" dirty="0"/>
-              <a:t>Kommentar. Beskrivningen ska fokusera på tekniska detaljer men ska i första hand vara oberoende av den specifika utvecklingsmiljön. Dvs fokusera på generella aspekter (till exempel algoritmer, datastrukturer och figurer) snarare än på implementationsdetaljer (till exempel programkod i C# och komponenter i </a:t>
-            </a:r>
-            <a:r>
-              <a:rPr lang="sv-SE" dirty="0" err="1"/>
-              <a:t>Unity</a:t>
-            </a:r>
-            <a:r>
-              <a:rPr lang="sv-SE" dirty="0"/>
-              <a:t>)</a:t>
+              <a:t>En kollapsad vågfunktion påverkar andra vågfunktioner: informationen </a:t>
+            </a:r>
+            <a:r>
+              <a:rPr lang="sv-SE" dirty="0">
+                <a:highlight>
+                  <a:srgbClr val="FFFF00"/>
+                </a:highlight>
+              </a:rPr>
+              <a:t>propagerar</a:t>
             </a:r>
           </a:p>
           <a:p>
@@ -3738,36 +7044,135 @@
           </a:p>
           <a:p>
             <a:r>
-              <a:rPr lang="sv-SE" dirty="0"/>
-              <a:t>Kommentar. Om du behöver mer än en bild för samma rubrik i presentationen så kan du använda samma rubrik flera gånger med numrering, till exempel: ”</a:t>
-            </a:r>
-            <a:r>
-              <a:rPr lang="sv-SE" dirty="0" err="1"/>
-              <a:t>MinMax</a:t>
-            </a:r>
-            <a:r>
-              <a:rPr lang="sv-SE" dirty="0"/>
-              <a:t>-sökning (1 av 3)”, ”</a:t>
-            </a:r>
-            <a:r>
-              <a:rPr lang="sv-SE" dirty="0" err="1"/>
-              <a:t>MinMax</a:t>
-            </a:r>
-            <a:r>
-              <a:rPr lang="sv-SE" dirty="0"/>
-              <a:t>-sökning (2 av 3)” och ”</a:t>
-            </a:r>
-            <a:r>
-              <a:rPr lang="sv-SE" dirty="0" err="1"/>
-              <a:t>MinMax</a:t>
-            </a:r>
-            <a:r>
-              <a:rPr lang="sv-SE" dirty="0"/>
-              <a:t>-sökning (3 av 3)”</a:t>
+              <a:rPr lang="sv-SE" dirty="0">
+                <a:highlight>
+                  <a:srgbClr val="FFFF00"/>
+                </a:highlight>
+              </a:rPr>
+              <a:t>Entropi</a:t>
+            </a:r>
+            <a:r>
+              <a:rPr lang="sv-SE" dirty="0"/>
+              <a:t> = Antal kandidater</a:t>
             </a:r>
           </a:p>
           <a:p>
             <a:endParaRPr lang="sv-SE" dirty="0"/>
+          </a:p>
+          <a:p>
+            <a:r>
+              <a:rPr lang="sv-SE" dirty="0"/>
+              <a:t>Villkor för att reducera vågfunktion:</a:t>
+            </a:r>
+          </a:p>
+          <a:p>
+            <a:pPr marL="285750" indent="-285750">
+              <a:buFontTx/>
+              <a:buChar char="-"/>
+            </a:pPr>
+            <a:r>
+              <a:rPr lang="sv-SE" dirty="0"/>
+              <a:t>I regel: komplicerade</a:t>
+            </a:r>
+          </a:p>
+          <a:p>
+            <a:pPr marL="285750" indent="-285750">
+              <a:buFontTx/>
+              <a:buChar char="-"/>
+            </a:pPr>
+            <a:r>
+              <a:rPr lang="sv-SE" dirty="0"/>
+              <a:t>I Sudoku: Trivialt</a:t>
+            </a:r>
+          </a:p>
+          <a:p>
+            <a:endParaRPr lang="sv-SE" dirty="0"/>
+          </a:p>
+        </p:txBody>
+      </p:sp>
+      <p:sp>
+        <p:nvSpPr>
+          <p:cNvPr id="4" name="Title 1">
+            <a:extLst>
+              <a:ext uri="{FF2B5EF4-FFF2-40B4-BE49-F238E27FC236}">
+                <a16:creationId xmlns:a16="http://schemas.microsoft.com/office/drawing/2014/main" id="{92531FD7-3735-8761-9744-B90FE96315A5}"/>
+              </a:ext>
+            </a:extLst>
+          </p:cNvPr>
+          <p:cNvSpPr txBox="1">
+            <a:spLocks/>
+          </p:cNvSpPr>
+          <p:nvPr/>
+        </p:nvSpPr>
+        <p:spPr>
+          <a:xfrm>
+            <a:off x="838200" y="1246184"/>
+            <a:ext cx="10515600" cy="1325563"/>
+          </a:xfrm>
+          <a:prstGeom prst="rect">
+            <a:avLst/>
+          </a:prstGeom>
+        </p:spPr>
+        <p:txBody>
+          <a:bodyPr vert="horz" lIns="91440" tIns="45720" rIns="91440" bIns="45720" rtlCol="0" anchor="ctr">
+            <a:normAutofit/>
+          </a:bodyPr>
+          <a:lstStyle>
+            <a:lvl1pPr algn="l" defTabSz="914400" rtl="0" eaLnBrk="1" latinLnBrk="0" hangingPunct="1">
+              <a:lnSpc>
+                <a:spcPct val="90000"/>
+              </a:lnSpc>
+              <a:spcBef>
+                <a:spcPct val="0"/>
+              </a:spcBef>
+              <a:buNone/>
+              <a:defRPr sz="4400" kern="1200">
+                <a:solidFill>
+                  <a:schemeClr val="tx1"/>
+                </a:solidFill>
+                <a:latin typeface="+mj-lt"/>
+                <a:ea typeface="+mj-ea"/>
+                <a:cs typeface="+mj-cs"/>
+              </a:defRPr>
+            </a:lvl1pPr>
+          </a:lstStyle>
+          <a:p>
+            <a:r>
+              <a:rPr lang="sv-SE" sz="3600" b="1" dirty="0" err="1">
+                <a:latin typeface="Abadi" panose="020B0604020202020204" pitchFamily="34" charset="0"/>
+              </a:rPr>
+              <a:t>Wave</a:t>
+            </a:r>
+            <a:r>
+              <a:rPr lang="sv-SE" sz="3600" b="1" dirty="0">
+                <a:latin typeface="Abadi" panose="020B0604020202020204" pitchFamily="34" charset="0"/>
+              </a:rPr>
+              <a:t> </a:t>
+            </a:r>
+            <a:r>
+              <a:rPr lang="sv-SE" sz="3600" b="1" dirty="0" err="1">
+                <a:latin typeface="Abadi" panose="020B0604020202020204" pitchFamily="34" charset="0"/>
+              </a:rPr>
+              <a:t>Function</a:t>
+            </a:r>
+            <a:r>
+              <a:rPr lang="sv-SE" sz="3600" b="1" dirty="0">
+                <a:latin typeface="Abadi" panose="020B0604020202020204" pitchFamily="34" charset="0"/>
+              </a:rPr>
+              <a:t> </a:t>
+            </a:r>
+            <a:r>
+              <a:rPr lang="sv-SE" sz="3600" b="1" dirty="0" err="1">
+                <a:latin typeface="Abadi" panose="020B0604020202020204" pitchFamily="34" charset="0"/>
+              </a:rPr>
+              <a:t>Collapse</a:t>
+            </a:r>
+            <a:r>
+              <a:rPr lang="sv-SE" sz="3600" b="1" dirty="0">
+                <a:latin typeface="Abadi" panose="020B0604020202020204" pitchFamily="34" charset="0"/>
+              </a:rPr>
+              <a:t> (WFC)</a:t>
+            </a:r>
           </a:p>
         </p:txBody>
       </p:sp>
@@ -3775,6 +7180,1887 @@
     <p:extLst>
       <p:ext uri="{BB962C8B-B14F-4D97-AF65-F5344CB8AC3E}">
         <p14:creationId xmlns:p14="http://schemas.microsoft.com/office/powerpoint/2010/main" val="3250384115"/>
+      </p:ext>
+    </p:extLst>
+  </p:cSld>
+  <p:clrMapOvr>
+    <a:masterClrMapping/>
+  </p:clrMapOvr>
+</p:sld>
+</file>
+
+<file path=ppt/slides/slide5.xml><?xml version="1.0" encoding="utf-8"?>
+<p:sld xmlns:a="http://schemas.openxmlformats.org/drawingml/2006/main" xmlns:r="http://schemas.openxmlformats.org/officeDocument/2006/relationships" xmlns:p="http://schemas.openxmlformats.org/presentationml/2006/main">
+  <p:cSld>
+    <p:spTree>
+      <p:nvGrpSpPr>
+        <p:cNvPr id="1" name=""/>
+        <p:cNvGrpSpPr/>
+        <p:nvPr/>
+      </p:nvGrpSpPr>
+      <p:grpSpPr>
+        <a:xfrm>
+          <a:off x="0" y="0"/>
+          <a:ext cx="0" cy="0"/>
+          <a:chOff x="0" y="0"/>
+          <a:chExt cx="0" cy="0"/>
+        </a:xfrm>
+      </p:grpSpPr>
+      <p:sp>
+        <p:nvSpPr>
+          <p:cNvPr id="2" name="Title 1">
+            <a:extLst>
+              <a:ext uri="{FF2B5EF4-FFF2-40B4-BE49-F238E27FC236}">
+                <a16:creationId xmlns:a16="http://schemas.microsoft.com/office/drawing/2014/main" id="{061E3986-C834-2F56-F67D-1630CC6AD68B}"/>
+              </a:ext>
+            </a:extLst>
+          </p:cNvPr>
+          <p:cNvSpPr>
+            <a:spLocks noGrp="1"/>
+          </p:cNvSpPr>
+          <p:nvPr>
+            <p:ph type="title"/>
+          </p:nvPr>
+        </p:nvSpPr>
+        <p:spPr>
+          <a:xfrm>
+            <a:off x="838200" y="-243408"/>
+            <a:ext cx="10515600" cy="1325563"/>
+          </a:xfrm>
+        </p:spPr>
+        <p:txBody>
+          <a:bodyPr/>
+          <a:lstStyle/>
+          <a:p>
+            <a:r>
+              <a:rPr lang="sv-SE" dirty="0" err="1"/>
+              <a:t>Procedurell</a:t>
+            </a:r>
+            <a:r>
+              <a:rPr lang="sv-SE" dirty="0"/>
+              <a:t> Generering (2 av 8)</a:t>
+            </a:r>
+          </a:p>
+        </p:txBody>
+      </p:sp>
+      <p:sp>
+        <p:nvSpPr>
+          <p:cNvPr id="4" name="Title 1">
+            <a:extLst>
+              <a:ext uri="{FF2B5EF4-FFF2-40B4-BE49-F238E27FC236}">
+                <a16:creationId xmlns:a16="http://schemas.microsoft.com/office/drawing/2014/main" id="{92531FD7-3735-8761-9744-B90FE96315A5}"/>
+              </a:ext>
+            </a:extLst>
+          </p:cNvPr>
+          <p:cNvSpPr txBox="1">
+            <a:spLocks/>
+          </p:cNvSpPr>
+          <p:nvPr/>
+        </p:nvSpPr>
+        <p:spPr>
+          <a:xfrm>
+            <a:off x="838200" y="548680"/>
+            <a:ext cx="10515600" cy="1325563"/>
+          </a:xfrm>
+          <a:prstGeom prst="rect">
+            <a:avLst/>
+          </a:prstGeom>
+        </p:spPr>
+        <p:txBody>
+          <a:bodyPr vert="horz" lIns="91440" tIns="45720" rIns="91440" bIns="45720" rtlCol="0" anchor="ctr">
+            <a:normAutofit/>
+          </a:bodyPr>
+          <a:lstStyle>
+            <a:lvl1pPr algn="l" defTabSz="914400" rtl="0" eaLnBrk="1" latinLnBrk="0" hangingPunct="1">
+              <a:lnSpc>
+                <a:spcPct val="90000"/>
+              </a:lnSpc>
+              <a:spcBef>
+                <a:spcPct val="0"/>
+              </a:spcBef>
+              <a:buNone/>
+              <a:defRPr sz="4400" kern="1200">
+                <a:solidFill>
+                  <a:schemeClr val="tx1"/>
+                </a:solidFill>
+                <a:latin typeface="+mj-lt"/>
+                <a:ea typeface="+mj-ea"/>
+                <a:cs typeface="+mj-cs"/>
+              </a:defRPr>
+            </a:lvl1pPr>
+          </a:lstStyle>
+          <a:p>
+            <a:r>
+              <a:rPr lang="sv-SE" sz="3600" b="1" dirty="0" err="1">
+                <a:latin typeface="Abadi" panose="020B0604020202020204" pitchFamily="34" charset="0"/>
+              </a:rPr>
+              <a:t>Wave</a:t>
+            </a:r>
+            <a:r>
+              <a:rPr lang="sv-SE" sz="3600" b="1" dirty="0">
+                <a:latin typeface="Abadi" panose="020B0604020202020204" pitchFamily="34" charset="0"/>
+              </a:rPr>
+              <a:t> </a:t>
+            </a:r>
+            <a:r>
+              <a:rPr lang="sv-SE" sz="3600" b="1" dirty="0" err="1">
+                <a:latin typeface="Abadi" panose="020B0604020202020204" pitchFamily="34" charset="0"/>
+              </a:rPr>
+              <a:t>Function</a:t>
+            </a:r>
+            <a:r>
+              <a:rPr lang="sv-SE" sz="3600" b="1" dirty="0">
+                <a:latin typeface="Abadi" panose="020B0604020202020204" pitchFamily="34" charset="0"/>
+              </a:rPr>
+              <a:t> </a:t>
+            </a:r>
+            <a:r>
+              <a:rPr lang="sv-SE" sz="3600" b="1" dirty="0" err="1">
+                <a:latin typeface="Abadi" panose="020B0604020202020204" pitchFamily="34" charset="0"/>
+              </a:rPr>
+              <a:t>Collapse</a:t>
+            </a:r>
+            <a:r>
+              <a:rPr lang="sv-SE" sz="3600" b="1" dirty="0">
+                <a:latin typeface="Abadi" panose="020B0604020202020204" pitchFamily="34" charset="0"/>
+              </a:rPr>
+              <a:t> (WFC)</a:t>
+            </a:r>
+          </a:p>
+        </p:txBody>
+      </p:sp>
+      <p:pic>
+        <p:nvPicPr>
+          <p:cNvPr id="6" name="Bildobjekt 5">
+            <a:extLst>
+              <a:ext uri="{FF2B5EF4-FFF2-40B4-BE49-F238E27FC236}">
+                <a16:creationId xmlns:a16="http://schemas.microsoft.com/office/drawing/2014/main" id="{AA35B859-EA14-8681-2FBC-8CD896B276F5}"/>
+              </a:ext>
+            </a:extLst>
+          </p:cNvPr>
+          <p:cNvPicPr>
+            <a:picLocks noChangeAspect="1"/>
+          </p:cNvPicPr>
+          <p:nvPr/>
+        </p:nvPicPr>
+        <p:blipFill>
+          <a:blip r:embed="rId3"/>
+          <a:stretch>
+            <a:fillRect/>
+          </a:stretch>
+        </p:blipFill>
+        <p:spPr>
+          <a:xfrm>
+            <a:off x="8976320" y="24072"/>
+            <a:ext cx="2778505" cy="2768594"/>
+          </a:xfrm>
+          <a:prstGeom prst="rect">
+            <a:avLst/>
+          </a:prstGeom>
+        </p:spPr>
+      </p:pic>
+      <p:pic>
+        <p:nvPicPr>
+          <p:cNvPr id="8" name="Bildobjekt 7">
+            <a:extLst>
+              <a:ext uri="{FF2B5EF4-FFF2-40B4-BE49-F238E27FC236}">
+                <a16:creationId xmlns:a16="http://schemas.microsoft.com/office/drawing/2014/main" id="{AD2E0C81-2C92-46C4-83AB-A132C5C3E3E4}"/>
+              </a:ext>
+            </a:extLst>
+          </p:cNvPr>
+          <p:cNvPicPr>
+            <a:picLocks noChangeAspect="1"/>
+          </p:cNvPicPr>
+          <p:nvPr/>
+        </p:nvPicPr>
+        <p:blipFill>
+          <a:blip r:embed="rId4"/>
+          <a:stretch>
+            <a:fillRect/>
+          </a:stretch>
+        </p:blipFill>
+        <p:spPr>
+          <a:xfrm>
+            <a:off x="5591944" y="2364765"/>
+            <a:ext cx="2957139" cy="2923109"/>
+          </a:xfrm>
+          <a:prstGeom prst="rect">
+            <a:avLst/>
+          </a:prstGeom>
+        </p:spPr>
+      </p:pic>
+      <p:pic>
+        <p:nvPicPr>
+          <p:cNvPr id="10" name="Bildobjekt 9">
+            <a:extLst>
+              <a:ext uri="{FF2B5EF4-FFF2-40B4-BE49-F238E27FC236}">
+                <a16:creationId xmlns:a16="http://schemas.microsoft.com/office/drawing/2014/main" id="{F7CEED28-9B84-F467-D636-3C6D33396815}"/>
+              </a:ext>
+            </a:extLst>
+          </p:cNvPr>
+          <p:cNvPicPr>
+            <a:picLocks noChangeAspect="1"/>
+          </p:cNvPicPr>
+          <p:nvPr/>
+        </p:nvPicPr>
+        <p:blipFill>
+          <a:blip r:embed="rId5"/>
+          <a:stretch>
+            <a:fillRect/>
+          </a:stretch>
+        </p:blipFill>
+        <p:spPr>
+          <a:xfrm>
+            <a:off x="9116324" y="3880292"/>
+            <a:ext cx="2957139" cy="2953635"/>
+          </a:xfrm>
+          <a:prstGeom prst="rect">
+            <a:avLst/>
+          </a:prstGeom>
+        </p:spPr>
+      </p:pic>
+      <p:sp>
+        <p:nvSpPr>
+          <p:cNvPr id="12" name="textruta 11">
+            <a:extLst>
+              <a:ext uri="{FF2B5EF4-FFF2-40B4-BE49-F238E27FC236}">
+                <a16:creationId xmlns:a16="http://schemas.microsoft.com/office/drawing/2014/main" id="{C009F8E9-C4CA-C0C1-7B97-8058DA9F67DF}"/>
+              </a:ext>
+            </a:extLst>
+          </p:cNvPr>
+          <p:cNvSpPr txBox="1"/>
+          <p:nvPr/>
+        </p:nvSpPr>
+        <p:spPr>
+          <a:xfrm>
+            <a:off x="1271464" y="6029631"/>
+            <a:ext cx="6094268" cy="646331"/>
+          </a:xfrm>
+          <a:prstGeom prst="rect">
+            <a:avLst/>
+          </a:prstGeom>
+          <a:noFill/>
+        </p:spPr>
+        <p:txBody>
+          <a:bodyPr wrap="square">
+            <a:spAutoFit/>
+          </a:bodyPr>
+          <a:lstStyle/>
+          <a:p>
+            <a:r>
+              <a:rPr lang="sv-SE" dirty="0">
+                <a:hlinkClick r:id="rId6"/>
+              </a:rPr>
+              <a:t>https://www.youtube.com/watch?v=2SuvO4Gi7uY&amp;ab_channel=MartinDonald</a:t>
+            </a:r>
+            <a:r>
+              <a:rPr lang="sv-SE" dirty="0"/>
+              <a:t> </a:t>
+            </a:r>
+          </a:p>
+        </p:txBody>
+      </p:sp>
+      <p:sp>
+        <p:nvSpPr>
+          <p:cNvPr id="13" name="TextBox 2">
+            <a:extLst>
+              <a:ext uri="{FF2B5EF4-FFF2-40B4-BE49-F238E27FC236}">
+                <a16:creationId xmlns:a16="http://schemas.microsoft.com/office/drawing/2014/main" id="{F00B85C7-8080-0D28-87B9-389920120FFE}"/>
+              </a:ext>
+            </a:extLst>
+          </p:cNvPr>
+          <p:cNvSpPr txBox="1"/>
+          <p:nvPr/>
+        </p:nvSpPr>
+        <p:spPr>
+          <a:xfrm>
+            <a:off x="317407" y="2069498"/>
+            <a:ext cx="10081120" cy="3416320"/>
+          </a:xfrm>
+          <a:prstGeom prst="rect">
+            <a:avLst/>
+          </a:prstGeom>
+          <a:noFill/>
+        </p:spPr>
+        <p:txBody>
+          <a:bodyPr wrap="square" rtlCol="0">
+            <a:spAutoFit/>
+          </a:bodyPr>
+          <a:lstStyle/>
+          <a:p>
+            <a:r>
+              <a:rPr lang="sv-SE" dirty="0"/>
+              <a:t>Förklaring: se bilder</a:t>
+            </a:r>
+          </a:p>
+          <a:p>
+            <a:endParaRPr lang="sv-SE" dirty="0"/>
+          </a:p>
+          <a:p>
+            <a:r>
+              <a:rPr lang="sv-SE" dirty="0"/>
+              <a:t>Min algoritm för att fylla ett bräde:</a:t>
+            </a:r>
+          </a:p>
+          <a:p>
+            <a:endParaRPr lang="sv-SE" dirty="0"/>
+          </a:p>
+          <a:p>
+            <a:r>
+              <a:rPr lang="sv-SE" dirty="0" err="1"/>
+              <a:t>While</a:t>
+            </a:r>
+            <a:r>
+              <a:rPr lang="sv-SE" dirty="0"/>
+              <a:t> (</a:t>
+            </a:r>
+            <a:r>
+              <a:rPr lang="sv-SE" dirty="0" err="1"/>
+              <a:t>grid.Full</a:t>
+            </a:r>
+            <a:r>
+              <a:rPr lang="sv-SE" dirty="0"/>
+              <a:t> == </a:t>
+            </a:r>
+            <a:r>
+              <a:rPr lang="sv-SE" dirty="0" err="1"/>
+              <a:t>false</a:t>
+            </a:r>
+            <a:r>
+              <a:rPr lang="sv-SE" dirty="0"/>
+              <a:t>){</a:t>
+            </a:r>
+          </a:p>
+          <a:p>
+            <a:r>
+              <a:rPr lang="sv-SE" dirty="0"/>
+              <a:t>    var </a:t>
+            </a:r>
+            <a:r>
+              <a:rPr lang="sv-SE" dirty="0" err="1"/>
+              <a:t>tile</a:t>
+            </a:r>
+            <a:r>
+              <a:rPr lang="sv-SE" dirty="0"/>
+              <a:t> = </a:t>
+            </a:r>
+            <a:r>
+              <a:rPr lang="sv-SE" dirty="0" err="1"/>
+              <a:t>FindLowestEntropyTile</a:t>
+            </a:r>
+            <a:r>
+              <a:rPr lang="sv-SE" dirty="0"/>
+              <a:t>(</a:t>
+            </a:r>
+            <a:r>
+              <a:rPr lang="sv-SE" dirty="0" err="1"/>
+              <a:t>grid</a:t>
+            </a:r>
+            <a:r>
+              <a:rPr lang="sv-SE" dirty="0"/>
+              <a:t>)</a:t>
+            </a:r>
+          </a:p>
+          <a:p>
+            <a:r>
+              <a:rPr lang="sv-SE" dirty="0"/>
+              <a:t>    </a:t>
+            </a:r>
+            <a:r>
+              <a:rPr lang="sv-SE" dirty="0" err="1"/>
+              <a:t>int</a:t>
+            </a:r>
+            <a:r>
+              <a:rPr lang="sv-SE" dirty="0"/>
+              <a:t> </a:t>
+            </a:r>
+            <a:r>
+              <a:rPr lang="sv-SE" dirty="0" err="1"/>
+              <a:t>candidate</a:t>
+            </a:r>
+            <a:r>
+              <a:rPr lang="sv-SE" dirty="0"/>
+              <a:t> = </a:t>
+            </a:r>
+            <a:r>
+              <a:rPr lang="sv-SE" dirty="0" err="1"/>
+              <a:t>tile.CollapseToLowsetCandidate</a:t>
+            </a:r>
+            <a:r>
+              <a:rPr lang="sv-SE" dirty="0"/>
+              <a:t>(</a:t>
+            </a:r>
+            <a:r>
+              <a:rPr lang="sv-SE" dirty="0" err="1"/>
+              <a:t>grid</a:t>
+            </a:r>
+            <a:r>
+              <a:rPr lang="sv-SE" dirty="0"/>
+              <a:t>)</a:t>
+            </a:r>
+          </a:p>
+          <a:p>
+            <a:r>
+              <a:rPr lang="sv-SE" dirty="0"/>
+              <a:t>    </a:t>
+            </a:r>
+            <a:r>
+              <a:rPr lang="sv-SE" dirty="0" err="1"/>
+              <a:t>Collapse</a:t>
+            </a:r>
+            <a:r>
+              <a:rPr lang="sv-SE" dirty="0"/>
+              <a:t>(</a:t>
+            </a:r>
+            <a:r>
+              <a:rPr lang="sv-SE" dirty="0" err="1"/>
+              <a:t>tile</a:t>
+            </a:r>
+            <a:r>
+              <a:rPr lang="sv-SE" dirty="0"/>
+              <a:t>, </a:t>
+            </a:r>
+            <a:r>
+              <a:rPr lang="sv-SE" dirty="0" err="1"/>
+              <a:t>candidate</a:t>
+            </a:r>
+            <a:r>
+              <a:rPr lang="sv-SE" dirty="0"/>
+              <a:t>)</a:t>
+            </a:r>
+          </a:p>
+          <a:p>
+            <a:endParaRPr lang="sv-SE" dirty="0"/>
+          </a:p>
+          <a:p>
+            <a:r>
+              <a:rPr lang="sv-SE" dirty="0"/>
+              <a:t>   </a:t>
+            </a:r>
+            <a:r>
+              <a:rPr lang="sv-SE" dirty="0" err="1"/>
+              <a:t>if</a:t>
+            </a:r>
+            <a:r>
+              <a:rPr lang="sv-SE" dirty="0"/>
+              <a:t> (</a:t>
+            </a:r>
+            <a:r>
+              <a:rPr lang="sv-SE" dirty="0" err="1"/>
+              <a:t>contradiction</a:t>
+            </a:r>
+            <a:r>
+              <a:rPr lang="sv-SE" dirty="0"/>
+              <a:t>)</a:t>
+            </a:r>
+          </a:p>
+          <a:p>
+            <a:r>
+              <a:rPr lang="sv-SE" dirty="0"/>
+              <a:t>      </a:t>
+            </a:r>
+            <a:r>
+              <a:rPr lang="sv-SE" dirty="0" err="1"/>
+              <a:t>Backtrack</a:t>
+            </a:r>
+            <a:endParaRPr lang="sv-SE" dirty="0"/>
+          </a:p>
+          <a:p>
+            <a:r>
+              <a:rPr lang="sv-SE" dirty="0"/>
+              <a:t>}</a:t>
+            </a:r>
+          </a:p>
+        </p:txBody>
+      </p:sp>
+      <p:cxnSp>
+        <p:nvCxnSpPr>
+          <p:cNvPr id="15" name="Rak pilkoppling 14">
+            <a:extLst>
+              <a:ext uri="{FF2B5EF4-FFF2-40B4-BE49-F238E27FC236}">
+                <a16:creationId xmlns:a16="http://schemas.microsoft.com/office/drawing/2014/main" id="{87B64C50-D1E2-9E78-51FE-F884F6CE8DB0}"/>
+              </a:ext>
+            </a:extLst>
+          </p:cNvPr>
+          <p:cNvCxnSpPr>
+            <a:cxnSpLocks/>
+          </p:cNvCxnSpPr>
+          <p:nvPr/>
+        </p:nvCxnSpPr>
+        <p:spPr>
+          <a:xfrm flipH="1">
+            <a:off x="7608168" y="1331239"/>
+            <a:ext cx="1154533" cy="835582"/>
+          </a:xfrm>
+          <a:prstGeom prst="straightConnector1">
+            <a:avLst/>
+          </a:prstGeom>
+          <a:ln w="76200">
+            <a:solidFill>
+              <a:srgbClr val="FF0000"/>
+            </a:solidFill>
+            <a:tailEnd type="triangle"/>
+          </a:ln>
+        </p:spPr>
+        <p:style>
+          <a:lnRef idx="1">
+            <a:schemeClr val="accent1"/>
+          </a:lnRef>
+          <a:fillRef idx="0">
+            <a:schemeClr val="accent1"/>
+          </a:fillRef>
+          <a:effectRef idx="0">
+            <a:schemeClr val="accent1"/>
+          </a:effectRef>
+          <a:fontRef idx="minor">
+            <a:schemeClr val="tx1"/>
+          </a:fontRef>
+        </p:style>
+      </p:cxnSp>
+      <p:cxnSp>
+        <p:nvCxnSpPr>
+          <p:cNvPr id="16" name="Rak pilkoppling 15">
+            <a:extLst>
+              <a:ext uri="{FF2B5EF4-FFF2-40B4-BE49-F238E27FC236}">
+                <a16:creationId xmlns:a16="http://schemas.microsoft.com/office/drawing/2014/main" id="{68972858-8AF0-0ACE-8BAC-1CF8D0979C48}"/>
+              </a:ext>
+            </a:extLst>
+          </p:cNvPr>
+          <p:cNvCxnSpPr>
+            <a:cxnSpLocks/>
+          </p:cNvCxnSpPr>
+          <p:nvPr/>
+        </p:nvCxnSpPr>
+        <p:spPr>
+          <a:xfrm>
+            <a:off x="8630467" y="3429000"/>
+            <a:ext cx="921917" cy="348658"/>
+          </a:xfrm>
+          <a:prstGeom prst="straightConnector1">
+            <a:avLst/>
+          </a:prstGeom>
+          <a:ln w="76200">
+            <a:solidFill>
+              <a:srgbClr val="FF0000"/>
+            </a:solidFill>
+            <a:tailEnd type="triangle"/>
+          </a:ln>
+        </p:spPr>
+        <p:style>
+          <a:lnRef idx="1">
+            <a:schemeClr val="accent1"/>
+          </a:lnRef>
+          <a:fillRef idx="0">
+            <a:schemeClr val="accent1"/>
+          </a:fillRef>
+          <a:effectRef idx="0">
+            <a:schemeClr val="accent1"/>
+          </a:effectRef>
+          <a:fontRef idx="minor">
+            <a:schemeClr val="tx1"/>
+          </a:fontRef>
+        </p:style>
+      </p:cxnSp>
+    </p:spTree>
+    <p:extLst>
+      <p:ext uri="{BB962C8B-B14F-4D97-AF65-F5344CB8AC3E}">
+        <p14:creationId xmlns:p14="http://schemas.microsoft.com/office/powerpoint/2010/main" val="1534348433"/>
+      </p:ext>
+    </p:extLst>
+  </p:cSld>
+  <p:clrMapOvr>
+    <a:masterClrMapping/>
+  </p:clrMapOvr>
+</p:sld>
+</file>
+
+<file path=ppt/slides/slide6.xml><?xml version="1.0" encoding="utf-8"?>
+<p:sld xmlns:a="http://schemas.openxmlformats.org/drawingml/2006/main" xmlns:r="http://schemas.openxmlformats.org/officeDocument/2006/relationships" xmlns:p="http://schemas.openxmlformats.org/presentationml/2006/main">
+  <p:cSld>
+    <p:spTree>
+      <p:nvGrpSpPr>
+        <p:cNvPr id="1" name=""/>
+        <p:cNvGrpSpPr/>
+        <p:nvPr/>
+      </p:nvGrpSpPr>
+      <p:grpSpPr>
+        <a:xfrm>
+          <a:off x="0" y="0"/>
+          <a:ext cx="0" cy="0"/>
+          <a:chOff x="0" y="0"/>
+          <a:chExt cx="0" cy="0"/>
+        </a:xfrm>
+      </p:grpSpPr>
+      <p:sp>
+        <p:nvSpPr>
+          <p:cNvPr id="2" name="Title 1">
+            <a:extLst>
+              <a:ext uri="{FF2B5EF4-FFF2-40B4-BE49-F238E27FC236}">
+                <a16:creationId xmlns:a16="http://schemas.microsoft.com/office/drawing/2014/main" id="{061E3986-C834-2F56-F67D-1630CC6AD68B}"/>
+              </a:ext>
+            </a:extLst>
+          </p:cNvPr>
+          <p:cNvSpPr>
+            <a:spLocks noGrp="1"/>
+          </p:cNvSpPr>
+          <p:nvPr>
+            <p:ph type="title"/>
+          </p:nvPr>
+        </p:nvSpPr>
+        <p:spPr>
+          <a:xfrm>
+            <a:off x="838200" y="-243408"/>
+            <a:ext cx="10515600" cy="1325563"/>
+          </a:xfrm>
+        </p:spPr>
+        <p:txBody>
+          <a:bodyPr/>
+          <a:lstStyle/>
+          <a:p>
+            <a:r>
+              <a:rPr lang="sv-SE" dirty="0" err="1"/>
+              <a:t>Procedurell</a:t>
+            </a:r>
+            <a:r>
+              <a:rPr lang="sv-SE" dirty="0"/>
+              <a:t> Generering (3 av 8)</a:t>
+            </a:r>
+          </a:p>
+        </p:txBody>
+      </p:sp>
+      <p:sp>
+        <p:nvSpPr>
+          <p:cNvPr id="4" name="Title 1">
+            <a:extLst>
+              <a:ext uri="{FF2B5EF4-FFF2-40B4-BE49-F238E27FC236}">
+                <a16:creationId xmlns:a16="http://schemas.microsoft.com/office/drawing/2014/main" id="{92531FD7-3735-8761-9744-B90FE96315A5}"/>
+              </a:ext>
+            </a:extLst>
+          </p:cNvPr>
+          <p:cNvSpPr txBox="1">
+            <a:spLocks/>
+          </p:cNvSpPr>
+          <p:nvPr/>
+        </p:nvSpPr>
+        <p:spPr>
+          <a:xfrm>
+            <a:off x="838200" y="548680"/>
+            <a:ext cx="10515600" cy="1325563"/>
+          </a:xfrm>
+          <a:prstGeom prst="rect">
+            <a:avLst/>
+          </a:prstGeom>
+        </p:spPr>
+        <p:txBody>
+          <a:bodyPr vert="horz" lIns="91440" tIns="45720" rIns="91440" bIns="45720" rtlCol="0" anchor="ctr">
+            <a:normAutofit/>
+          </a:bodyPr>
+          <a:lstStyle>
+            <a:lvl1pPr algn="l" defTabSz="914400" rtl="0" eaLnBrk="1" latinLnBrk="0" hangingPunct="1">
+              <a:lnSpc>
+                <a:spcPct val="90000"/>
+              </a:lnSpc>
+              <a:spcBef>
+                <a:spcPct val="0"/>
+              </a:spcBef>
+              <a:buNone/>
+              <a:defRPr sz="4400" kern="1200">
+                <a:solidFill>
+                  <a:schemeClr val="tx1"/>
+                </a:solidFill>
+                <a:latin typeface="+mj-lt"/>
+                <a:ea typeface="+mj-ea"/>
+                <a:cs typeface="+mj-cs"/>
+              </a:defRPr>
+            </a:lvl1pPr>
+          </a:lstStyle>
+          <a:p>
+            <a:r>
+              <a:rPr lang="sv-SE" sz="3600" b="1" dirty="0" err="1">
+                <a:latin typeface="Abadi" panose="020B0604020202020204" pitchFamily="34" charset="0"/>
+              </a:rPr>
+              <a:t>Wave</a:t>
+            </a:r>
+            <a:r>
+              <a:rPr lang="sv-SE" sz="3600" b="1" dirty="0">
+                <a:latin typeface="Abadi" panose="020B0604020202020204" pitchFamily="34" charset="0"/>
+              </a:rPr>
+              <a:t> </a:t>
+            </a:r>
+            <a:r>
+              <a:rPr lang="sv-SE" sz="3600" b="1" dirty="0" err="1">
+                <a:latin typeface="Abadi" panose="020B0604020202020204" pitchFamily="34" charset="0"/>
+              </a:rPr>
+              <a:t>Function</a:t>
+            </a:r>
+            <a:r>
+              <a:rPr lang="sv-SE" sz="3600" b="1" dirty="0">
+                <a:latin typeface="Abadi" panose="020B0604020202020204" pitchFamily="34" charset="0"/>
+              </a:rPr>
+              <a:t> </a:t>
+            </a:r>
+            <a:r>
+              <a:rPr lang="sv-SE" sz="3600" b="1" dirty="0" err="1">
+                <a:latin typeface="Abadi" panose="020B0604020202020204" pitchFamily="34" charset="0"/>
+              </a:rPr>
+              <a:t>Collapse</a:t>
+            </a:r>
+            <a:r>
+              <a:rPr lang="sv-SE" sz="3600" b="1" dirty="0">
+                <a:latin typeface="Abadi" panose="020B0604020202020204" pitchFamily="34" charset="0"/>
+              </a:rPr>
+              <a:t> (WFC)</a:t>
+            </a:r>
+          </a:p>
+        </p:txBody>
+      </p:sp>
+      <p:sp>
+        <p:nvSpPr>
+          <p:cNvPr id="13" name="TextBox 2">
+            <a:extLst>
+              <a:ext uri="{FF2B5EF4-FFF2-40B4-BE49-F238E27FC236}">
+                <a16:creationId xmlns:a16="http://schemas.microsoft.com/office/drawing/2014/main" id="{F00B85C7-8080-0D28-87B9-389920120FFE}"/>
+              </a:ext>
+            </a:extLst>
+          </p:cNvPr>
+          <p:cNvSpPr txBox="1"/>
+          <p:nvPr/>
+        </p:nvSpPr>
+        <p:spPr>
+          <a:xfrm>
+            <a:off x="335360" y="1556792"/>
+            <a:ext cx="6930721" cy="5078313"/>
+          </a:xfrm>
+          <a:prstGeom prst="rect">
+            <a:avLst/>
+          </a:prstGeom>
+          <a:noFill/>
+        </p:spPr>
+        <p:txBody>
+          <a:bodyPr wrap="square" rtlCol="0">
+            <a:spAutoFit/>
+          </a:bodyPr>
+          <a:lstStyle/>
+          <a:p>
+            <a:r>
+              <a:rPr lang="sv-SE" dirty="0"/>
+              <a:t>Nu är brädet fyllt, så några siffror måste tas bort</a:t>
+            </a:r>
+          </a:p>
+          <a:p>
+            <a:endParaRPr lang="sv-SE" dirty="0"/>
+          </a:p>
+          <a:p>
+            <a:r>
+              <a:rPr lang="sv-SE" dirty="0"/>
+              <a:t>Algoritm för att skapa pussel från färdigt bräde:</a:t>
+            </a:r>
+          </a:p>
+          <a:p>
+            <a:endParaRPr lang="sv-SE" dirty="0"/>
+          </a:p>
+          <a:p>
+            <a:r>
+              <a:rPr lang="sv-SE" dirty="0" err="1"/>
+              <a:t>bool</a:t>
+            </a:r>
+            <a:r>
+              <a:rPr lang="sv-SE" dirty="0"/>
+              <a:t> [,] </a:t>
+            </a:r>
+            <a:r>
+              <a:rPr lang="sv-SE" dirty="0" err="1"/>
+              <a:t>visited</a:t>
+            </a:r>
+            <a:r>
+              <a:rPr lang="sv-SE" dirty="0"/>
+              <a:t> = new </a:t>
+            </a:r>
+            <a:r>
+              <a:rPr lang="sv-SE" dirty="0" err="1"/>
+              <a:t>bool</a:t>
+            </a:r>
+            <a:r>
+              <a:rPr lang="sv-SE" dirty="0"/>
+              <a:t>[9,9]</a:t>
+            </a:r>
+          </a:p>
+          <a:p>
+            <a:endParaRPr lang="sv-SE" dirty="0"/>
+          </a:p>
+          <a:p>
+            <a:r>
+              <a:rPr lang="sv-SE" dirty="0" err="1"/>
+              <a:t>while</a:t>
+            </a:r>
+            <a:r>
+              <a:rPr lang="sv-SE" dirty="0"/>
+              <a:t> (</a:t>
+            </a:r>
+            <a:r>
+              <a:rPr lang="sv-SE" dirty="0" err="1"/>
+              <a:t>AllTilesAreVisited</a:t>
+            </a:r>
+            <a:r>
+              <a:rPr lang="sv-SE" dirty="0"/>
+              <a:t>(</a:t>
+            </a:r>
+            <a:r>
+              <a:rPr lang="sv-SE" dirty="0" err="1"/>
+              <a:t>visited</a:t>
+            </a:r>
+            <a:r>
+              <a:rPr lang="sv-SE" dirty="0"/>
+              <a:t>) == </a:t>
+            </a:r>
+            <a:r>
+              <a:rPr lang="sv-SE" dirty="0" err="1"/>
+              <a:t>false</a:t>
+            </a:r>
+            <a:r>
+              <a:rPr lang="sv-SE" dirty="0"/>
+              <a:t>){</a:t>
+            </a:r>
+          </a:p>
+          <a:p>
+            <a:r>
+              <a:rPr lang="sv-SE" dirty="0"/>
+              <a:t>    </a:t>
+            </a:r>
+          </a:p>
+          <a:p>
+            <a:r>
+              <a:rPr lang="sv-SE" dirty="0"/>
+              <a:t>    var </a:t>
+            </a:r>
+            <a:r>
+              <a:rPr lang="sv-SE" dirty="0" err="1"/>
+              <a:t>tile</a:t>
+            </a:r>
+            <a:r>
+              <a:rPr lang="sv-SE" dirty="0"/>
+              <a:t> = </a:t>
+            </a:r>
+            <a:r>
+              <a:rPr lang="sv-SE" dirty="0" err="1"/>
+              <a:t>FindLowestEntropyTile</a:t>
+            </a:r>
+            <a:endParaRPr lang="sv-SE" dirty="0"/>
+          </a:p>
+          <a:p>
+            <a:r>
+              <a:rPr lang="sv-SE" dirty="0"/>
+              <a:t>    </a:t>
+            </a:r>
+            <a:r>
+              <a:rPr lang="sv-SE" dirty="0" err="1"/>
+              <a:t>visited</a:t>
+            </a:r>
+            <a:r>
+              <a:rPr lang="sv-SE" dirty="0"/>
+              <a:t>(</a:t>
+            </a:r>
+            <a:r>
+              <a:rPr lang="sv-SE" dirty="0" err="1"/>
+              <a:t>tile.row</a:t>
+            </a:r>
+            <a:r>
+              <a:rPr lang="sv-SE" dirty="0"/>
+              <a:t>, </a:t>
+            </a:r>
+            <a:r>
+              <a:rPr lang="sv-SE" dirty="0" err="1"/>
+              <a:t>tile.col</a:t>
+            </a:r>
+            <a:r>
+              <a:rPr lang="sv-SE" dirty="0"/>
+              <a:t>) = </a:t>
+            </a:r>
+            <a:r>
+              <a:rPr lang="sv-SE" dirty="0" err="1"/>
+              <a:t>true</a:t>
+            </a:r>
+            <a:r>
+              <a:rPr lang="sv-SE" dirty="0"/>
+              <a:t>;</a:t>
+            </a:r>
+          </a:p>
+          <a:p>
+            <a:r>
+              <a:rPr lang="sv-SE" dirty="0"/>
+              <a:t>   </a:t>
+            </a:r>
+            <a:r>
+              <a:rPr lang="sv-SE" dirty="0" err="1"/>
+              <a:t>grid.Remove</a:t>
+            </a:r>
+            <a:r>
+              <a:rPr lang="sv-SE" dirty="0"/>
+              <a:t>(</a:t>
+            </a:r>
+            <a:r>
+              <a:rPr lang="sv-SE" dirty="0" err="1"/>
+              <a:t>tile</a:t>
+            </a:r>
+            <a:r>
+              <a:rPr lang="sv-SE" dirty="0"/>
+              <a:t>);</a:t>
+            </a:r>
+          </a:p>
+          <a:p>
+            <a:endParaRPr lang="sv-SE" dirty="0"/>
+          </a:p>
+          <a:p>
+            <a:r>
+              <a:rPr lang="sv-SE" dirty="0"/>
+              <a:t>   </a:t>
+            </a:r>
+            <a:r>
+              <a:rPr lang="sv-SE" dirty="0" err="1"/>
+              <a:t>if</a:t>
+            </a:r>
+            <a:r>
+              <a:rPr lang="sv-SE" dirty="0"/>
+              <a:t> (</a:t>
+            </a:r>
+            <a:r>
+              <a:rPr lang="sv-SE" dirty="0" err="1"/>
+              <a:t>grid.</a:t>
+            </a:r>
+            <a:r>
+              <a:rPr lang="sv-SE" dirty="0" err="1">
+                <a:highlight>
+                  <a:srgbClr val="FFFF00"/>
+                </a:highlight>
+              </a:rPr>
+              <a:t>NumberOfSolutions</a:t>
+            </a:r>
+            <a:r>
+              <a:rPr lang="sv-SE" dirty="0"/>
+              <a:t> != 1)</a:t>
+            </a:r>
+          </a:p>
+          <a:p>
+            <a:r>
+              <a:rPr lang="sv-SE" dirty="0"/>
+              <a:t>      </a:t>
+            </a:r>
+            <a:r>
+              <a:rPr lang="sv-SE" dirty="0" err="1"/>
+              <a:t>grid.Add</a:t>
+            </a:r>
+            <a:r>
+              <a:rPr lang="sv-SE" dirty="0"/>
+              <a:t>(</a:t>
+            </a:r>
+            <a:r>
+              <a:rPr lang="sv-SE" dirty="0" err="1"/>
+              <a:t>tile</a:t>
+            </a:r>
+            <a:r>
+              <a:rPr lang="sv-SE" dirty="0"/>
+              <a:t>)</a:t>
+            </a:r>
+          </a:p>
+          <a:p>
+            <a:endParaRPr lang="sv-SE" dirty="0"/>
+          </a:p>
+          <a:p>
+            <a:r>
+              <a:rPr lang="sv-SE" dirty="0"/>
+              <a:t>Else </a:t>
+            </a:r>
+            <a:r>
+              <a:rPr lang="sv-SE" dirty="0" err="1"/>
+              <a:t>if</a:t>
+            </a:r>
+            <a:r>
+              <a:rPr lang="sv-SE" dirty="0"/>
+              <a:t> (</a:t>
+            </a:r>
+            <a:r>
+              <a:rPr lang="sv-SE" dirty="0" err="1"/>
+              <a:t>grid.</a:t>
+            </a:r>
+            <a:r>
+              <a:rPr lang="sv-SE" dirty="0" err="1">
+                <a:highlight>
+                  <a:srgbClr val="00FFFF"/>
+                </a:highlight>
+              </a:rPr>
+              <a:t>HumanlySolveable</a:t>
+            </a:r>
+            <a:r>
+              <a:rPr lang="sv-SE" dirty="0"/>
+              <a:t> == </a:t>
+            </a:r>
+            <a:r>
+              <a:rPr lang="sv-SE" dirty="0" err="1"/>
+              <a:t>false</a:t>
+            </a:r>
+            <a:r>
+              <a:rPr lang="sv-SE" dirty="0"/>
+              <a:t>)</a:t>
+            </a:r>
+          </a:p>
+          <a:p>
+            <a:r>
+              <a:rPr lang="sv-SE" dirty="0"/>
+              <a:t>      </a:t>
+            </a:r>
+            <a:r>
+              <a:rPr lang="sv-SE" dirty="0" err="1"/>
+              <a:t>grid.Add</a:t>
+            </a:r>
+            <a:r>
+              <a:rPr lang="sv-SE" dirty="0"/>
+              <a:t>(</a:t>
+            </a:r>
+            <a:r>
+              <a:rPr lang="sv-SE" dirty="0" err="1"/>
+              <a:t>tile</a:t>
+            </a:r>
+            <a:r>
+              <a:rPr lang="sv-SE" dirty="0"/>
+              <a:t>)</a:t>
+            </a:r>
+          </a:p>
+          <a:p>
+            <a:r>
+              <a:rPr lang="sv-SE" dirty="0"/>
+              <a:t>}</a:t>
+            </a:r>
+          </a:p>
+        </p:txBody>
+      </p:sp>
+      <p:sp>
+        <p:nvSpPr>
+          <p:cNvPr id="3" name="TextBox 2">
+            <a:extLst>
+              <a:ext uri="{FF2B5EF4-FFF2-40B4-BE49-F238E27FC236}">
+                <a16:creationId xmlns:a16="http://schemas.microsoft.com/office/drawing/2014/main" id="{1123AF31-AF4E-6A47-C78E-3B956308A633}"/>
+              </a:ext>
+            </a:extLst>
+          </p:cNvPr>
+          <p:cNvSpPr txBox="1"/>
+          <p:nvPr/>
+        </p:nvSpPr>
+        <p:spPr>
+          <a:xfrm>
+            <a:off x="6456040" y="3068960"/>
+            <a:ext cx="5112568" cy="3416320"/>
+          </a:xfrm>
+          <a:prstGeom prst="rect">
+            <a:avLst/>
+          </a:prstGeom>
+          <a:noFill/>
+        </p:spPr>
+        <p:txBody>
+          <a:bodyPr wrap="square" rtlCol="0">
+            <a:spAutoFit/>
+          </a:bodyPr>
+          <a:lstStyle/>
+          <a:p>
+            <a:r>
+              <a:rPr lang="sv-SE" dirty="0" err="1">
+                <a:highlight>
+                  <a:srgbClr val="FFFF00"/>
+                </a:highlight>
+              </a:rPr>
+              <a:t>NumberOfSolutions</a:t>
+            </a:r>
+            <a:r>
+              <a:rPr lang="sv-SE" dirty="0"/>
+              <a:t> måste kollas eftersom ett </a:t>
+            </a:r>
+            <a:r>
+              <a:rPr lang="sv-SE" dirty="0" err="1"/>
+              <a:t>gilitgt</a:t>
+            </a:r>
+            <a:r>
+              <a:rPr lang="sv-SE" dirty="0"/>
+              <a:t> sudokubräde bara får ha en lösning</a:t>
+            </a:r>
+          </a:p>
+          <a:p>
+            <a:endParaRPr lang="sv-SE" dirty="0"/>
+          </a:p>
+          <a:p>
+            <a:r>
+              <a:rPr lang="sv-SE" dirty="0"/>
+              <a:t>- Kollas med en modifierad version av </a:t>
+            </a:r>
+            <a:r>
+              <a:rPr lang="sv-SE" dirty="0" err="1"/>
+              <a:t>backtracking</a:t>
+            </a:r>
+            <a:r>
+              <a:rPr lang="sv-SE" dirty="0"/>
+              <a:t>-algoritmen.</a:t>
+            </a:r>
+          </a:p>
+          <a:p>
+            <a:endParaRPr lang="sv-SE" dirty="0"/>
+          </a:p>
+          <a:p>
+            <a:endParaRPr lang="sv-SE" dirty="0"/>
+          </a:p>
+          <a:p>
+            <a:r>
+              <a:rPr lang="sv-SE" dirty="0" err="1">
+                <a:highlight>
+                  <a:srgbClr val="00FFFF"/>
+                </a:highlight>
+              </a:rPr>
+              <a:t>HumanlySolveable</a:t>
+            </a:r>
+            <a:r>
+              <a:rPr lang="sv-SE" dirty="0"/>
+              <a:t> måste kollas för att se till att en människa faktiskt kan lösa pusslet med rimliga strategier, annars blir spelet inte kul att spela.</a:t>
+            </a:r>
+          </a:p>
+          <a:p>
+            <a:endParaRPr lang="sv-SE" dirty="0"/>
+          </a:p>
+          <a:p>
+            <a:r>
+              <a:rPr lang="sv-SE" dirty="0"/>
+              <a:t>- Hur tusan vet man det??</a:t>
+            </a:r>
+          </a:p>
+        </p:txBody>
+      </p:sp>
+    </p:spTree>
+    <p:extLst>
+      <p:ext uri="{BB962C8B-B14F-4D97-AF65-F5344CB8AC3E}">
+        <p14:creationId xmlns:p14="http://schemas.microsoft.com/office/powerpoint/2010/main" val="2334106862"/>
+      </p:ext>
+    </p:extLst>
+  </p:cSld>
+  <p:clrMapOvr>
+    <a:masterClrMapping/>
+  </p:clrMapOvr>
+</p:sld>
+</file>
+
+<file path=ppt/slides/slide7.xml><?xml version="1.0" encoding="utf-8"?>
+<p:sld xmlns:a="http://schemas.openxmlformats.org/drawingml/2006/main" xmlns:r="http://schemas.openxmlformats.org/officeDocument/2006/relationships" xmlns:p="http://schemas.openxmlformats.org/presentationml/2006/main">
+  <p:cSld>
+    <p:spTree>
+      <p:nvGrpSpPr>
+        <p:cNvPr id="1" name=""/>
+        <p:cNvGrpSpPr/>
+        <p:nvPr/>
+      </p:nvGrpSpPr>
+      <p:grpSpPr>
+        <a:xfrm>
+          <a:off x="0" y="0"/>
+          <a:ext cx="0" cy="0"/>
+          <a:chOff x="0" y="0"/>
+          <a:chExt cx="0" cy="0"/>
+        </a:xfrm>
+      </p:grpSpPr>
+      <p:sp>
+        <p:nvSpPr>
+          <p:cNvPr id="2" name="Title 1">
+            <a:extLst>
+              <a:ext uri="{FF2B5EF4-FFF2-40B4-BE49-F238E27FC236}">
+                <a16:creationId xmlns:a16="http://schemas.microsoft.com/office/drawing/2014/main" id="{061E3986-C834-2F56-F67D-1630CC6AD68B}"/>
+              </a:ext>
+            </a:extLst>
+          </p:cNvPr>
+          <p:cNvSpPr>
+            <a:spLocks noGrp="1"/>
+          </p:cNvSpPr>
+          <p:nvPr>
+            <p:ph type="title"/>
+          </p:nvPr>
+        </p:nvSpPr>
+        <p:spPr>
+          <a:xfrm>
+            <a:off x="838200" y="-243408"/>
+            <a:ext cx="10515600" cy="1325563"/>
+          </a:xfrm>
+        </p:spPr>
+        <p:txBody>
+          <a:bodyPr/>
+          <a:lstStyle/>
+          <a:p>
+            <a:r>
+              <a:rPr lang="sv-SE" dirty="0" err="1"/>
+              <a:t>Procedurell</a:t>
+            </a:r>
+            <a:r>
+              <a:rPr lang="sv-SE" dirty="0"/>
+              <a:t> Generering (4 av 8)</a:t>
+            </a:r>
+          </a:p>
+        </p:txBody>
+      </p:sp>
+      <p:sp>
+        <p:nvSpPr>
+          <p:cNvPr id="4" name="Title 1">
+            <a:extLst>
+              <a:ext uri="{FF2B5EF4-FFF2-40B4-BE49-F238E27FC236}">
+                <a16:creationId xmlns:a16="http://schemas.microsoft.com/office/drawing/2014/main" id="{92531FD7-3735-8761-9744-B90FE96315A5}"/>
+              </a:ext>
+            </a:extLst>
+          </p:cNvPr>
+          <p:cNvSpPr txBox="1">
+            <a:spLocks/>
+          </p:cNvSpPr>
+          <p:nvPr/>
+        </p:nvSpPr>
+        <p:spPr>
+          <a:xfrm>
+            <a:off x="838200" y="743067"/>
+            <a:ext cx="10515600" cy="1325563"/>
+          </a:xfrm>
+          <a:prstGeom prst="rect">
+            <a:avLst/>
+          </a:prstGeom>
+        </p:spPr>
+        <p:txBody>
+          <a:bodyPr vert="horz" lIns="91440" tIns="45720" rIns="91440" bIns="45720" rtlCol="0" anchor="ctr">
+            <a:normAutofit/>
+          </a:bodyPr>
+          <a:lstStyle>
+            <a:lvl1pPr algn="l" defTabSz="914400" rtl="0" eaLnBrk="1" latinLnBrk="0" hangingPunct="1">
+              <a:lnSpc>
+                <a:spcPct val="90000"/>
+              </a:lnSpc>
+              <a:spcBef>
+                <a:spcPct val="0"/>
+              </a:spcBef>
+              <a:buNone/>
+              <a:defRPr sz="4400" kern="1200">
+                <a:solidFill>
+                  <a:schemeClr val="tx1"/>
+                </a:solidFill>
+                <a:latin typeface="+mj-lt"/>
+                <a:ea typeface="+mj-ea"/>
+                <a:cs typeface="+mj-cs"/>
+              </a:defRPr>
+            </a:lvl1pPr>
+          </a:lstStyle>
+          <a:p>
+            <a:r>
+              <a:rPr lang="sv-SE" sz="3600" b="1" dirty="0">
+                <a:latin typeface="Abadi" panose="020B0604020202020204" pitchFamily="34" charset="0"/>
+              </a:rPr>
+              <a:t>Vad är en mänsklig strategi? </a:t>
+            </a:r>
+            <a:endParaRPr lang="sv-SE" sz="3600" i="1" dirty="0">
+              <a:latin typeface="Abadi" panose="020B0604020202020204" pitchFamily="34" charset="0"/>
+            </a:endParaRPr>
+          </a:p>
+        </p:txBody>
+      </p:sp>
+      <p:sp>
+        <p:nvSpPr>
+          <p:cNvPr id="3" name="TextBox 2">
+            <a:extLst>
+              <a:ext uri="{FF2B5EF4-FFF2-40B4-BE49-F238E27FC236}">
+                <a16:creationId xmlns:a16="http://schemas.microsoft.com/office/drawing/2014/main" id="{D02B4A7F-FCF9-EDAF-13E2-D5DA58253E3F}"/>
+              </a:ext>
+            </a:extLst>
+          </p:cNvPr>
+          <p:cNvSpPr txBox="1"/>
+          <p:nvPr/>
+        </p:nvSpPr>
+        <p:spPr>
+          <a:xfrm>
+            <a:off x="317407" y="2069498"/>
+            <a:ext cx="10081120" cy="2185214"/>
+          </a:xfrm>
+          <a:prstGeom prst="rect">
+            <a:avLst/>
+          </a:prstGeom>
+          <a:noFill/>
+        </p:spPr>
+        <p:txBody>
+          <a:bodyPr wrap="square" rtlCol="0">
+            <a:spAutoFit/>
+          </a:bodyPr>
+          <a:lstStyle/>
+          <a:p>
+            <a:r>
+              <a:rPr lang="sv-SE" sz="3200" dirty="0" err="1"/>
+              <a:t>Digit</a:t>
+            </a:r>
+            <a:r>
+              <a:rPr lang="sv-SE" sz="3200" dirty="0"/>
+              <a:t> </a:t>
+            </a:r>
+            <a:r>
+              <a:rPr lang="sv-SE" sz="3200" dirty="0" err="1"/>
+              <a:t>Method</a:t>
+            </a:r>
+            <a:r>
+              <a:rPr lang="sv-SE" dirty="0"/>
+              <a:t>: </a:t>
+            </a:r>
+          </a:p>
+          <a:p>
+            <a:pPr marL="285750" indent="-285750">
+              <a:buFont typeface="Wingdings" panose="05000000000000000000" pitchFamily="2" charset="2"/>
+              <a:buChar char="§"/>
+            </a:pPr>
+            <a:r>
+              <a:rPr lang="sv-SE" dirty="0"/>
+              <a:t>Direkt utifrån brädet kan man se vars nästa siffra måste vara</a:t>
+            </a:r>
+          </a:p>
+          <a:p>
+            <a:endParaRPr lang="sv-SE" dirty="0"/>
+          </a:p>
+          <a:p>
+            <a:r>
+              <a:rPr lang="sv-SE" sz="3200" dirty="0" err="1"/>
+              <a:t>Candidate</a:t>
+            </a:r>
+            <a:r>
+              <a:rPr lang="sv-SE" sz="3200" dirty="0"/>
+              <a:t> </a:t>
+            </a:r>
+            <a:r>
+              <a:rPr lang="sv-SE" sz="3200" dirty="0" err="1"/>
+              <a:t>Method</a:t>
+            </a:r>
+            <a:r>
+              <a:rPr lang="sv-SE" sz="3200" dirty="0"/>
+              <a:t>: </a:t>
+            </a:r>
+          </a:p>
+          <a:p>
+            <a:pPr marL="285750" indent="-285750">
+              <a:buFont typeface="Wingdings" panose="05000000000000000000" pitchFamily="2" charset="2"/>
+              <a:buChar char="§"/>
+            </a:pPr>
+            <a:r>
+              <a:rPr lang="sv-SE" dirty="0"/>
+              <a:t>Man kan logiskt resonera vars en kandidat kan tas bort, men inte direkt placera någon siffra i brädet</a:t>
+            </a:r>
+          </a:p>
+          <a:p>
+            <a:endParaRPr lang="sv-SE" dirty="0"/>
+          </a:p>
+        </p:txBody>
+      </p:sp>
+    </p:spTree>
+    <p:extLst>
+      <p:ext uri="{BB962C8B-B14F-4D97-AF65-F5344CB8AC3E}">
+        <p14:creationId xmlns:p14="http://schemas.microsoft.com/office/powerpoint/2010/main" val="2730566062"/>
+      </p:ext>
+    </p:extLst>
+  </p:cSld>
+  <p:clrMapOvr>
+    <a:masterClrMapping/>
+  </p:clrMapOvr>
+</p:sld>
+</file>
+
+<file path=ppt/slides/slide8.xml><?xml version="1.0" encoding="utf-8"?>
+<p:sld xmlns:a="http://schemas.openxmlformats.org/drawingml/2006/main" xmlns:r="http://schemas.openxmlformats.org/officeDocument/2006/relationships" xmlns:p="http://schemas.openxmlformats.org/presentationml/2006/main">
+  <p:cSld>
+    <p:spTree>
+      <p:nvGrpSpPr>
+        <p:cNvPr id="1" name=""/>
+        <p:cNvGrpSpPr/>
+        <p:nvPr/>
+      </p:nvGrpSpPr>
+      <p:grpSpPr>
+        <a:xfrm>
+          <a:off x="0" y="0"/>
+          <a:ext cx="0" cy="0"/>
+          <a:chOff x="0" y="0"/>
+          <a:chExt cx="0" cy="0"/>
+        </a:xfrm>
+      </p:grpSpPr>
+      <p:sp>
+        <p:nvSpPr>
+          <p:cNvPr id="2" name="Title 1">
+            <a:extLst>
+              <a:ext uri="{FF2B5EF4-FFF2-40B4-BE49-F238E27FC236}">
+                <a16:creationId xmlns:a16="http://schemas.microsoft.com/office/drawing/2014/main" id="{061E3986-C834-2F56-F67D-1630CC6AD68B}"/>
+              </a:ext>
+            </a:extLst>
+          </p:cNvPr>
+          <p:cNvSpPr>
+            <a:spLocks noGrp="1"/>
+          </p:cNvSpPr>
+          <p:nvPr>
+            <p:ph type="title"/>
+          </p:nvPr>
+        </p:nvSpPr>
+        <p:spPr>
+          <a:xfrm>
+            <a:off x="838200" y="-243408"/>
+            <a:ext cx="10515600" cy="1325563"/>
+          </a:xfrm>
+        </p:spPr>
+        <p:txBody>
+          <a:bodyPr/>
+          <a:lstStyle/>
+          <a:p>
+            <a:r>
+              <a:rPr lang="sv-SE" dirty="0" err="1"/>
+              <a:t>Procedurell</a:t>
+            </a:r>
+            <a:r>
+              <a:rPr lang="sv-SE" dirty="0"/>
+              <a:t> Generering (5 av 8)</a:t>
+            </a:r>
+          </a:p>
+        </p:txBody>
+      </p:sp>
+      <p:sp>
+        <p:nvSpPr>
+          <p:cNvPr id="4" name="Title 1">
+            <a:extLst>
+              <a:ext uri="{FF2B5EF4-FFF2-40B4-BE49-F238E27FC236}">
+                <a16:creationId xmlns:a16="http://schemas.microsoft.com/office/drawing/2014/main" id="{92531FD7-3735-8761-9744-B90FE96315A5}"/>
+              </a:ext>
+            </a:extLst>
+          </p:cNvPr>
+          <p:cNvSpPr txBox="1">
+            <a:spLocks/>
+          </p:cNvSpPr>
+          <p:nvPr/>
+        </p:nvSpPr>
+        <p:spPr>
+          <a:xfrm>
+            <a:off x="838200" y="743067"/>
+            <a:ext cx="10515600" cy="1325563"/>
+          </a:xfrm>
+          <a:prstGeom prst="rect">
+            <a:avLst/>
+          </a:prstGeom>
+        </p:spPr>
+        <p:txBody>
+          <a:bodyPr vert="horz" lIns="91440" tIns="45720" rIns="91440" bIns="45720" rtlCol="0" anchor="ctr">
+            <a:normAutofit/>
+          </a:bodyPr>
+          <a:lstStyle>
+            <a:lvl1pPr algn="l" defTabSz="914400" rtl="0" eaLnBrk="1" latinLnBrk="0" hangingPunct="1">
+              <a:lnSpc>
+                <a:spcPct val="90000"/>
+              </a:lnSpc>
+              <a:spcBef>
+                <a:spcPct val="0"/>
+              </a:spcBef>
+              <a:buNone/>
+              <a:defRPr sz="4400" kern="1200">
+                <a:solidFill>
+                  <a:schemeClr val="tx1"/>
+                </a:solidFill>
+                <a:latin typeface="+mj-lt"/>
+                <a:ea typeface="+mj-ea"/>
+                <a:cs typeface="+mj-cs"/>
+              </a:defRPr>
+            </a:lvl1pPr>
+          </a:lstStyle>
+          <a:p>
+            <a:r>
+              <a:rPr lang="sv-SE" sz="3600" b="1" dirty="0">
+                <a:latin typeface="Abadi" panose="020B0604020202020204" pitchFamily="34" charset="0"/>
+              </a:rPr>
+              <a:t>Vad är en mänsklig strategi? – </a:t>
+            </a:r>
+            <a:r>
+              <a:rPr lang="sv-SE" sz="3600" b="1" dirty="0" err="1">
+                <a:latin typeface="Abadi" panose="020B0604020202020204" pitchFamily="34" charset="0"/>
+              </a:rPr>
+              <a:t>Digit</a:t>
+            </a:r>
+            <a:r>
+              <a:rPr lang="sv-SE" sz="3600" b="1" dirty="0">
+                <a:latin typeface="Abadi" panose="020B0604020202020204" pitchFamily="34" charset="0"/>
+              </a:rPr>
+              <a:t> </a:t>
+            </a:r>
+            <a:r>
+              <a:rPr lang="sv-SE" sz="3600" b="1" dirty="0" err="1">
+                <a:latin typeface="Abadi" panose="020B0604020202020204" pitchFamily="34" charset="0"/>
+              </a:rPr>
+              <a:t>Method</a:t>
+            </a:r>
+            <a:r>
+              <a:rPr lang="sv-SE" sz="3600" b="1" dirty="0">
+                <a:latin typeface="Abadi" panose="020B0604020202020204" pitchFamily="34" charset="0"/>
+              </a:rPr>
+              <a:t> </a:t>
+            </a:r>
+            <a:endParaRPr lang="sv-SE" sz="3600" i="1" dirty="0">
+              <a:latin typeface="Abadi" panose="020B0604020202020204" pitchFamily="34" charset="0"/>
+            </a:endParaRPr>
+          </a:p>
+        </p:txBody>
+      </p:sp>
+      <p:pic>
+        <p:nvPicPr>
+          <p:cNvPr id="6" name="Bildobjekt 5">
+            <a:extLst>
+              <a:ext uri="{FF2B5EF4-FFF2-40B4-BE49-F238E27FC236}">
+                <a16:creationId xmlns:a16="http://schemas.microsoft.com/office/drawing/2014/main" id="{416B85CE-F7D6-4376-7E85-92DB7E031E33}"/>
+              </a:ext>
+            </a:extLst>
+          </p:cNvPr>
+          <p:cNvPicPr>
+            <a:picLocks noChangeAspect="1"/>
+          </p:cNvPicPr>
+          <p:nvPr/>
+        </p:nvPicPr>
+        <p:blipFill>
+          <a:blip r:embed="rId3"/>
+          <a:stretch>
+            <a:fillRect/>
+          </a:stretch>
+        </p:blipFill>
+        <p:spPr>
+          <a:xfrm>
+            <a:off x="407368" y="2420888"/>
+            <a:ext cx="3239008" cy="3234341"/>
+          </a:xfrm>
+          <a:prstGeom prst="rect">
+            <a:avLst/>
+          </a:prstGeom>
+        </p:spPr>
+      </p:pic>
+      <p:pic>
+        <p:nvPicPr>
+          <p:cNvPr id="8" name="Bildobjekt 7">
+            <a:extLst>
+              <a:ext uri="{FF2B5EF4-FFF2-40B4-BE49-F238E27FC236}">
+                <a16:creationId xmlns:a16="http://schemas.microsoft.com/office/drawing/2014/main" id="{C12CA81B-8805-1CAB-86C3-E250DB55B14E}"/>
+              </a:ext>
+            </a:extLst>
+          </p:cNvPr>
+          <p:cNvPicPr>
+            <a:picLocks noChangeAspect="1"/>
+          </p:cNvPicPr>
+          <p:nvPr/>
+        </p:nvPicPr>
+        <p:blipFill>
+          <a:blip r:embed="rId4"/>
+          <a:stretch>
+            <a:fillRect/>
+          </a:stretch>
+        </p:blipFill>
+        <p:spPr>
+          <a:xfrm>
+            <a:off x="4115640" y="2454377"/>
+            <a:ext cx="3301127" cy="3234341"/>
+          </a:xfrm>
+          <a:prstGeom prst="rect">
+            <a:avLst/>
+          </a:prstGeom>
+        </p:spPr>
+      </p:pic>
+      <p:pic>
+        <p:nvPicPr>
+          <p:cNvPr id="10" name="Bildobjekt 9">
+            <a:extLst>
+              <a:ext uri="{FF2B5EF4-FFF2-40B4-BE49-F238E27FC236}">
+                <a16:creationId xmlns:a16="http://schemas.microsoft.com/office/drawing/2014/main" id="{9DCCC4BB-6A0E-3C62-70B0-1081070E21AD}"/>
+              </a:ext>
+            </a:extLst>
+          </p:cNvPr>
+          <p:cNvPicPr>
+            <a:picLocks noChangeAspect="1"/>
+          </p:cNvPicPr>
+          <p:nvPr/>
+        </p:nvPicPr>
+        <p:blipFill>
+          <a:blip r:embed="rId5"/>
+          <a:stretch>
+            <a:fillRect/>
+          </a:stretch>
+        </p:blipFill>
+        <p:spPr>
+          <a:xfrm>
+            <a:off x="8052673" y="2454377"/>
+            <a:ext cx="3301127" cy="3291628"/>
+          </a:xfrm>
+          <a:prstGeom prst="rect">
+            <a:avLst/>
+          </a:prstGeom>
+        </p:spPr>
+      </p:pic>
+      <p:sp>
+        <p:nvSpPr>
+          <p:cNvPr id="12" name="textruta 11">
+            <a:extLst>
+              <a:ext uri="{FF2B5EF4-FFF2-40B4-BE49-F238E27FC236}">
+                <a16:creationId xmlns:a16="http://schemas.microsoft.com/office/drawing/2014/main" id="{4B233A35-6641-EE6B-B3BE-6900F82C3BE6}"/>
+              </a:ext>
+            </a:extLst>
+          </p:cNvPr>
+          <p:cNvSpPr txBox="1"/>
+          <p:nvPr/>
+        </p:nvSpPr>
+        <p:spPr>
+          <a:xfrm>
+            <a:off x="1320767" y="6074465"/>
+            <a:ext cx="6096000" cy="369332"/>
+          </a:xfrm>
+          <a:prstGeom prst="rect">
+            <a:avLst/>
+          </a:prstGeom>
+          <a:noFill/>
+        </p:spPr>
+        <p:txBody>
+          <a:bodyPr wrap="square">
+            <a:spAutoFit/>
+          </a:bodyPr>
+          <a:lstStyle/>
+          <a:p>
+            <a:r>
+              <a:rPr lang="sv-SE" dirty="0">
+                <a:hlinkClick r:id="rId6"/>
+              </a:rPr>
+              <a:t>https://www.sudoku-solutions.com/</a:t>
+            </a:r>
+            <a:r>
+              <a:rPr lang="sv-SE" dirty="0"/>
+              <a:t> </a:t>
+            </a:r>
+          </a:p>
+        </p:txBody>
+      </p:sp>
+    </p:spTree>
+    <p:extLst>
+      <p:ext uri="{BB962C8B-B14F-4D97-AF65-F5344CB8AC3E}">
+        <p14:creationId xmlns:p14="http://schemas.microsoft.com/office/powerpoint/2010/main" val="1835734615"/>
+      </p:ext>
+    </p:extLst>
+  </p:cSld>
+  <p:clrMapOvr>
+    <a:masterClrMapping/>
+  </p:clrMapOvr>
+</p:sld>
+</file>
+
+<file path=ppt/slides/slide9.xml><?xml version="1.0" encoding="utf-8"?>
+<p:sld xmlns:a="http://schemas.openxmlformats.org/drawingml/2006/main" xmlns:r="http://schemas.openxmlformats.org/officeDocument/2006/relationships" xmlns:p="http://schemas.openxmlformats.org/presentationml/2006/main">
+  <p:cSld>
+    <p:spTree>
+      <p:nvGrpSpPr>
+        <p:cNvPr id="1" name=""/>
+        <p:cNvGrpSpPr/>
+        <p:nvPr/>
+      </p:nvGrpSpPr>
+      <p:grpSpPr>
+        <a:xfrm>
+          <a:off x="0" y="0"/>
+          <a:ext cx="0" cy="0"/>
+          <a:chOff x="0" y="0"/>
+          <a:chExt cx="0" cy="0"/>
+        </a:xfrm>
+      </p:grpSpPr>
+      <p:sp>
+        <p:nvSpPr>
+          <p:cNvPr id="2" name="Title 1">
+            <a:extLst>
+              <a:ext uri="{FF2B5EF4-FFF2-40B4-BE49-F238E27FC236}">
+                <a16:creationId xmlns:a16="http://schemas.microsoft.com/office/drawing/2014/main" id="{061E3986-C834-2F56-F67D-1630CC6AD68B}"/>
+              </a:ext>
+            </a:extLst>
+          </p:cNvPr>
+          <p:cNvSpPr>
+            <a:spLocks noGrp="1"/>
+          </p:cNvSpPr>
+          <p:nvPr>
+            <p:ph type="title"/>
+          </p:nvPr>
+        </p:nvSpPr>
+        <p:spPr>
+          <a:xfrm>
+            <a:off x="838200" y="-243408"/>
+            <a:ext cx="10515600" cy="1325563"/>
+          </a:xfrm>
+        </p:spPr>
+        <p:txBody>
+          <a:bodyPr/>
+          <a:lstStyle/>
+          <a:p>
+            <a:r>
+              <a:rPr lang="sv-SE" dirty="0" err="1"/>
+              <a:t>Procedurell</a:t>
+            </a:r>
+            <a:r>
+              <a:rPr lang="sv-SE" dirty="0"/>
+              <a:t> Generering (6 av 8)</a:t>
+            </a:r>
+          </a:p>
+        </p:txBody>
+      </p:sp>
+      <p:sp>
+        <p:nvSpPr>
+          <p:cNvPr id="4" name="Title 1">
+            <a:extLst>
+              <a:ext uri="{FF2B5EF4-FFF2-40B4-BE49-F238E27FC236}">
+                <a16:creationId xmlns:a16="http://schemas.microsoft.com/office/drawing/2014/main" id="{92531FD7-3735-8761-9744-B90FE96315A5}"/>
+              </a:ext>
+            </a:extLst>
+          </p:cNvPr>
+          <p:cNvSpPr txBox="1">
+            <a:spLocks/>
+          </p:cNvSpPr>
+          <p:nvPr/>
+        </p:nvSpPr>
+        <p:spPr>
+          <a:xfrm>
+            <a:off x="14660" y="1169692"/>
+            <a:ext cx="10515600" cy="1325563"/>
+          </a:xfrm>
+          <a:prstGeom prst="rect">
+            <a:avLst/>
+          </a:prstGeom>
+        </p:spPr>
+        <p:txBody>
+          <a:bodyPr vert="horz" lIns="91440" tIns="45720" rIns="91440" bIns="45720" rtlCol="0" anchor="ctr">
+            <a:normAutofit/>
+          </a:bodyPr>
+          <a:lstStyle>
+            <a:lvl1pPr algn="l" defTabSz="914400" rtl="0" eaLnBrk="1" latinLnBrk="0" hangingPunct="1">
+              <a:lnSpc>
+                <a:spcPct val="90000"/>
+              </a:lnSpc>
+              <a:spcBef>
+                <a:spcPct val="0"/>
+              </a:spcBef>
+              <a:buNone/>
+              <a:defRPr sz="4400" kern="1200">
+                <a:solidFill>
+                  <a:schemeClr val="tx1"/>
+                </a:solidFill>
+                <a:latin typeface="+mj-lt"/>
+                <a:ea typeface="+mj-ea"/>
+                <a:cs typeface="+mj-cs"/>
+              </a:defRPr>
+            </a:lvl1pPr>
+          </a:lstStyle>
+          <a:p>
+            <a:r>
+              <a:rPr lang="sv-SE" sz="3600" b="1" dirty="0">
+                <a:latin typeface="Abadi" panose="020B0604020202020204" pitchFamily="34" charset="0"/>
+              </a:rPr>
+              <a:t>Vad är en mänsklig strategi? </a:t>
+            </a:r>
+          </a:p>
+          <a:p>
+            <a:r>
+              <a:rPr lang="sv-SE" sz="3600" b="1" dirty="0">
+                <a:latin typeface="Abadi" panose="020B0604020202020204" pitchFamily="34" charset="0"/>
+              </a:rPr>
+              <a:t>– </a:t>
+            </a:r>
+            <a:r>
+              <a:rPr lang="sv-SE" sz="3600" b="1" dirty="0" err="1">
+                <a:latin typeface="Abadi" panose="020B0604020202020204" pitchFamily="34" charset="0"/>
+              </a:rPr>
+              <a:t>Candidate</a:t>
+            </a:r>
+            <a:r>
+              <a:rPr lang="sv-SE" sz="3600" b="1" dirty="0">
+                <a:latin typeface="Abadi" panose="020B0604020202020204" pitchFamily="34" charset="0"/>
+              </a:rPr>
+              <a:t> </a:t>
+            </a:r>
+            <a:r>
+              <a:rPr lang="sv-SE" sz="3600" b="1" dirty="0" err="1">
+                <a:latin typeface="Abadi" panose="020B0604020202020204" pitchFamily="34" charset="0"/>
+              </a:rPr>
+              <a:t>Method</a:t>
+            </a:r>
+            <a:r>
+              <a:rPr lang="sv-SE" sz="3600" b="1" dirty="0">
+                <a:latin typeface="Abadi" panose="020B0604020202020204" pitchFamily="34" charset="0"/>
+              </a:rPr>
+              <a:t> </a:t>
+            </a:r>
+            <a:endParaRPr lang="sv-SE" sz="3600" i="1" dirty="0">
+              <a:latin typeface="Abadi" panose="020B0604020202020204" pitchFamily="34" charset="0"/>
+            </a:endParaRPr>
+          </a:p>
+        </p:txBody>
+      </p:sp>
+      <p:sp>
+        <p:nvSpPr>
+          <p:cNvPr id="12" name="textruta 11">
+            <a:extLst>
+              <a:ext uri="{FF2B5EF4-FFF2-40B4-BE49-F238E27FC236}">
+                <a16:creationId xmlns:a16="http://schemas.microsoft.com/office/drawing/2014/main" id="{4B233A35-6641-EE6B-B3BE-6900F82C3BE6}"/>
+              </a:ext>
+            </a:extLst>
+          </p:cNvPr>
+          <p:cNvSpPr txBox="1"/>
+          <p:nvPr/>
+        </p:nvSpPr>
+        <p:spPr>
+          <a:xfrm>
+            <a:off x="2224460" y="6418918"/>
+            <a:ext cx="6096000" cy="369332"/>
+          </a:xfrm>
+          <a:prstGeom prst="rect">
+            <a:avLst/>
+          </a:prstGeom>
+          <a:noFill/>
+        </p:spPr>
+        <p:txBody>
+          <a:bodyPr wrap="square">
+            <a:spAutoFit/>
+          </a:bodyPr>
+          <a:lstStyle/>
+          <a:p>
+            <a:r>
+              <a:rPr lang="sv-SE" dirty="0">
+                <a:hlinkClick r:id="rId3"/>
+              </a:rPr>
+              <a:t>https://www.sudoku-solutions.com/</a:t>
+            </a:r>
+            <a:r>
+              <a:rPr lang="sv-SE" dirty="0"/>
+              <a:t> </a:t>
+            </a:r>
+          </a:p>
+        </p:txBody>
+      </p:sp>
+      <p:pic>
+        <p:nvPicPr>
+          <p:cNvPr id="5" name="Bildobjekt 4">
+            <a:extLst>
+              <a:ext uri="{FF2B5EF4-FFF2-40B4-BE49-F238E27FC236}">
+                <a16:creationId xmlns:a16="http://schemas.microsoft.com/office/drawing/2014/main" id="{F71C7318-0AB5-17D5-5485-611E63481ED1}"/>
+              </a:ext>
+            </a:extLst>
+          </p:cNvPr>
+          <p:cNvPicPr>
+            <a:picLocks noChangeAspect="1"/>
+          </p:cNvPicPr>
+          <p:nvPr/>
+        </p:nvPicPr>
+        <p:blipFill>
+          <a:blip r:embed="rId4"/>
+          <a:stretch>
+            <a:fillRect/>
+          </a:stretch>
+        </p:blipFill>
+        <p:spPr>
+          <a:xfrm>
+            <a:off x="6068764" y="1042838"/>
+            <a:ext cx="5806116" cy="5657875"/>
+          </a:xfrm>
+          <a:prstGeom prst="rect">
+            <a:avLst/>
+          </a:prstGeom>
+        </p:spPr>
+      </p:pic>
+    </p:spTree>
+    <p:extLst>
+      <p:ext uri="{BB962C8B-B14F-4D97-AF65-F5344CB8AC3E}">
+        <p14:creationId xmlns:p14="http://schemas.microsoft.com/office/powerpoint/2010/main" val="3276807664"/>
       </p:ext>
     </p:extLst>
   </p:cSld>
@@ -4077,4 +9363,299 @@
     </a:ext>
   </a:extLst>
 </a:theme>
+</file>
+
+<file path=ppt/theme/theme2.xml><?xml version="1.0" encoding="utf-8"?>
+<a:theme xmlns:a="http://schemas.openxmlformats.org/drawingml/2006/main" name="Office-tema">
+  <a:themeElements>
+    <a:clrScheme name="Office">
+      <a:dk1>
+        <a:sysClr val="windowText" lastClr="000000"/>
+      </a:dk1>
+      <a:lt1>
+        <a:sysClr val="window" lastClr="FFFFFF"/>
+      </a:lt1>
+      <a:dk2>
+        <a:srgbClr val="44546A"/>
+      </a:dk2>
+      <a:lt2>
+        <a:srgbClr val="E7E6E6"/>
+      </a:lt2>
+      <a:accent1>
+        <a:srgbClr val="4472C4"/>
+      </a:accent1>
+      <a:accent2>
+        <a:srgbClr val="ED7D31"/>
+      </a:accent2>
+      <a:accent3>
+        <a:srgbClr val="A5A5A5"/>
+      </a:accent3>
+      <a:accent4>
+        <a:srgbClr val="FFC000"/>
+      </a:accent4>
+      <a:accent5>
+        <a:srgbClr val="5B9BD5"/>
+      </a:accent5>
+      <a:accent6>
+        <a:srgbClr val="70AD47"/>
+      </a:accent6>
+      <a:hlink>
+        <a:srgbClr val="0563C1"/>
+      </a:hlink>
+      <a:folHlink>
+        <a:srgbClr val="954F72"/>
+      </a:folHlink>
+    </a:clrScheme>
+    <a:fontScheme name="Office">
+      <a:majorFont>
+        <a:latin typeface="Calibri Light" panose="020F0302020204030204"/>
+        <a:ea typeface=""/>
+        <a:cs typeface=""/>
+        <a:font script="Jpan" typeface="游ゴシック Light"/>
+        <a:font script="Hang" typeface="맑은 고딕"/>
+        <a:font script="Hans" typeface="等线 Light"/>
+        <a:font script="Hant" typeface="新細明體"/>
+        <a:font script="Arab" typeface="Times New Roman"/>
+        <a:font script="Hebr" typeface="Times New Roman"/>
+        <a:font script="Thai" typeface="Angsana New"/>
+        <a:font script="Ethi" typeface="Nyala"/>
+        <a:font script="Beng" typeface="Vrinda"/>
+        <a:font script="Gujr" typeface="Shruti"/>
+        <a:font script="Khmr" typeface="MoolBoran"/>
+        <a:font script="Knda" typeface="Tunga"/>
+        <a:font script="Guru" typeface="Raavi"/>
+        <a:font script="Cans" typeface="Euphemia"/>
+        <a:font script="Cher" typeface="Plantagenet Cherokee"/>
+        <a:font script="Yiii" typeface="Microsoft Yi Baiti"/>
+        <a:font script="Tibt" typeface="Microsoft Himalaya"/>
+        <a:font script="Thaa" typeface="MV Boli"/>
+        <a:font script="Deva" typeface="Mangal"/>
+        <a:font script="Telu" typeface="Gautami"/>
+        <a:font script="Taml" typeface="Latha"/>
+        <a:font script="Syrc" typeface="Estrangelo Edessa"/>
+        <a:font script="Orya" typeface="Kalinga"/>
+        <a:font script="Mlym" typeface="Kartika"/>
+        <a:font script="Laoo" typeface="DokChampa"/>
+        <a:font script="Sinh" typeface="Iskoola Pota"/>
+        <a:font script="Mong" typeface="Mongolian Baiti"/>
+        <a:font script="Viet" typeface="Times New Roman"/>
+        <a:font script="Uigh" typeface="Microsoft Uighur"/>
+        <a:font script="Geor" typeface="Sylfaen"/>
+        <a:font script="Armn" typeface="Arial"/>
+        <a:font script="Bugi" typeface="Leelawadee UI"/>
+        <a:font script="Bopo" typeface="Microsoft JhengHei"/>
+        <a:font script="Java" typeface="Javanese Text"/>
+        <a:font script="Lisu" typeface="Segoe UI"/>
+        <a:font script="Mymr" typeface="Myanmar Text"/>
+        <a:font script="Nkoo" typeface="Ebrima"/>
+        <a:font script="Olck" typeface="Nirmala UI"/>
+        <a:font script="Osma" typeface="Ebrima"/>
+        <a:font script="Phag" typeface="Phagspa"/>
+        <a:font script="Syrn" typeface="Estrangelo Edessa"/>
+        <a:font script="Syrj" typeface="Estrangelo Edessa"/>
+        <a:font script="Syre" typeface="Estrangelo Edessa"/>
+        <a:font script="Sora" typeface="Nirmala UI"/>
+        <a:font script="Tale" typeface="Microsoft Tai Le"/>
+        <a:font script="Talu" typeface="Microsoft New Tai Lue"/>
+        <a:font script="Tfng" typeface="Ebrima"/>
+      </a:majorFont>
+      <a:minorFont>
+        <a:latin typeface="Calibri" panose="020F0502020204030204"/>
+        <a:ea typeface=""/>
+        <a:cs typeface=""/>
+        <a:font script="Jpan" typeface="游ゴシック"/>
+        <a:font script="Hang" typeface="맑은 고딕"/>
+        <a:font script="Hans" typeface="等线"/>
+        <a:font script="Hant" typeface="新細明體"/>
+        <a:font script="Arab" typeface="Arial"/>
+        <a:font script="Hebr" typeface="Arial"/>
+        <a:font script="Thai" typeface="Cordia New"/>
+        <a:font script="Ethi" typeface="Nyala"/>
+        <a:font script="Beng" typeface="Vrinda"/>
+        <a:font script="Gujr" typeface="Shruti"/>
+        <a:font script="Khmr" typeface="DaunPenh"/>
+        <a:font script="Knda" typeface="Tunga"/>
+        <a:font script="Guru" typeface="Raavi"/>
+        <a:font script="Cans" typeface="Euphemia"/>
+        <a:font script="Cher" typeface="Plantagenet Cherokee"/>
+        <a:font script="Yiii" typeface="Microsoft Yi Baiti"/>
+        <a:font script="Tibt" typeface="Microsoft Himalaya"/>
+        <a:font script="Thaa" typeface="MV Boli"/>
+        <a:font script="Deva" typeface="Mangal"/>
+        <a:font script="Telu" typeface="Gautami"/>
+        <a:font script="Taml" typeface="Latha"/>
+        <a:font script="Syrc" typeface="Estrangelo Edessa"/>
+        <a:font script="Orya" typeface="Kalinga"/>
+        <a:font script="Mlym" typeface="Kartika"/>
+        <a:font script="Laoo" typeface="DokChampa"/>
+        <a:font script="Sinh" typeface="Iskoola Pota"/>
+        <a:font script="Mong" typeface="Mongolian Baiti"/>
+        <a:font script="Viet" typeface="Arial"/>
+        <a:font script="Uigh" typeface="Microsoft Uighur"/>
+        <a:font script="Geor" typeface="Sylfaen"/>
+        <a:font script="Armn" typeface="Arial"/>
+        <a:font script="Bugi" typeface="Leelawadee UI"/>
+        <a:font script="Bopo" typeface="Microsoft JhengHei"/>
+        <a:font script="Java" typeface="Javanese Text"/>
+        <a:font script="Lisu" typeface="Segoe UI"/>
+        <a:font script="Mymr" typeface="Myanmar Text"/>
+        <a:font script="Nkoo" typeface="Ebrima"/>
+        <a:font script="Olck" typeface="Nirmala UI"/>
+        <a:font script="Osma" typeface="Ebrima"/>
+        <a:font script="Phag" typeface="Phagspa"/>
+        <a:font script="Syrn" typeface="Estrangelo Edessa"/>
+        <a:font script="Syrj" typeface="Estrangelo Edessa"/>
+        <a:font script="Syre" typeface="Estrangelo Edessa"/>
+        <a:font script="Sora" typeface="Nirmala UI"/>
+        <a:font script="Tale" typeface="Microsoft Tai Le"/>
+        <a:font script="Talu" typeface="Microsoft New Tai Lue"/>
+        <a:font script="Tfng" typeface="Ebrima"/>
+      </a:minorFont>
+    </a:fontScheme>
+    <a:fmtScheme name="Office">
+      <a:fillStyleLst>
+        <a:solidFill>
+          <a:schemeClr val="phClr"/>
+        </a:solidFill>
+        <a:gradFill rotWithShape="1">
+          <a:gsLst>
+            <a:gs pos="0">
+              <a:schemeClr val="phClr">
+                <a:lumMod val="110000"/>
+                <a:satMod val="105000"/>
+                <a:tint val="67000"/>
+              </a:schemeClr>
+            </a:gs>
+            <a:gs pos="50000">
+              <a:schemeClr val="phClr">
+                <a:lumMod val="105000"/>
+                <a:satMod val="103000"/>
+                <a:tint val="73000"/>
+              </a:schemeClr>
+            </a:gs>
+            <a:gs pos="100000">
+              <a:schemeClr val="phClr">
+                <a:lumMod val="105000"/>
+                <a:satMod val="109000"/>
+                <a:tint val="81000"/>
+              </a:schemeClr>
+            </a:gs>
+          </a:gsLst>
+          <a:lin ang="5400000" scaled="0"/>
+        </a:gradFill>
+        <a:gradFill rotWithShape="1">
+          <a:gsLst>
+            <a:gs pos="0">
+              <a:schemeClr val="phClr">
+                <a:satMod val="103000"/>
+                <a:lumMod val="102000"/>
+                <a:tint val="94000"/>
+              </a:schemeClr>
+            </a:gs>
+            <a:gs pos="50000">
+              <a:schemeClr val="phClr">
+                <a:satMod val="110000"/>
+                <a:lumMod val="100000"/>
+                <a:shade val="100000"/>
+              </a:schemeClr>
+            </a:gs>
+            <a:gs pos="100000">
+              <a:schemeClr val="phClr">
+                <a:lumMod val="99000"/>
+                <a:satMod val="120000"/>
+                <a:shade val="78000"/>
+              </a:schemeClr>
+            </a:gs>
+          </a:gsLst>
+          <a:lin ang="5400000" scaled="0"/>
+        </a:gradFill>
+      </a:fillStyleLst>
+      <a:lnStyleLst>
+        <a:ln w="6350" cap="flat" cmpd="sng" algn="ctr">
+          <a:solidFill>
+            <a:schemeClr val="phClr"/>
+          </a:solidFill>
+          <a:prstDash val="solid"/>
+          <a:miter lim="800000"/>
+        </a:ln>
+        <a:ln w="12700" cap="flat" cmpd="sng" algn="ctr">
+          <a:solidFill>
+            <a:schemeClr val="phClr"/>
+          </a:solidFill>
+          <a:prstDash val="solid"/>
+          <a:miter lim="800000"/>
+        </a:ln>
+        <a:ln w="19050" cap="flat" cmpd="sng" algn="ctr">
+          <a:solidFill>
+            <a:schemeClr val="phClr"/>
+          </a:solidFill>
+          <a:prstDash val="solid"/>
+          <a:miter lim="800000"/>
+        </a:ln>
+      </a:lnStyleLst>
+      <a:effectStyleLst>
+        <a:effectStyle>
+          <a:effectLst/>
+        </a:effectStyle>
+        <a:effectStyle>
+          <a:effectLst/>
+        </a:effectStyle>
+        <a:effectStyle>
+          <a:effectLst>
+            <a:outerShdw blurRad="57150" dist="19050" dir="5400000" algn="ctr" rotWithShape="0">
+              <a:srgbClr val="000000">
+                <a:alpha val="63000"/>
+              </a:srgbClr>
+            </a:outerShdw>
+          </a:effectLst>
+        </a:effectStyle>
+      </a:effectStyleLst>
+      <a:bgFillStyleLst>
+        <a:solidFill>
+          <a:schemeClr val="phClr"/>
+        </a:solidFill>
+        <a:solidFill>
+          <a:schemeClr val="phClr">
+            <a:tint val="95000"/>
+            <a:satMod val="170000"/>
+          </a:schemeClr>
+        </a:solidFill>
+        <a:gradFill rotWithShape="1">
+          <a:gsLst>
+            <a:gs pos="0">
+              <a:schemeClr val="phClr">
+                <a:tint val="93000"/>
+                <a:satMod val="150000"/>
+                <a:shade val="98000"/>
+                <a:lumMod val="102000"/>
+              </a:schemeClr>
+            </a:gs>
+            <a:gs pos="50000">
+              <a:schemeClr val="phClr">
+                <a:tint val="98000"/>
+                <a:satMod val="130000"/>
+                <a:shade val="90000"/>
+                <a:lumMod val="103000"/>
+              </a:schemeClr>
+            </a:gs>
+            <a:gs pos="100000">
+              <a:schemeClr val="phClr">
+                <a:shade val="63000"/>
+                <a:satMod val="120000"/>
+              </a:schemeClr>
+            </a:gs>
+          </a:gsLst>
+          <a:lin ang="5400000" scaled="0"/>
+        </a:gradFill>
+      </a:bgFillStyleLst>
+    </a:fmtScheme>
+  </a:themeElements>
+  <a:objectDefaults/>
+  <a:extraClrSchemeLst/>
+  <a:extLst>
+    <a:ext uri="{05A4C25C-085E-4340-85A3-A5531E510DB2}">
+      <thm15:themeFamily xmlns:thm15="http://schemas.microsoft.com/office/thememl/2012/main" name="Office Theme" id="{62F939B6-93AF-4DB8-9C6B-D6C7DFDC589F}" vid="{4A3C46E8-61CC-4603-A589-7422A47A8E4A}"/>
+    </a:ext>
+  </a:extLst>
+</a:theme>
 </file>
--- a/Procedurell_Generering_Prototyp.pptx
+++ b/Procedurell_Generering_Prototyp.pptx
@@ -896,7 +896,7 @@
             </a:r>
             <a:r>
               <a:rPr lang="sv-SE" dirty="0"/>
-              <a:t> känner till. Min AI känner till nånstans mellan 19 och 38 strategier beroende på hur man väljer att räkna.</a:t>
+              <a:t> känner till. Svårighetsgraden som använder anger avgör vilka strategier som kan användas.</a:t>
             </a:r>
           </a:p>
           <a:p>
@@ -5719,47 +5719,6 @@
       </p:sp>
       <p:sp>
         <p:nvSpPr>
-          <p:cNvPr id="12" name="textruta 11">
-            <a:extLst>
-              <a:ext uri="{FF2B5EF4-FFF2-40B4-BE49-F238E27FC236}">
-                <a16:creationId xmlns:a16="http://schemas.microsoft.com/office/drawing/2014/main" id="{4B233A35-6641-EE6B-B3BE-6900F82C3BE6}"/>
-              </a:ext>
-            </a:extLst>
-          </p:cNvPr>
-          <p:cNvSpPr txBox="1"/>
-          <p:nvPr/>
-        </p:nvSpPr>
-        <p:spPr>
-          <a:xfrm>
-            <a:off x="2224460" y="6418918"/>
-            <a:ext cx="6096000" cy="369332"/>
-          </a:xfrm>
-          <a:prstGeom prst="rect">
-            <a:avLst/>
-          </a:prstGeom>
-          <a:noFill/>
-        </p:spPr>
-        <p:txBody>
-          <a:bodyPr wrap="square">
-            <a:spAutoFit/>
-          </a:bodyPr>
-          <a:lstStyle/>
-          <a:p>
-            <a:r>
-              <a:rPr lang="sv-SE" dirty="0">
-                <a:hlinkClick r:id="rId3"/>
-              </a:rPr>
-              <a:t>https://www.sudoku-solutions.com/</a:t>
-            </a:r>
-            <a:r>
-              <a:rPr lang="sv-SE" dirty="0"/>
-              <a:t> </a:t>
-            </a:r>
-          </a:p>
-        </p:txBody>
-      </p:sp>
-      <p:sp>
-        <p:nvSpPr>
           <p:cNvPr id="3" name="Title 1">
             <a:extLst>
               <a:ext uri="{FF2B5EF4-FFF2-40B4-BE49-F238E27FC236}">
@@ -5826,7 +5785,7 @@
           <p:nvPr/>
         </p:nvPicPr>
         <p:blipFill>
-          <a:blip r:embed="rId4"/>
+          <a:blip r:embed="rId3"/>
           <a:stretch>
             <a:fillRect/>
           </a:stretch>
@@ -5856,7 +5815,7 @@
         <p:spPr>
           <a:xfrm>
             <a:off x="191344" y="2531992"/>
-            <a:ext cx="6184900" cy="2585323"/>
+            <a:ext cx="6184900" cy="2308324"/>
           </a:xfrm>
           <a:prstGeom prst="rect">
             <a:avLst/>
@@ -5909,18 +5868,17 @@
             </a:r>
             <a:r>
               <a:rPr lang="sv-SE" dirty="0"/>
-              <a:t> (</a:t>
-            </a:r>
-            <a:r>
-              <a:rPr lang="sv-SE" dirty="0">
-                <a:hlinkClick r:id="rId5"/>
-              </a:rPr>
-              <a:t>https://en.wikipedia.org/wiki/Graph_rewriting</a:t>
-            </a:r>
-            <a:r>
-              <a:rPr lang="sv-SE" dirty="0"/>
-              <a:t> )</a:t>
-            </a:r>
+              <a:t> (Graph </a:t>
+            </a:r>
+            <a:r>
+              <a:rPr lang="sv-SE" dirty="0" err="1"/>
+              <a:t>Rewriting</a:t>
+            </a:r>
+            <a:r>
+              <a:rPr lang="sv-SE"/>
+              <a:t>, 2022)</a:t>
+            </a:r>
+            <a:endParaRPr lang="sv-SE" dirty="0"/>
           </a:p>
           <a:p>
             <a:endParaRPr lang="sv-SE" dirty="0"/>
@@ -6051,6 +6009,41 @@
               <a:t>method</a:t>
             </a:r>
             <a:endParaRPr lang="sv-SE" dirty="0"/>
+          </a:p>
+        </p:txBody>
+      </p:sp>
+      <p:sp>
+        <p:nvSpPr>
+          <p:cNvPr id="5" name="textruta 4">
+            <a:extLst>
+              <a:ext uri="{FF2B5EF4-FFF2-40B4-BE49-F238E27FC236}">
+                <a16:creationId xmlns:a16="http://schemas.microsoft.com/office/drawing/2014/main" id="{7CEEF7EB-9443-9582-A79B-4A03F58505F1}"/>
+              </a:ext>
+            </a:extLst>
+          </p:cNvPr>
+          <p:cNvSpPr txBox="1"/>
+          <p:nvPr/>
+        </p:nvSpPr>
+        <p:spPr>
+          <a:xfrm>
+            <a:off x="119336" y="6458686"/>
+            <a:ext cx="6096000" cy="369332"/>
+          </a:xfrm>
+          <a:prstGeom prst="rect">
+            <a:avLst/>
+          </a:prstGeom>
+          <a:noFill/>
+        </p:spPr>
+        <p:txBody>
+          <a:bodyPr wrap="square">
+            <a:spAutoFit/>
+          </a:bodyPr>
+          <a:lstStyle/>
+          <a:p>
+            <a:r>
+              <a:rPr lang="sv-SE" dirty="0"/>
+              <a:t>Bildkälla: Sudoku Solutions (u.å.). </a:t>
+            </a:r>
           </a:p>
         </p:txBody>
       </p:sp>
@@ -6137,7 +6130,7 @@
         </p:nvSpPr>
         <p:spPr>
           <a:xfrm>
-            <a:off x="14660" y="404664"/>
+            <a:off x="161143" y="838121"/>
             <a:ext cx="10515600" cy="1325563"/>
           </a:xfrm>
           <a:prstGeom prst="rect">
@@ -6256,7 +6249,7 @@
         </p:nvSpPr>
         <p:spPr>
           <a:xfrm>
-            <a:off x="191344" y="1618922"/>
+            <a:off x="444212" y="1991639"/>
             <a:ext cx="6184900" cy="3693319"/>
           </a:xfrm>
           <a:prstGeom prst="rect">
@@ -6284,7 +6277,7 @@
                   <a:srgbClr val="FFFF00"/>
                 </a:highlight>
               </a:rPr>
-              <a:t>HumanlySolveable</a:t>
+              <a:t>HumanlySolvable</a:t>
             </a:r>
             <a:r>
               <a:rPr lang="sv-SE" dirty="0"/>
@@ -6692,14 +6685,12 @@
               <a:t> Generering: metod för att generera data algoritmiskt istället för manuellt (</a:t>
             </a:r>
             <a:r>
-              <a:rPr lang="sv-SE" dirty="0">
-                <a:hlinkClick r:id="rId3"/>
-              </a:rPr>
-              <a:t>https://en.wikipedia.org/wiki/Procedural_generation</a:t>
-            </a:r>
-            <a:r>
-              <a:rPr lang="sv-SE" dirty="0"/>
-              <a:t>)</a:t>
+              <a:rPr lang="sv-SE" dirty="0" err="1"/>
+              <a:t>Procedural</a:t>
+            </a:r>
+            <a:r>
+              <a:rPr lang="sv-SE" dirty="0"/>
+              <a:t> Generation, 2013) </a:t>
             </a:r>
           </a:p>
           <a:p>
@@ -6982,7 +6973,7 @@
         <p:spPr>
           <a:xfrm>
             <a:off x="1055440" y="2571747"/>
-            <a:ext cx="10081120" cy="3416320"/>
+            <a:ext cx="10081120" cy="3139321"/>
           </a:xfrm>
           <a:prstGeom prst="rect">
             <a:avLst/>
@@ -7009,17 +7000,31 @@
             </a:r>
             <a:r>
               <a:rPr lang="sv-SE" dirty="0"/>
-              <a:t>) reduceras till en enda position p.g.a. interaktion med den externa världen. </a:t>
-            </a:r>
-            <a:r>
-              <a:rPr lang="sv-SE" dirty="0">
-                <a:hlinkClick r:id="rId3"/>
-              </a:rPr>
-              <a:t>https://en.wikipedia.org/wiki/Wave_function_collapse</a:t>
+              <a:t>) reduceras till en enda position p.g.a. interaktion med den externa världen (</a:t>
+            </a:r>
+            <a:r>
+              <a:rPr lang="sv-SE" dirty="0" err="1"/>
+              <a:t>Wave</a:t>
             </a:r>
             <a:r>
               <a:rPr lang="sv-SE" dirty="0"/>
               <a:t> </a:t>
+            </a:r>
+            <a:r>
+              <a:rPr lang="sv-SE" dirty="0" err="1"/>
+              <a:t>Function</a:t>
+            </a:r>
+            <a:r>
+              <a:rPr lang="sv-SE" dirty="0"/>
+              <a:t> </a:t>
+            </a:r>
+            <a:r>
+              <a:rPr lang="sv-SE" dirty="0" err="1"/>
+              <a:t>Collapse</a:t>
+            </a:r>
+            <a:r>
+              <a:rPr lang="sv-SE" dirty="0"/>
+              <a:t>, 2023). </a:t>
             </a:r>
           </a:p>
           <a:p>
@@ -7433,8 +7438,8 @@
         </p:nvSpPr>
         <p:spPr>
           <a:xfrm>
-            <a:off x="1271464" y="6029631"/>
-            <a:ext cx="6094268" cy="646331"/>
+            <a:off x="6505250" y="6365387"/>
+            <a:ext cx="6094268" cy="369332"/>
           </a:xfrm>
           <a:prstGeom prst="rect">
             <a:avLst/>
@@ -7448,15 +7453,14 @@
           <a:lstStyle/>
           <a:p>
             <a:r>
-              <a:rPr lang="sv-SE" dirty="0">
-                <a:hlinkClick r:id="rId6"/>
-              </a:rPr>
-              <a:t>https://www.youtube.com/watch?v=2SuvO4Gi7uY&amp;ab_channel=MartinDonald</a:t>
-            </a:r>
-            <a:r>
-              <a:rPr lang="sv-SE" dirty="0"/>
-              <a:t> </a:t>
-            </a:r>
+              <a:rPr lang="en-US" dirty="0" err="1"/>
+              <a:t>Bildkälla</a:t>
+            </a:r>
+            <a:r>
+              <a:rPr lang="en-US" dirty="0"/>
+              <a:t>: Donald (2020)</a:t>
+            </a:r>
+            <a:endParaRPr lang="sv-SE" dirty="0"/>
           </a:p>
         </p:txBody>
       </p:sp>
@@ -8188,7 +8192,7 @@
                   <a:srgbClr val="00FFFF"/>
                 </a:highlight>
               </a:rPr>
-              <a:t>HumanlySolveable</a:t>
+              <a:t>HumanlySolvable</a:t>
             </a:r>
             <a:r>
               <a:rPr lang="sv-SE" dirty="0"/>
@@ -8312,7 +8316,7 @@
                   <a:srgbClr val="00FFFF"/>
                 </a:highlight>
               </a:rPr>
-              <a:t>HumanlySolveable</a:t>
+              <a:t>HumanlySolvable</a:t>
             </a:r>
             <a:r>
               <a:rPr lang="sv-SE" dirty="0"/>
@@ -8801,7 +8805,7 @@
         </p:nvSpPr>
         <p:spPr>
           <a:xfrm>
-            <a:off x="1320767" y="6074465"/>
+            <a:off x="119336" y="6458686"/>
             <a:ext cx="6096000" cy="369332"/>
           </a:xfrm>
           <a:prstGeom prst="rect">
@@ -8816,14 +8820,8 @@
           <a:lstStyle/>
           <a:p>
             <a:r>
-              <a:rPr lang="sv-SE" dirty="0">
-                <a:hlinkClick r:id="rId6"/>
-              </a:rPr>
-              <a:t>https://www.sudoku-solutions.com/</a:t>
-            </a:r>
-            <a:r>
-              <a:rPr lang="sv-SE" dirty="0"/>
-              <a:t> </a:t>
+              <a:rPr lang="sv-SE" dirty="0"/>
+              <a:t>Bildkälla: Sudoku Solutions (u.å.). </a:t>
             </a:r>
           </a:p>
         </p:txBody>
@@ -8986,47 +8984,6 @@
           </a:p>
         </p:txBody>
       </p:sp>
-      <p:sp>
-        <p:nvSpPr>
-          <p:cNvPr id="12" name="textruta 11">
-            <a:extLst>
-              <a:ext uri="{FF2B5EF4-FFF2-40B4-BE49-F238E27FC236}">
-                <a16:creationId xmlns:a16="http://schemas.microsoft.com/office/drawing/2014/main" id="{4B233A35-6641-EE6B-B3BE-6900F82C3BE6}"/>
-              </a:ext>
-            </a:extLst>
-          </p:cNvPr>
-          <p:cNvSpPr txBox="1"/>
-          <p:nvPr/>
-        </p:nvSpPr>
-        <p:spPr>
-          <a:xfrm>
-            <a:off x="2224460" y="6418918"/>
-            <a:ext cx="6096000" cy="369332"/>
-          </a:xfrm>
-          <a:prstGeom prst="rect">
-            <a:avLst/>
-          </a:prstGeom>
-          <a:noFill/>
-        </p:spPr>
-        <p:txBody>
-          <a:bodyPr wrap="square">
-            <a:spAutoFit/>
-          </a:bodyPr>
-          <a:lstStyle/>
-          <a:p>
-            <a:r>
-              <a:rPr lang="sv-SE" dirty="0">
-                <a:hlinkClick r:id="rId3"/>
-              </a:rPr>
-              <a:t>https://www.sudoku-solutions.com/</a:t>
-            </a:r>
-            <a:r>
-              <a:rPr lang="sv-SE" dirty="0"/>
-              <a:t> </a:t>
-            </a:r>
-          </a:p>
-        </p:txBody>
-      </p:sp>
       <p:pic>
         <p:nvPicPr>
           <p:cNvPr id="5" name="Bildobjekt 4">
@@ -9042,7 +8999,7 @@
           <p:nvPr/>
         </p:nvPicPr>
         <p:blipFill>
-          <a:blip r:embed="rId4"/>
+          <a:blip r:embed="rId3"/>
           <a:stretch>
             <a:fillRect/>
           </a:stretch>
@@ -9057,6 +9014,41 @@
           </a:prstGeom>
         </p:spPr>
       </p:pic>
+      <p:sp>
+        <p:nvSpPr>
+          <p:cNvPr id="6" name="textruta 5">
+            <a:extLst>
+              <a:ext uri="{FF2B5EF4-FFF2-40B4-BE49-F238E27FC236}">
+                <a16:creationId xmlns:a16="http://schemas.microsoft.com/office/drawing/2014/main" id="{86B2570E-3F14-7EB2-15A5-661EDD1919B8}"/>
+              </a:ext>
+            </a:extLst>
+          </p:cNvPr>
+          <p:cNvSpPr txBox="1"/>
+          <p:nvPr/>
+        </p:nvSpPr>
+        <p:spPr>
+          <a:xfrm>
+            <a:off x="119336" y="6458686"/>
+            <a:ext cx="6096000" cy="369332"/>
+          </a:xfrm>
+          <a:prstGeom prst="rect">
+            <a:avLst/>
+          </a:prstGeom>
+          <a:noFill/>
+        </p:spPr>
+        <p:txBody>
+          <a:bodyPr wrap="square">
+            <a:spAutoFit/>
+          </a:bodyPr>
+          <a:lstStyle/>
+          <a:p>
+            <a:r>
+              <a:rPr lang="sv-SE" dirty="0"/>
+              <a:t>Bildkälla: Sudoku Solutions (u.å.). </a:t>
+            </a:r>
+          </a:p>
+        </p:txBody>
+      </p:sp>
     </p:spTree>
     <p:extLst>
       <p:ext uri="{BB962C8B-B14F-4D97-AF65-F5344CB8AC3E}">

--- a/Procedurell_Generering_Prototyp.pptx
+++ b/Procedurell_Generering_Prototyp.pptx
@@ -657,7 +657,15 @@
           <a:p>
             <a:r>
               <a:rPr lang="sv-SE" dirty="0"/>
-              <a:t>Den nya, transformerade, grafen är brädet som uppstår efter att kandidater har tagits bort av </a:t>
+              <a:t>Den nya, transformerade, grafen är brädet som uppstår efter att kandidater har tagits bort </a:t>
+            </a:r>
+            <a:r>
+              <a:rPr lang="sv-SE" dirty="0" err="1"/>
+              <a:t>m.h.a</a:t>
+            </a:r>
+            <a:r>
+              <a:rPr lang="sv-SE" dirty="0"/>
+              <a:t>. </a:t>
             </a:r>
             <a:r>
               <a:rPr lang="sv-SE" dirty="0" err="1"/>
@@ -826,7 +834,7 @@
             </a:r>
             <a:r>
               <a:rPr lang="sv-SE" dirty="0" err="1"/>
-              <a:t>HumanlySolveable</a:t>
+              <a:t>HumanlySolvable</a:t>
             </a:r>
             <a:r>
               <a:rPr lang="sv-SE" dirty="0"/>
@@ -888,7 +896,7 @@
             </a:r>
             <a:r>
               <a:rPr lang="sv-SE" dirty="0"/>
-              <a:t>. Om inte det går så kan alltså inte brädet lösas logiskt med mänskliga strategier, åtminstone inte med de strategier som </a:t>
+              <a:t>. Om inte det går så kan alltså inte brädet lösas logiskt med mänskliga strategier, åtminstone inte med de strategier som den </a:t>
             </a:r>
             <a:r>
               <a:rPr lang="sv-SE" dirty="0" err="1"/>
@@ -896,7 +904,16 @@
             </a:r>
             <a:r>
               <a:rPr lang="sv-SE" dirty="0"/>
-              <a:t> känner till. Svårighetsgraden som använder anger avgör vilka strategier som kan användas.</a:t>
+              <a:t> känner till. </a:t>
+            </a:r>
+          </a:p>
+          <a:p>
+            <a:endParaRPr lang="sv-SE" dirty="0"/>
+          </a:p>
+          <a:p>
+            <a:r>
+              <a:rPr lang="sv-SE" dirty="0"/>
+              <a:t>Den valda svårighetsgraden avgör vilka strategier som kan användas.</a:t>
             </a:r>
           </a:p>
           <a:p>
@@ -1093,7 +1110,7 @@
             </a:r>
             <a:r>
               <a:rPr lang="sv-SE" i="0" dirty="0"/>
-              <a:t> WFC. Den har även en inbyggd lösnings-AI som säkerställer att en människa kan lösa det sudoku som kan genereras. Den </a:t>
+              <a:t> WFC. Den har även en inbyggd lösnings-AI som säkerställer att en människa kan lösa det sudoku som skapats. Den </a:t>
             </a:r>
             <a:r>
               <a:rPr lang="sv-SE" i="0" dirty="0" err="1"/>
@@ -1301,30 +1318,6 @@
               <a:t>.</a:t>
             </a:r>
           </a:p>
-          <a:p>
-            <a:endParaRPr lang="sv-SE" i="1" dirty="0"/>
-          </a:p>
-          <a:p>
-            <a:endParaRPr lang="sv-SE" i="1" dirty="0"/>
-          </a:p>
-          <a:p>
-            <a:r>
-              <a:rPr lang="sv-SE" i="1" dirty="0"/>
-              <a:t>Kommentar: demonstration. Visa spelupplevelsen med hjälp av en videoinspelning. Redogör för upplevelsens start- och slutpunkt. Kommentera videoinspelningen muntligt med tydlig koppling till den valda AI-teknologin.</a:t>
-            </a:r>
-          </a:p>
-          <a:p>
-            <a:endParaRPr lang="sv-SE" i="1" dirty="0"/>
-          </a:p>
-          <a:p>
-            <a:r>
-              <a:rPr lang="sv-SE" i="1" dirty="0"/>
-              <a:t>Kommentar. Infoga några bra skärmbilder från spelet som visar centrala delar av spelupplevelsen.</a:t>
-            </a:r>
-          </a:p>
-          <a:p>
-            <a:endParaRPr lang="sv-SE" dirty="0"/>
-          </a:p>
         </p:txBody>
       </p:sp>
       <p:sp>
@@ -1442,15 +1435,7 @@
           <a:p>
             <a:r>
               <a:rPr lang="sv-SE" dirty="0"/>
-              <a:t>När </a:t>
-            </a:r>
-            <a:r>
-              <a:rPr lang="sv-SE" dirty="0" err="1"/>
-              <a:t>envågfunktion</a:t>
-            </a:r>
-            <a:r>
-              <a:rPr lang="sv-SE" dirty="0"/>
-              <a:t> kollapsar så kommer andra vågfunktionen påverkas av kollapsen: informationen propagerar.</a:t>
+              <a:t>När en vågfunktion kollapsar så kommer andra vågfunktioner att påverkas av kollapsen: man säger att informationen propagerar.</a:t>
             </a:r>
           </a:p>
           <a:p>
@@ -1468,15 +1453,15 @@
           <a:p>
             <a:r>
               <a:rPr lang="sv-SE" dirty="0"/>
-              <a:t>De regler som reducerar en vågfunktion kan vara väldigt komplicerade. Men för ett sudoku är det väldigt trivialt om man ska jämföra med exempelvis ett 3D-grid </a:t>
-            </a:r>
-            <a:r>
-              <a:rPr lang="sv-SE" dirty="0" err="1"/>
-              <a:t>tile-systmem</a:t>
-            </a:r>
-            <a:r>
-              <a:rPr lang="sv-SE" dirty="0"/>
-              <a:t>.</a:t>
+              <a:t>De regler som reducerar en vågfunktion kan vara väldigt komplexa. Men för ett sudoku är det väldigt trivialt om man ska jämföra med exempelvis ett 3D-grid </a:t>
+            </a:r>
+            <a:r>
+              <a:rPr lang="sv-SE" dirty="0" err="1"/>
+              <a:t>tile</a:t>
+            </a:r>
+            <a:r>
+              <a:rPr lang="sv-SE" dirty="0"/>
+              <a:t>-system.</a:t>
             </a:r>
           </a:p>
           <a:p>
@@ -1566,7 +1551,7 @@
           <a:p>
             <a:r>
               <a:rPr lang="sv-SE" dirty="0"/>
-              <a:t>I ett Sudoku måste varje rad, kolumn och 3x3 box innehålla sifforna 1-9. I ett tomt bräde kan varje cell fortfarande vara vilken siffra som helst mellan 1-9. Alla celler har alltså 9 kandidater, dvs entropi 9. Genom att lägga exempelvis en 5:a i rutan enligt mittenbilden så kan ingen flera femma vara i de celler som femman interagerar med, dvs de celler i samma rad, kolumn och box. Kollapsen propagerar informationen till de cellerna som tappar kandidaten 5 från deras superposition, och de har nu en entropi på 8. </a:t>
+              <a:t>I ett Sudoku måste varje rad, kolumn och 3x3 box innehålla sifforna 1-9. I ett tomt bräde kan varje cell fortfarande vara vilken siffra som helst. Alla celler har alltså 9 kandidater, dvs entropi 9. Genom att lägga exempelvis en 5:a i rutan enligt mittenbilden så kan ingen till femma finnas i de celler som femman interagerar med, dvs de celler i samma rad, kolumn och box. Kollapsen propagerar informationen till de cellerna som tappar kandidaten 5 från deras superposition, och de har nu en entropi på 8. </a:t>
             </a:r>
           </a:p>
           <a:p>
@@ -1575,7 +1560,16 @@
           <a:p>
             <a:r>
               <a:rPr lang="sv-SE" dirty="0"/>
-              <a:t>Lite förenklat så består min algoritm av tre steg. Så länge brädet inte är ifyllt:</a:t>
+              <a:t>Lite förenklat så består min algoritm av tre steg. </a:t>
+            </a:r>
+          </a:p>
+          <a:p>
+            <a:endParaRPr lang="sv-SE" dirty="0"/>
+          </a:p>
+          <a:p>
+            <a:r>
+              <a:rPr lang="sv-SE" dirty="0"/>
+              <a:t>Så länge brädet inte är ifyllt:</a:t>
             </a:r>
           </a:p>
           <a:p>
@@ -1584,7 +1578,7 @@
             </a:pPr>
             <a:r>
               <a:rPr lang="sv-SE" dirty="0"/>
-              <a:t>Hitta cell med lägst entropi</a:t>
+              <a:t>Så hittar man den cell med lägst entropi (om flera finns så väljs en på måfå).</a:t>
             </a:r>
           </a:p>
           <a:p>
@@ -1593,7 +1587,7 @@
             </a:pPr>
             <a:r>
               <a:rPr lang="sv-SE" dirty="0"/>
-              <a:t>Kollapsa den cellen till dess lägsta möjliga kandidat</a:t>
+              <a:t>Man kollapsar den cellen till dess lägsta möjliga kandidat</a:t>
             </a:r>
           </a:p>
           <a:p>
@@ -1602,40 +1596,7 @@
             </a:pPr>
             <a:r>
               <a:rPr lang="sv-SE" dirty="0"/>
-              <a:t>Propagera den informationen till alla </a:t>
-            </a:r>
-            <a:r>
-              <a:rPr lang="sv-SE" dirty="0" err="1"/>
-              <a:t>tiles</a:t>
-            </a:r>
-            <a:r>
-              <a:rPr lang="sv-SE" dirty="0"/>
-              <a:t> som interagerar med den.</a:t>
-            </a:r>
-          </a:p>
-          <a:p>
-            <a:endParaRPr lang="sv-SE" dirty="0"/>
-          </a:p>
-          <a:p>
-            <a:r>
-              <a:rPr lang="sv-SE" dirty="0"/>
-              <a:t>I min algoritm så väljer man alltid den cell som har lägst entropi. Om det finns flera celler med samma entropi så väljs en på måfå, som exempelvis vid starten då alla har entropi 9. Man kollapsar sedan den cellen till dess lägsta möjliga </a:t>
-            </a:r>
-            <a:r>
-              <a:rPr lang="sv-SE" dirty="0" err="1"/>
-              <a:t>kandidate</a:t>
-            </a:r>
-            <a:r>
-              <a:rPr lang="sv-SE" dirty="0"/>
-              <a:t> och </a:t>
-            </a:r>
-            <a:r>
-              <a:rPr lang="sv-SE" dirty="0" err="1"/>
-              <a:t>progagerar</a:t>
-            </a:r>
-            <a:r>
-              <a:rPr lang="sv-SE" dirty="0"/>
-              <a:t> den informationen vidare.</a:t>
+              <a:t>Och till sist så propagerar man den informationen till alla celler som den interagerar med.</a:t>
             </a:r>
           </a:p>
           <a:p>
@@ -1742,7 +1703,7 @@
           <a:p>
             <a:r>
               <a:rPr lang="sv-SE" dirty="0"/>
-              <a:t>När man väl har fyllt brädet så måste man såklart ta bort ett antal siffror därifrån, annars skulle det inte vara ett pussel.</a:t>
+              <a:t>När man väl har fyllt brädet så måste man såklart ta bort ett antal siffror, annars skulle det inte vara ett pussel.</a:t>
             </a:r>
           </a:p>
           <a:p>
@@ -1759,7 +1720,7 @@
             </a:r>
             <a:r>
               <a:rPr lang="sv-SE" dirty="0"/>
-              <a:t> i brädet, igen med ordningen lägst entropi först, och anger att det indexet är besökt.</a:t>
+              <a:t> i brädet, igen med ordningen lägst entropi först</a:t>
             </a:r>
           </a:p>
           <a:p>
@@ -1767,8 +1728,46 @@
           </a:p>
           <a:p>
             <a:r>
-              <a:rPr lang="sv-SE" dirty="0"/>
-              <a:t>Sen tar jag bort den </a:t>
+              <a:rPr lang="sv-SE" dirty="0" err="1"/>
+              <a:t>Tilen</a:t>
+            </a:r>
+            <a:r>
+              <a:rPr lang="sv-SE" dirty="0"/>
+              <a:t> med lägst entropi tar jag bort från brädet.</a:t>
+            </a:r>
+          </a:p>
+          <a:p>
+            <a:endParaRPr lang="sv-SE" dirty="0"/>
+          </a:p>
+          <a:p>
+            <a:r>
+              <a:rPr lang="sv-SE" dirty="0"/>
+              <a:t>Men nu måste två grejer kollas:</a:t>
+            </a:r>
+          </a:p>
+          <a:p>
+            <a:endParaRPr lang="sv-SE" dirty="0"/>
+          </a:p>
+          <a:p>
+            <a:r>
+              <a:rPr lang="sv-SE" dirty="0"/>
+              <a:t>Den första är att brädet fortfarande bara har en lösning, annars är det inte ett giltigt sudoku. Med en modifierad version av min </a:t>
+            </a:r>
+            <a:r>
+              <a:rPr lang="sv-SE" dirty="0" err="1"/>
+              <a:t>backtracking</a:t>
+            </a:r>
+            <a:r>
+              <a:rPr lang="sv-SE" dirty="0"/>
+              <a:t>-algoritm så kan man hitta alla lösningar med </a:t>
+            </a:r>
+            <a:r>
+              <a:rPr lang="sv-SE" dirty="0" err="1"/>
+              <a:t>brute</a:t>
+            </a:r>
+            <a:r>
+              <a:rPr lang="sv-SE" dirty="0"/>
+              <a:t> force. Om antalet är större än ett så är brädet inte giltigt längre, och </a:t>
             </a:r>
             <a:r>
               <a:rPr lang="sv-SE" dirty="0" err="1"/>
@@ -1776,7 +1775,7 @@
             </a:r>
             <a:r>
               <a:rPr lang="sv-SE" dirty="0"/>
-              <a:t> från brädet.</a:t>
+              <a:t> måste därför vara kvar.</a:t>
             </a:r>
           </a:p>
           <a:p>
@@ -1785,7 +1784,15 @@
           <a:p>
             <a:r>
               <a:rPr lang="sv-SE" dirty="0"/>
-              <a:t>Men nu måste två grejer kollas:</a:t>
+              <a:t>Den andra grejen som man måste kolla är om en människa fortfarande kan lösa brädet. Visst, en människa kan ju alltid lösa ett bräde genom att själv använda </a:t>
+            </a:r>
+            <a:r>
+              <a:rPr lang="sv-SE" dirty="0" err="1"/>
+              <a:t>brute</a:t>
+            </a:r>
+            <a:r>
+              <a:rPr lang="sv-SE" dirty="0"/>
+              <a:t> force, men det är inte alls tillfredsställande att göra. Istället vill man lösa brädet med hjälp av logiska strategier.</a:t>
             </a:r>
           </a:p>
           <a:p>
@@ -1794,49 +1801,7 @@
           <a:p>
             <a:r>
               <a:rPr lang="sv-SE" dirty="0"/>
-              <a:t>Den första är att brädet fortfarande bara har en lösning, annars är det inte ett giltigt sudoku. Med en modifierad version av min </a:t>
-            </a:r>
-            <a:r>
-              <a:rPr lang="sv-SE" dirty="0" err="1"/>
-              <a:t>backtracking</a:t>
-            </a:r>
-            <a:r>
-              <a:rPr lang="sv-SE" dirty="0"/>
-              <a:t>-algoritm så kan man räkna antal lösningar genom </a:t>
-            </a:r>
-            <a:r>
-              <a:rPr lang="sv-SE" dirty="0" err="1"/>
-              <a:t>brute</a:t>
-            </a:r>
-            <a:r>
-              <a:rPr lang="sv-SE" dirty="0"/>
-              <a:t> force.</a:t>
-            </a:r>
-          </a:p>
-          <a:p>
-            <a:endParaRPr lang="sv-SE" dirty="0"/>
-          </a:p>
-          <a:p>
-            <a:r>
-              <a:rPr lang="sv-SE" dirty="0"/>
-              <a:t>Den andra grejen som man måste kolla är om en människa fortfarande kan lösa bräde. Visst, en människa kan ju alltid lösa ett bräde genom att själv använda </a:t>
-            </a:r>
-            <a:r>
-              <a:rPr lang="sv-SE" dirty="0" err="1"/>
-              <a:t>brute</a:t>
-            </a:r>
-            <a:r>
-              <a:rPr lang="sv-SE" dirty="0"/>
-              <a:t> force, men det är inte alls tillfredsställande att göra. Istället vill man lösa brädet med hjälp av logiska strategier.</a:t>
-            </a:r>
-          </a:p>
-          <a:p>
-            <a:endParaRPr lang="sv-SE" dirty="0"/>
-          </a:p>
-          <a:p>
-            <a:r>
-              <a:rPr lang="sv-SE" dirty="0"/>
-              <a:t>Så då blir frågan, hur tusan kan man veta om ett sudoku kan lösas med mänskliga strategier??</a:t>
+              <a:t>Så då blir frågan, hur kan man veta om ett sudoku kan lösas med mänskliga strategier??</a:t>
             </a:r>
           </a:p>
         </p:txBody>
@@ -1932,7 +1897,7 @@
             </a:pPr>
             <a:r>
               <a:rPr lang="sv-SE" dirty="0"/>
-              <a:t>Är </a:t>
+              <a:t>Den först är </a:t>
             </a:r>
             <a:r>
               <a:rPr lang="sv-SE" dirty="0" err="1"/>
@@ -2066,7 +2031,7 @@
           <a:p>
             <a:r>
               <a:rPr lang="sv-SE" dirty="0"/>
-              <a:t>Här är ett exempel på den enklaste möjliga </a:t>
+              <a:t>Här är ett exempel en </a:t>
             </a:r>
             <a:r>
               <a:rPr lang="sv-SE" dirty="0" err="1"/>
@@ -2082,7 +2047,7 @@
             </a:r>
             <a:r>
               <a:rPr lang="sv-SE" dirty="0"/>
-              <a:t>. Man skannar igen brädet och letar efter en ruta med enbart en kandidat. Den kandidaten måste såklart vara vad som finns i rutan. Denna metod kallas ”</a:t>
+              <a:t>. Man skannar igenom brädet och letar efter en ruta med enbart en kandidat. Den kandidaten måste såklart vara den siffra som ska placeras i rutan. Denna metod kallas ”</a:t>
             </a:r>
             <a:r>
               <a:rPr lang="sv-SE" dirty="0" err="1"/>
@@ -7077,7 +7042,7 @@
             </a:pPr>
             <a:r>
               <a:rPr lang="sv-SE" dirty="0"/>
-              <a:t>I regel: komplicerade</a:t>
+              <a:t>I regel: komplexa</a:t>
             </a:r>
           </a:p>
           <a:p>
@@ -8543,7 +8508,7 @@
             </a:pPr>
             <a:r>
               <a:rPr lang="sv-SE" dirty="0"/>
-              <a:t>Man kan logiskt resonera vars en kandidat kan tas bort, men inte direkt placera någon siffra i brädet</a:t>
+              <a:t>Man kan logiskt resonera vars en kandidat kan tas bort (men inte direkt placera någon siffra i brädet)</a:t>
             </a:r>
           </a:p>
           <a:p>

--- a/Procedurell_Generering_Prototyp.pptx
+++ b/Procedurell_Generering_Prototyp.pptx
@@ -207,7 +207,7 @@
           <a:p>
             <a:fld id="{60F2EB4C-D24B-4EA5-8122-174D7942AF1E}" type="datetimeFigureOut">
               <a:rPr lang="sv-SE" smtClean="0"/>
-              <a:t>2023-05-22</a:t>
+              <a:t>2023-05-23</a:t>
             </a:fld>
             <a:endParaRPr lang="sv-SE"/>
           </a:p>
@@ -1220,7 +1220,7 @@
             </a:pPr>
             <a:r>
               <a:rPr lang="sv-SE" i="0" dirty="0"/>
-              <a:t>Jag skulle säga att jag har fokuserat ganska mycket på både AI-teknologin och spelupplevelsen.</a:t>
+              <a:t>Jag skulle säga att jag har lagt mest fokus på AI-teknologin.</a:t>
             </a:r>
           </a:p>
         </p:txBody>
@@ -2382,7 +2382,7 @@
           <a:p>
             <a:fld id="{8E64B585-400C-455D-9535-796762DC7C0E}" type="datetimeFigureOut">
               <a:rPr lang="sv-SE" smtClean="0"/>
-              <a:t>2023-05-22</a:t>
+              <a:t>2023-05-23</a:t>
             </a:fld>
             <a:endParaRPr lang="sv-SE"/>
           </a:p>
@@ -2582,7 +2582,7 @@
           <a:p>
             <a:fld id="{8E64B585-400C-455D-9535-796762DC7C0E}" type="datetimeFigureOut">
               <a:rPr lang="sv-SE" smtClean="0"/>
-              <a:t>2023-05-22</a:t>
+              <a:t>2023-05-23</a:t>
             </a:fld>
             <a:endParaRPr lang="sv-SE"/>
           </a:p>
@@ -2792,7 +2792,7 @@
           <a:p>
             <a:fld id="{8E64B585-400C-455D-9535-796762DC7C0E}" type="datetimeFigureOut">
               <a:rPr lang="sv-SE" smtClean="0"/>
-              <a:t>2023-05-22</a:t>
+              <a:t>2023-05-23</a:t>
             </a:fld>
             <a:endParaRPr lang="sv-SE"/>
           </a:p>
@@ -2992,7 +2992,7 @@
           <a:p>
             <a:fld id="{8E64B585-400C-455D-9535-796762DC7C0E}" type="datetimeFigureOut">
               <a:rPr lang="sv-SE" smtClean="0"/>
-              <a:t>2023-05-22</a:t>
+              <a:t>2023-05-23</a:t>
             </a:fld>
             <a:endParaRPr lang="sv-SE"/>
           </a:p>
@@ -3268,7 +3268,7 @@
           <a:p>
             <a:fld id="{8E64B585-400C-455D-9535-796762DC7C0E}" type="datetimeFigureOut">
               <a:rPr lang="sv-SE" smtClean="0"/>
-              <a:t>2023-05-22</a:t>
+              <a:t>2023-05-23</a:t>
             </a:fld>
             <a:endParaRPr lang="sv-SE"/>
           </a:p>
@@ -3536,7 +3536,7 @@
           <a:p>
             <a:fld id="{8E64B585-400C-455D-9535-796762DC7C0E}" type="datetimeFigureOut">
               <a:rPr lang="sv-SE" smtClean="0"/>
-              <a:t>2023-05-22</a:t>
+              <a:t>2023-05-23</a:t>
             </a:fld>
             <a:endParaRPr lang="sv-SE"/>
           </a:p>
@@ -3951,7 +3951,7 @@
           <a:p>
             <a:fld id="{8E64B585-400C-455D-9535-796762DC7C0E}" type="datetimeFigureOut">
               <a:rPr lang="sv-SE" smtClean="0"/>
-              <a:t>2023-05-22</a:t>
+              <a:t>2023-05-23</a:t>
             </a:fld>
             <a:endParaRPr lang="sv-SE"/>
           </a:p>
@@ -4093,7 +4093,7 @@
           <a:p>
             <a:fld id="{8E64B585-400C-455D-9535-796762DC7C0E}" type="datetimeFigureOut">
               <a:rPr lang="sv-SE" smtClean="0"/>
-              <a:t>2023-05-22</a:t>
+              <a:t>2023-05-23</a:t>
             </a:fld>
             <a:endParaRPr lang="sv-SE"/>
           </a:p>
@@ -4206,7 +4206,7 @@
           <a:p>
             <a:fld id="{8E64B585-400C-455D-9535-796762DC7C0E}" type="datetimeFigureOut">
               <a:rPr lang="sv-SE" smtClean="0"/>
-              <a:t>2023-05-22</a:t>
+              <a:t>2023-05-23</a:t>
             </a:fld>
             <a:endParaRPr lang="sv-SE"/>
           </a:p>
@@ -4519,7 +4519,7 @@
           <a:p>
             <a:fld id="{8E64B585-400C-455D-9535-796762DC7C0E}" type="datetimeFigureOut">
               <a:rPr lang="sv-SE" smtClean="0"/>
-              <a:t>2023-05-22</a:t>
+              <a:t>2023-05-23</a:t>
             </a:fld>
             <a:endParaRPr lang="sv-SE"/>
           </a:p>
@@ -4808,7 +4808,7 @@
           <a:p>
             <a:fld id="{8E64B585-400C-455D-9535-796762DC7C0E}" type="datetimeFigureOut">
               <a:rPr lang="sv-SE" smtClean="0"/>
-              <a:t>2023-05-22</a:t>
+              <a:t>2023-05-23</a:t>
             </a:fld>
             <a:endParaRPr lang="sv-SE"/>
           </a:p>
@@ -5051,7 +5051,7 @@
           <a:p>
             <a:fld id="{8E64B585-400C-455D-9535-796762DC7C0E}" type="datetimeFigureOut">
               <a:rPr lang="sv-SE" smtClean="0"/>
-              <a:t>2023-05-22</a:t>
+              <a:t>2023-05-23</a:t>
             </a:fld>
             <a:endParaRPr lang="sv-SE"/>
           </a:p>
@@ -6655,7 +6655,15 @@
             </a:r>
             <a:r>
               <a:rPr lang="sv-SE" dirty="0"/>
-              <a:t> Generation, 2013) </a:t>
+              <a:t> Generation</a:t>
+            </a:r>
+            <a:r>
+              <a:rPr lang="sv-SE"/>
+              <a:t>, 2023</a:t>
+            </a:r>
+            <a:r>
+              <a:rPr lang="sv-SE" dirty="0"/>
+              <a:t>) </a:t>
             </a:r>
           </a:p>
           <a:p>
@@ -7583,6 +7591,14 @@
             </a:r>
             <a:r>
               <a:rPr lang="sv-SE" dirty="0" err="1"/>
+              <a:t>grid</a:t>
+            </a:r>
+            <a:r>
+              <a:rPr lang="sv-SE" dirty="0"/>
+              <a:t>, </a:t>
+            </a:r>
+            <a:r>
+              <a:rPr lang="sv-SE" dirty="0" err="1"/>
               <a:t>tile</a:t>
             </a:r>
             <a:r>
@@ -7616,7 +7632,7 @@
             </a:r>
             <a:r>
               <a:rPr lang="sv-SE" dirty="0" err="1"/>
-              <a:t>contradiction</a:t>
+              <a:t>grid.contradiction</a:t>
             </a:r>
             <a:r>
               <a:rPr lang="sv-SE" dirty="0"/>
